--- a/Data-Compression/Huffman.pptx
+++ b/Data-Compression/Huffman.pptx
@@ -14,11 +14,11 @@
     <p:sldId id="259" r:id="rId5"/>
     <p:sldId id="260" r:id="rId6"/>
     <p:sldId id="261" r:id="rId7"/>
-    <p:sldId id="262" r:id="rId8"/>
-    <p:sldId id="263" r:id="rId9"/>
-    <p:sldId id="264" r:id="rId10"/>
-    <p:sldId id="265" r:id="rId11"/>
-    <p:sldId id="266" r:id="rId12"/>
+    <p:sldId id="267" r:id="rId8"/>
+    <p:sldId id="262" r:id="rId9"/>
+    <p:sldId id="266" r:id="rId10"/>
+    <p:sldId id="268" r:id="rId11"/>
+    <p:sldId id="269" r:id="rId12"/>
   </p:sldIdLst>
   <p:sldSz cx="9144000" cy="6858000" type="screen4x3"/>
   <p:notesSz cx="6858000" cy="9144000"/>
@@ -202,7 +202,7 @@
           <a:p>
             <a:fld id="{C7FE9F24-E177-499B-ABD2-E045433C4829}" type="datetimeFigureOut">
               <a:rPr lang="en-US" smtClean="0"/>
-              <a:t>4/14/2014</a:t>
+              <a:t>4/15/2014</a:t>
             </a:fld>
             <a:endParaRPr lang="en-US"/>
           </a:p>
@@ -2282,7 +2282,7 @@
           <a:p>
             <a:fld id="{E022B539-8F3C-4DEA-BA7D-BD8C223F1CB7}" type="datetimeFigureOut">
               <a:rPr lang="en-US" smtClean="0"/>
-              <a:t>4/14/2014</a:t>
+              <a:t>4/15/2014</a:t>
             </a:fld>
             <a:endParaRPr lang="en-US"/>
           </a:p>
@@ -2463,7 +2463,7 @@
           <a:p>
             <a:fld id="{E022B539-8F3C-4DEA-BA7D-BD8C223F1CB7}" type="datetimeFigureOut">
               <a:rPr lang="en-US" smtClean="0"/>
-              <a:t>4/14/2014</a:t>
+              <a:t>4/15/2014</a:t>
             </a:fld>
             <a:endParaRPr lang="en-US"/>
           </a:p>
@@ -2614,7 +2614,7 @@
           <a:p>
             <a:fld id="{E022B539-8F3C-4DEA-BA7D-BD8C223F1CB7}" type="datetimeFigureOut">
               <a:rPr lang="en-US" smtClean="0"/>
-              <a:t>4/14/2014</a:t>
+              <a:t>4/15/2014</a:t>
             </a:fld>
             <a:endParaRPr lang="en-US"/>
           </a:p>
@@ -4440,7 +4440,7 @@
           <a:p>
             <a:fld id="{E022B539-8F3C-4DEA-BA7D-BD8C223F1CB7}" type="datetimeFigureOut">
               <a:rPr lang="en-US" smtClean="0"/>
-              <a:t>4/14/2014</a:t>
+              <a:t>4/15/2014</a:t>
             </a:fld>
             <a:endParaRPr lang="en-US"/>
           </a:p>
@@ -6310,7 +6310,7 @@
           <a:p>
             <a:fld id="{E022B539-8F3C-4DEA-BA7D-BD8C223F1CB7}" type="datetimeFigureOut">
               <a:rPr lang="en-US" smtClean="0"/>
-              <a:t>4/14/2014</a:t>
+              <a:t>4/15/2014</a:t>
             </a:fld>
             <a:endParaRPr lang="en-US"/>
           </a:p>
@@ -6423,7 +6423,7 @@
           <a:p>
             <a:fld id="{E022B539-8F3C-4DEA-BA7D-BD8C223F1CB7}" type="datetimeFigureOut">
               <a:rPr lang="en-US" smtClean="0"/>
-              <a:t>4/14/2014</a:t>
+              <a:t>4/15/2014</a:t>
             </a:fld>
             <a:endParaRPr lang="en-US"/>
           </a:p>
@@ -6964,7 +6964,7 @@
           <a:p>
             <a:fld id="{E022B539-8F3C-4DEA-BA7D-BD8C223F1CB7}" type="datetimeFigureOut">
               <a:rPr lang="en-US" smtClean="0"/>
-              <a:t>4/14/2014</a:t>
+              <a:t>4/15/2014</a:t>
             </a:fld>
             <a:endParaRPr lang="en-US"/>
           </a:p>
@@ -7077,7 +7077,7 @@
           <a:p>
             <a:fld id="{E022B539-8F3C-4DEA-BA7D-BD8C223F1CB7}" type="datetimeFigureOut">
               <a:rPr lang="en-US" smtClean="0"/>
-              <a:t>4/14/2014</a:t>
+              <a:t>4/15/2014</a:t>
             </a:fld>
             <a:endParaRPr lang="en-US"/>
           </a:p>
@@ -8788,7 +8788,7 @@
           <a:p>
             <a:fld id="{E022B539-8F3C-4DEA-BA7D-BD8C223F1CB7}" type="datetimeFigureOut">
               <a:rPr lang="en-US" smtClean="0"/>
-              <a:t>4/14/2014</a:t>
+              <a:t>4/15/2014</a:t>
             </a:fld>
             <a:endParaRPr lang="en-US"/>
           </a:p>
@@ -8939,7 +8939,7 @@
           <a:p>
             <a:fld id="{E022B539-8F3C-4DEA-BA7D-BD8C223F1CB7}" type="datetimeFigureOut">
               <a:rPr lang="en-US" smtClean="0"/>
-              <a:t>4/14/2014</a:t>
+              <a:t>4/15/2014</a:t>
             </a:fld>
             <a:endParaRPr lang="en-US"/>
           </a:p>
@@ -12554,7 +12554,7 @@
           <a:p>
             <a:fld id="{E022B539-8F3C-4DEA-BA7D-BD8C223F1CB7}" type="datetimeFigureOut">
               <a:rPr lang="en-US" smtClean="0"/>
-              <a:t>4/14/2014</a:t>
+              <a:t>4/15/2014</a:t>
             </a:fld>
             <a:endParaRPr lang="en-US"/>
           </a:p>
@@ -14413,7 +14413,7 @@
           <a:p>
             <a:fld id="{E022B539-8F3C-4DEA-BA7D-BD8C223F1CB7}" type="datetimeFigureOut">
               <a:rPr lang="en-US" smtClean="0"/>
-              <a:t>4/14/2014</a:t>
+              <a:t>4/15/2014</a:t>
             </a:fld>
             <a:endParaRPr lang="en-US"/>
           </a:p>
@@ -14939,7 +14939,12 @@
             <p:ph type="ctrTitle"/>
           </p:nvPr>
         </p:nvSpPr>
-        <p:spPr/>
+        <p:spPr>
+          <a:xfrm>
+            <a:off x="685800" y="381000"/>
+            <a:ext cx="7772400" cy="1780108"/>
+          </a:xfrm>
+        </p:spPr>
         <p:txBody>
           <a:bodyPr>
             <a:normAutofit/>
@@ -14999,31 +15004,13 @@
             <a:pPr algn="l"/>
             <a:r>
               <a:rPr lang="en-US" dirty="0" smtClean="0"/>
-              <a:t>Coordinator: </a:t>
+              <a:t>Coordinator:</a:t>
             </a:r>
             <a:r>
               <a:rPr lang="en-US" dirty="0" smtClean="0">
                 <a:latin typeface="Candara" pitchFamily="34" charset="0"/>
               </a:rPr>
-              <a:t>Conf</a:t>
-            </a:r>
-            <a:r>
-              <a:rPr lang="en-US" dirty="0">
-                <a:latin typeface="Candara" pitchFamily="34" charset="0"/>
-              </a:rPr>
-              <a:t>. Dr. </a:t>
-            </a:r>
-            <a:r>
-              <a:rPr lang="en-US" dirty="0" err="1">
-                <a:latin typeface="Candara" pitchFamily="34" charset="0"/>
-              </a:rPr>
-              <a:t>Ing</a:t>
-            </a:r>
-            <a:r>
-              <a:rPr lang="en-US" dirty="0">
-                <a:latin typeface="Candara" pitchFamily="34" charset="0"/>
-              </a:rPr>
-              <a:t>. </a:t>
+              <a:t> </a:t>
             </a:r>
             <a:r>
               <a:rPr lang="en-US" dirty="0" err="1">
@@ -15038,11 +15025,23 @@
               <a:t> </a:t>
             </a:r>
             <a:r>
-              <a:rPr lang="en-US" dirty="0" err="1">
+              <a:rPr lang="en-US" dirty="0" err="1" smtClean="0">
                 <a:latin typeface="Candara" pitchFamily="34" charset="0"/>
               </a:rPr>
               <a:t>Mihaescu</a:t>
             </a:r>
+            <a:r>
+              <a:rPr lang="en-US" dirty="0" smtClean="0">
+                <a:latin typeface="Candara" pitchFamily="34" charset="0"/>
+              </a:rPr>
+              <a:t> </a:t>
+            </a:r>
+            <a:r>
+              <a:rPr lang="en-US" dirty="0" err="1" smtClean="0">
+                <a:latin typeface="Candara" pitchFamily="34" charset="0"/>
+              </a:rPr>
+              <a:t>Ph.D</a:t>
+            </a:r>
             <a:endParaRPr lang="en-US" dirty="0">
               <a:latin typeface="Candara" pitchFamily="34" charset="0"/>
             </a:endParaRPr>
@@ -15050,6 +15049,92 @@
           <a:p>
             <a:pPr algn="l"/>
             <a:endParaRPr lang="en-US" dirty="0"/>
+          </a:p>
+        </p:txBody>
+      </p:sp>
+      <p:sp>
+        <p:nvSpPr>
+          <p:cNvPr id="4" name="TextBox 3"/>
+          <p:cNvSpPr txBox="1"/>
+          <p:nvPr/>
+        </p:nvSpPr>
+        <p:spPr>
+          <a:xfrm>
+            <a:off x="1828800" y="2590800"/>
+            <a:ext cx="4876800" cy="400110"/>
+          </a:xfrm>
+          <a:prstGeom prst="rect">
+            <a:avLst/>
+          </a:prstGeom>
+          <a:noFill/>
+        </p:spPr>
+        <p:txBody>
+          <a:bodyPr wrap="square" rtlCol="0">
+            <a:spAutoFit/>
+          </a:bodyPr>
+          <a:lstStyle/>
+          <a:p>
+            <a:r>
+              <a:rPr lang="en-US" dirty="0" smtClean="0"/>
+              <a:t>	</a:t>
+            </a:r>
+            <a:r>
+              <a:rPr lang="en-US" sz="2000" dirty="0" smtClean="0">
+                <a:solidFill>
+                  <a:schemeClr val="bg1"/>
+                </a:solidFill>
+                <a:latin typeface="+mj-lt"/>
+              </a:rPr>
+              <a:t>DCTI – IT Companies Seminary</a:t>
+            </a:r>
+            <a:endParaRPr lang="en-US" sz="2000" dirty="0">
+              <a:solidFill>
+                <a:schemeClr val="bg1"/>
+              </a:solidFill>
+              <a:latin typeface="+mj-lt"/>
+            </a:endParaRPr>
+          </a:p>
+        </p:txBody>
+      </p:sp>
+      <p:sp>
+        <p:nvSpPr>
+          <p:cNvPr id="5" name="TextBox 4"/>
+          <p:cNvSpPr txBox="1"/>
+          <p:nvPr/>
+        </p:nvSpPr>
+        <p:spPr>
+          <a:xfrm>
+            <a:off x="5715000" y="4495800"/>
+            <a:ext cx="2971800" cy="369332"/>
+          </a:xfrm>
+          <a:prstGeom prst="rect">
+            <a:avLst/>
+          </a:prstGeom>
+          <a:noFill/>
+        </p:spPr>
+        <p:txBody>
+          <a:bodyPr wrap="square" rtlCol="0">
+            <a:spAutoFit/>
+          </a:bodyPr>
+          <a:lstStyle/>
+          <a:p>
+            <a:r>
+              <a:rPr lang="en-US" dirty="0" smtClean="0"/>
+              <a:t>		</a:t>
+            </a:r>
+            <a:r>
+              <a:rPr lang="en-US" dirty="0" smtClean="0">
+                <a:solidFill>
+                  <a:schemeClr val="bg1"/>
+                </a:solidFill>
+              </a:rPr>
+              <a:t>April,2014</a:t>
+            </a:r>
+            <a:endParaRPr lang="en-US" dirty="0">
+              <a:solidFill>
+                <a:schemeClr val="bg1"/>
+              </a:solidFill>
+            </a:endParaRPr>
           </a:p>
         </p:txBody>
       </p:sp>
@@ -15091,8 +15176,8 @@
         </p:nvSpPr>
         <p:spPr>
           <a:xfrm>
-            <a:off x="228600" y="1066800"/>
-            <a:ext cx="8839200" cy="3970318"/>
+            <a:off x="304800" y="838200"/>
+            <a:ext cx="7315200" cy="4339650"/>
           </a:xfrm>
           <a:prstGeom prst="rect">
             <a:avLst/>
@@ -15105,910 +15190,195 @@
           </a:bodyPr>
           <a:lstStyle/>
           <a:p>
-            <a:pPr algn="ctr"/>
             <a:r>
               <a:rPr lang="en-US" b="1" dirty="0" smtClean="0"/>
-              <a:t>The Huffman Tree </a:t>
-            </a:r>
-          </a:p>
-          <a:p>
-            <a:pPr algn="ctr"/>
-            <a:endParaRPr lang="en-US" b="1" dirty="0"/>
-          </a:p>
-          <a:p>
-            <a:pPr algn="ctr"/>
-            <a:r>
-              <a:rPr lang="pt-BR" b="1" dirty="0"/>
-              <a:t>( )-[23</a:t>
-            </a:r>
-            <a:r>
-              <a:rPr lang="pt-BR" b="1" dirty="0" smtClean="0"/>
-              <a:t>]</a:t>
-            </a:r>
-          </a:p>
-          <a:p>
-            <a:pPr algn="ctr"/>
-            <a:r>
-              <a:rPr lang="pt-BR" b="1" dirty="0"/>
-              <a:t>	</a:t>
-            </a:r>
-          </a:p>
-          <a:p>
-            <a:pPr algn="ctr"/>
-            <a:r>
-              <a:rPr lang="pt-BR" b="1" dirty="0"/>
-              <a:t>( )-[12]	( )-[11</a:t>
-            </a:r>
-            <a:r>
-              <a:rPr lang="pt-BR" b="1" dirty="0" smtClean="0"/>
-              <a:t>]</a:t>
-            </a:r>
-          </a:p>
-          <a:p>
-            <a:pPr algn="ctr"/>
-            <a:r>
-              <a:rPr lang="pt-BR" b="1" dirty="0"/>
-              <a:t>	</a:t>
-            </a:r>
-          </a:p>
-          <a:p>
-            <a:pPr algn="ctr"/>
-            <a:r>
-              <a:rPr lang="pt-BR" b="1" dirty="0"/>
-              <a:t>( )-[6]	</a:t>
-            </a:r>
-            <a:r>
-              <a:rPr lang="pt-BR" b="1" dirty="0" smtClean="0"/>
-              <a:t>      ( </a:t>
-            </a:r>
-            <a:r>
-              <a:rPr lang="pt-BR" b="1" dirty="0"/>
-              <a:t>)-[6]	</a:t>
-            </a:r>
-            <a:r>
-              <a:rPr lang="pt-BR" b="1" dirty="0" smtClean="0"/>
-              <a:t>                        ( </a:t>
-            </a:r>
-            <a:r>
-              <a:rPr lang="pt-BR" b="1" dirty="0"/>
-              <a:t>)-[7]	</a:t>
-            </a:r>
-            <a:r>
-              <a:rPr lang="pt-BR" b="1" dirty="0" smtClean="0"/>
-              <a:t>	( </a:t>
-            </a:r>
-            <a:r>
-              <a:rPr lang="pt-BR" b="1" dirty="0"/>
-              <a:t>)-[4</a:t>
-            </a:r>
-            <a:r>
-              <a:rPr lang="pt-BR" b="1" dirty="0" smtClean="0"/>
-              <a:t>]</a:t>
-            </a:r>
-          </a:p>
-          <a:p>
-            <a:pPr algn="ctr"/>
-            <a:r>
-              <a:rPr lang="pt-BR" b="1" dirty="0"/>
-              <a:t>	</a:t>
-            </a:r>
-          </a:p>
-          <a:p>
-            <a:pPr algn="ctr"/>
-            <a:r>
-              <a:rPr lang="pt-BR" b="1" dirty="0"/>
-              <a:t>(n)-[3]	(i)-[3]	(e)-[3]	( )-[3]	( )-[4]	(s)-[3]	(T)-[2]	(b)-[2</a:t>
-            </a:r>
-            <a:r>
-              <a:rPr lang="pt-BR" b="1" dirty="0" smtClean="0"/>
-              <a:t>]</a:t>
-            </a:r>
-          </a:p>
-          <a:p>
-            <a:pPr algn="ctr"/>
-            <a:r>
-              <a:rPr lang="pt-BR" b="1" dirty="0"/>
-              <a:t>	</a:t>
-            </a:r>
-          </a:p>
-          <a:p>
-            <a:pPr algn="ctr"/>
-            <a:r>
-              <a:rPr lang="pt-BR" b="1" dirty="0"/>
-              <a:t>(.)-[2]	(u)-[1]	( )-[2]	( )-[2</a:t>
-            </a:r>
-            <a:r>
-              <a:rPr lang="pt-BR" b="1" dirty="0" smtClean="0"/>
-              <a:t>]</a:t>
-            </a:r>
-          </a:p>
-          <a:p>
-            <a:pPr algn="ctr"/>
-            <a:r>
-              <a:rPr lang="pt-BR" b="1" dirty="0"/>
-              <a:t>	</a:t>
-            </a:r>
-          </a:p>
-          <a:p>
-            <a:pPr algn="ctr"/>
-            <a:r>
-              <a:rPr lang="pt-BR" b="1" dirty="0" smtClean="0"/>
-              <a:t>			(</a:t>
-            </a:r>
-            <a:r>
-              <a:rPr lang="pt-BR" b="1" dirty="0"/>
-              <a:t>r)-[1]	(h)-[1]	(q)-[1]	(a)-[1]	</a:t>
-            </a:r>
-          </a:p>
-          <a:p>
-            <a:pPr algn="ctr"/>
+              <a:t>Resources</a:t>
+            </a:r>
+          </a:p>
+          <a:p>
             <a:endParaRPr lang="en-US" b="1" dirty="0" smtClean="0"/>
+          </a:p>
+          <a:p>
+            <a:r>
+              <a:rPr lang="en-US" b="1" dirty="0" smtClean="0"/>
+              <a:t>Links:</a:t>
+            </a:r>
+          </a:p>
+          <a:p>
+            <a:r>
+              <a:rPr lang="en-US" dirty="0" smtClean="0"/>
+              <a:t>en.wikipedia.org</a:t>
+            </a:r>
+          </a:p>
+          <a:p>
+            <a:r>
+              <a:rPr lang="en-US" dirty="0" smtClean="0"/>
+              <a:t>stackoverflow.com</a:t>
+            </a:r>
+          </a:p>
+          <a:p>
+            <a:r>
+              <a:rPr lang="en-US" dirty="0" smtClean="0"/>
+              <a:t>www.youtube.com</a:t>
+            </a:r>
+            <a:endParaRPr lang="en-US" dirty="0"/>
+          </a:p>
+          <a:p>
+            <a:r>
+              <a:rPr lang="en-US" dirty="0" smtClean="0"/>
+              <a:t>http</a:t>
+            </a:r>
+            <a:r>
+              <a:rPr lang="en-US" dirty="0"/>
+              <a:t>://ocw.mit.edu/courses/electrical-engineering-and-computer-science/</a:t>
+            </a:r>
+          </a:p>
+          <a:p>
+            <a:r>
+              <a:rPr lang="en-US" dirty="0"/>
+              <a:t>http://mathworld.wolfram.com</a:t>
+            </a:r>
+            <a:r>
+              <a:rPr lang="en-US" dirty="0" smtClean="0"/>
+              <a:t>/</a:t>
+            </a:r>
+          </a:p>
+          <a:p>
+            <a:endParaRPr lang="en-US" dirty="0"/>
+          </a:p>
+          <a:p>
+            <a:r>
+              <a:rPr lang="en-US" b="1" dirty="0" smtClean="0"/>
+              <a:t>Books</a:t>
+            </a:r>
+            <a:r>
+              <a:rPr lang="en-US" b="1" dirty="0"/>
+              <a:t>:</a:t>
+            </a:r>
+          </a:p>
+          <a:p>
+            <a:r>
+              <a:rPr lang="en-US" sz="1600" b="1" dirty="0"/>
+              <a:t>1.</a:t>
+            </a:r>
+            <a:r>
+              <a:rPr lang="en-US" sz="1600" dirty="0"/>
+              <a:t> </a:t>
+            </a:r>
+            <a:r>
+              <a:rPr lang="en-US" sz="1600" dirty="0" err="1"/>
+              <a:t>Burdescu,Dan</a:t>
+            </a:r>
+            <a:r>
+              <a:rPr lang="en-US" sz="1600" dirty="0"/>
+              <a:t> </a:t>
+            </a:r>
+            <a:r>
+              <a:rPr lang="en-US" sz="1600" dirty="0" err="1"/>
+              <a:t>Dumitru,Mihaescu,Marian</a:t>
+            </a:r>
+            <a:r>
+              <a:rPr lang="en-US" sz="1600" dirty="0"/>
+              <a:t> </a:t>
+            </a:r>
+            <a:r>
+              <a:rPr lang="en-US" sz="1600" dirty="0" err="1"/>
+              <a:t>Cristian,Algorithms</a:t>
+            </a:r>
+            <a:r>
+              <a:rPr lang="en-US" sz="1600" dirty="0"/>
+              <a:t> and Data </a:t>
+            </a:r>
+            <a:r>
+              <a:rPr lang="en-US" sz="1600" dirty="0" err="1"/>
+              <a:t>Structures,Academica</a:t>
+            </a:r>
+            <a:r>
+              <a:rPr lang="en-US" sz="1600" dirty="0"/>
+              <a:t> Griefswald,2012.</a:t>
+            </a:r>
+          </a:p>
+          <a:p>
+            <a:r>
+              <a:rPr lang="en-US" sz="1600" b="1" dirty="0" smtClean="0"/>
+              <a:t>2.</a:t>
+            </a:r>
+            <a:r>
+              <a:rPr lang="en-US" sz="1600" dirty="0" smtClean="0"/>
+              <a:t>Kernighan,W</a:t>
+            </a:r>
+            <a:r>
+              <a:rPr lang="en-US" sz="1600" dirty="0"/>
+              <a:t>. </a:t>
+            </a:r>
+            <a:r>
+              <a:rPr lang="en-US" sz="1600" dirty="0" err="1"/>
+              <a:t>Brian,Ritchie,Dennis</a:t>
+            </a:r>
+            <a:r>
+              <a:rPr lang="en-US" sz="1600" dirty="0"/>
+              <a:t> </a:t>
+            </a:r>
+            <a:r>
+              <a:rPr lang="en-US" sz="1600" dirty="0" err="1"/>
+              <a:t>M.,The</a:t>
+            </a:r>
+            <a:r>
+              <a:rPr lang="en-US" sz="1600" dirty="0"/>
+              <a:t> C Programming Language 2nd edition.</a:t>
+            </a:r>
+          </a:p>
+          <a:p>
+            <a:r>
+              <a:rPr lang="en-US" sz="1600" b="1" dirty="0"/>
+              <a:t>3.</a:t>
+            </a:r>
+            <a:r>
+              <a:rPr lang="en-US" sz="1600" dirty="0"/>
+              <a:t>Drozdek,Adam, Data Structures Algorithms in C++ Second edition.</a:t>
+            </a:r>
+          </a:p>
+          <a:p>
+            <a:r>
+              <a:rPr lang="en-US" sz="1600" b="1" dirty="0"/>
+              <a:t>4.</a:t>
+            </a:r>
+            <a:r>
+              <a:rPr lang="en-US" sz="1600" dirty="0"/>
+              <a:t>Cormen,Thomas H.,</a:t>
+            </a:r>
+            <a:r>
+              <a:rPr lang="en-US" sz="1600" dirty="0" err="1"/>
+              <a:t>Leiserson</a:t>
+            </a:r>
+            <a:r>
+              <a:rPr lang="en-US" sz="1600" dirty="0"/>
+              <a:t> Charles E.,</a:t>
+            </a:r>
+            <a:r>
+              <a:rPr lang="en-US" sz="1600" dirty="0" err="1"/>
+              <a:t>Rivest,Ronald</a:t>
+            </a:r>
+            <a:r>
+              <a:rPr lang="en-US" sz="1600" dirty="0"/>
+              <a:t> </a:t>
+            </a:r>
+            <a:r>
+              <a:rPr lang="en-US" sz="1600" dirty="0" err="1"/>
+              <a:t>R,Stein,Clifford,Introduction</a:t>
+            </a:r>
+            <a:r>
+              <a:rPr lang="en-US" sz="1600" dirty="0"/>
+              <a:t> to Algorithms 3rd edition</a:t>
+            </a:r>
+            <a:endParaRPr lang="en-US" sz="1600" dirty="0"/>
           </a:p>
         </p:txBody>
       </p:sp>
-      <p:cxnSp>
-        <p:nvCxnSpPr>
-          <p:cNvPr id="16" name="Straight Arrow Connector 15"/>
-          <p:cNvCxnSpPr/>
-          <p:nvPr/>
-        </p:nvCxnSpPr>
-        <p:spPr>
-          <a:xfrm flipH="1">
-            <a:off x="4267200" y="1981200"/>
-            <a:ext cx="152400" cy="228600"/>
-          </a:xfrm>
-          <a:prstGeom prst="straightConnector1">
-            <a:avLst/>
-          </a:prstGeom>
-          <a:ln>
-            <a:tailEnd type="arrow"/>
-          </a:ln>
-        </p:spPr>
-        <p:style>
-          <a:lnRef idx="1">
-            <a:schemeClr val="accent1"/>
-          </a:lnRef>
-          <a:fillRef idx="0">
-            <a:schemeClr val="accent1"/>
-          </a:fillRef>
-          <a:effectRef idx="0">
-            <a:schemeClr val="accent1"/>
-          </a:effectRef>
-          <a:fontRef idx="minor">
-            <a:schemeClr val="tx1"/>
-          </a:fontRef>
-        </p:style>
-      </p:cxnSp>
-      <p:cxnSp>
-        <p:nvCxnSpPr>
-          <p:cNvPr id="18" name="Straight Arrow Connector 17"/>
-          <p:cNvCxnSpPr/>
-          <p:nvPr/>
-        </p:nvCxnSpPr>
-        <p:spPr>
-          <a:xfrm>
-            <a:off x="4800600" y="1981200"/>
-            <a:ext cx="228600" cy="228600"/>
-          </a:xfrm>
-          <a:prstGeom prst="straightConnector1">
-            <a:avLst/>
-          </a:prstGeom>
-          <a:ln>
-            <a:tailEnd type="arrow"/>
-          </a:ln>
-        </p:spPr>
-        <p:style>
-          <a:lnRef idx="1">
-            <a:schemeClr val="accent1"/>
-          </a:lnRef>
-          <a:fillRef idx="0">
-            <a:schemeClr val="accent1"/>
-          </a:fillRef>
-          <a:effectRef idx="0">
-            <a:schemeClr val="accent1"/>
-          </a:effectRef>
-          <a:fontRef idx="minor">
-            <a:schemeClr val="tx1"/>
-          </a:fontRef>
-        </p:style>
-      </p:cxnSp>
-      <p:cxnSp>
-        <p:nvCxnSpPr>
-          <p:cNvPr id="22" name="Straight Arrow Connector 21"/>
-          <p:cNvCxnSpPr/>
-          <p:nvPr/>
-        </p:nvCxnSpPr>
-        <p:spPr>
-          <a:xfrm flipH="1">
-            <a:off x="2590800" y="2438400"/>
-            <a:ext cx="1219200" cy="228600"/>
-          </a:xfrm>
-          <a:prstGeom prst="straightConnector1">
-            <a:avLst/>
-          </a:prstGeom>
-          <a:ln>
-            <a:tailEnd type="arrow"/>
-          </a:ln>
-        </p:spPr>
-        <p:style>
-          <a:lnRef idx="1">
-            <a:schemeClr val="accent1"/>
-          </a:lnRef>
-          <a:fillRef idx="0">
-            <a:schemeClr val="accent1"/>
-          </a:fillRef>
-          <a:effectRef idx="0">
-            <a:schemeClr val="accent1"/>
-          </a:effectRef>
-          <a:fontRef idx="minor">
-            <a:schemeClr val="tx1"/>
-          </a:fontRef>
-        </p:style>
-      </p:cxnSp>
-      <p:cxnSp>
-        <p:nvCxnSpPr>
-          <p:cNvPr id="24" name="Straight Arrow Connector 23"/>
-          <p:cNvCxnSpPr/>
-          <p:nvPr/>
-        </p:nvCxnSpPr>
-        <p:spPr>
-          <a:xfrm flipH="1">
-            <a:off x="3733800" y="2438400"/>
-            <a:ext cx="76200" cy="304800"/>
-          </a:xfrm>
-          <a:prstGeom prst="straightConnector1">
-            <a:avLst/>
-          </a:prstGeom>
-          <a:ln>
-            <a:tailEnd type="arrow"/>
-          </a:ln>
-        </p:spPr>
-        <p:style>
-          <a:lnRef idx="1">
-            <a:schemeClr val="accent1"/>
-          </a:lnRef>
-          <a:fillRef idx="0">
-            <a:schemeClr val="accent1"/>
-          </a:fillRef>
-          <a:effectRef idx="0">
-            <a:schemeClr val="accent1"/>
-          </a:effectRef>
-          <a:fontRef idx="minor">
-            <a:schemeClr val="tx1"/>
-          </a:fontRef>
-        </p:style>
-      </p:cxnSp>
-      <p:cxnSp>
-        <p:nvCxnSpPr>
-          <p:cNvPr id="26" name="Straight Arrow Connector 25"/>
-          <p:cNvCxnSpPr/>
-          <p:nvPr/>
-        </p:nvCxnSpPr>
-        <p:spPr>
-          <a:xfrm>
-            <a:off x="5257800" y="2438400"/>
-            <a:ext cx="0" cy="381000"/>
-          </a:xfrm>
-          <a:prstGeom prst="straightConnector1">
-            <a:avLst/>
-          </a:prstGeom>
-          <a:ln>
-            <a:tailEnd type="arrow"/>
-          </a:ln>
-        </p:spPr>
-        <p:style>
-          <a:lnRef idx="1">
-            <a:schemeClr val="accent1"/>
-          </a:lnRef>
-          <a:fillRef idx="0">
-            <a:schemeClr val="accent1"/>
-          </a:fillRef>
-          <a:effectRef idx="0">
-            <a:schemeClr val="accent1"/>
-          </a:effectRef>
-          <a:fontRef idx="minor">
-            <a:schemeClr val="tx1"/>
-          </a:fontRef>
-        </p:style>
-      </p:cxnSp>
-      <p:cxnSp>
-        <p:nvCxnSpPr>
-          <p:cNvPr id="28" name="Straight Arrow Connector 27"/>
-          <p:cNvCxnSpPr/>
-          <p:nvPr/>
-        </p:nvCxnSpPr>
-        <p:spPr>
-          <a:xfrm>
-            <a:off x="5257800" y="2438400"/>
-            <a:ext cx="1447800" cy="304800"/>
-          </a:xfrm>
-          <a:prstGeom prst="straightConnector1">
-            <a:avLst/>
-          </a:prstGeom>
-          <a:ln>
-            <a:tailEnd type="arrow"/>
-          </a:ln>
-        </p:spPr>
-        <p:style>
-          <a:lnRef idx="1">
-            <a:schemeClr val="accent1"/>
-          </a:lnRef>
-          <a:fillRef idx="0">
-            <a:schemeClr val="accent1"/>
-          </a:fillRef>
-          <a:effectRef idx="0">
-            <a:schemeClr val="accent1"/>
-          </a:effectRef>
-          <a:fontRef idx="minor">
-            <a:schemeClr val="tx1"/>
-          </a:fontRef>
-        </p:style>
-      </p:cxnSp>
-      <p:cxnSp>
-        <p:nvCxnSpPr>
-          <p:cNvPr id="30" name="Straight Arrow Connector 29"/>
-          <p:cNvCxnSpPr/>
-          <p:nvPr/>
-        </p:nvCxnSpPr>
-        <p:spPr>
-          <a:xfrm flipH="1">
-            <a:off x="1600200" y="3051959"/>
-            <a:ext cx="533400" cy="224641"/>
-          </a:xfrm>
-          <a:prstGeom prst="straightConnector1">
-            <a:avLst/>
-          </a:prstGeom>
-          <a:ln>
-            <a:tailEnd type="arrow"/>
-          </a:ln>
-        </p:spPr>
-        <p:style>
-          <a:lnRef idx="1">
-            <a:schemeClr val="accent1"/>
-          </a:lnRef>
-          <a:fillRef idx="0">
-            <a:schemeClr val="accent1"/>
-          </a:fillRef>
-          <a:effectRef idx="0">
-            <a:schemeClr val="accent1"/>
-          </a:effectRef>
-          <a:fontRef idx="minor">
-            <a:schemeClr val="tx1"/>
-          </a:fontRef>
-        </p:style>
-      </p:cxnSp>
-      <p:cxnSp>
-        <p:nvCxnSpPr>
-          <p:cNvPr id="32" name="Straight Arrow Connector 31"/>
-          <p:cNvCxnSpPr/>
-          <p:nvPr/>
-        </p:nvCxnSpPr>
-        <p:spPr>
-          <a:xfrm>
-            <a:off x="2133600" y="3051959"/>
-            <a:ext cx="152400" cy="224641"/>
-          </a:xfrm>
-          <a:prstGeom prst="straightConnector1">
-            <a:avLst/>
-          </a:prstGeom>
-          <a:ln>
-            <a:tailEnd type="arrow"/>
-          </a:ln>
-        </p:spPr>
-        <p:style>
-          <a:lnRef idx="1">
-            <a:schemeClr val="accent1"/>
-          </a:lnRef>
-          <a:fillRef idx="0">
-            <a:schemeClr val="accent1"/>
-          </a:fillRef>
-          <a:effectRef idx="0">
-            <a:schemeClr val="accent1"/>
-          </a:effectRef>
-          <a:fontRef idx="minor">
-            <a:schemeClr val="tx1"/>
-          </a:fontRef>
-        </p:style>
-      </p:cxnSp>
-      <p:cxnSp>
-        <p:nvCxnSpPr>
-          <p:cNvPr id="34" name="Straight Arrow Connector 33"/>
-          <p:cNvCxnSpPr/>
-          <p:nvPr/>
-        </p:nvCxnSpPr>
-        <p:spPr>
-          <a:xfrm flipH="1">
-            <a:off x="3276600" y="3051959"/>
-            <a:ext cx="304800" cy="224641"/>
-          </a:xfrm>
-          <a:prstGeom prst="straightConnector1">
-            <a:avLst/>
-          </a:prstGeom>
-          <a:ln>
-            <a:tailEnd type="arrow"/>
-          </a:ln>
-        </p:spPr>
-        <p:style>
-          <a:lnRef idx="1">
-            <a:schemeClr val="accent1"/>
-          </a:lnRef>
-          <a:fillRef idx="0">
-            <a:schemeClr val="accent1"/>
-          </a:fillRef>
-          <a:effectRef idx="0">
-            <a:schemeClr val="accent1"/>
-          </a:effectRef>
-          <a:fontRef idx="minor">
-            <a:schemeClr val="tx1"/>
-          </a:fontRef>
-        </p:style>
-      </p:cxnSp>
-      <p:cxnSp>
-        <p:nvCxnSpPr>
-          <p:cNvPr id="36" name="Straight Arrow Connector 35"/>
-          <p:cNvCxnSpPr/>
-          <p:nvPr/>
-        </p:nvCxnSpPr>
-        <p:spPr>
-          <a:xfrm>
-            <a:off x="3581400" y="3051959"/>
-            <a:ext cx="457200" cy="224641"/>
-          </a:xfrm>
-          <a:prstGeom prst="straightConnector1">
-            <a:avLst/>
-          </a:prstGeom>
-          <a:ln>
-            <a:tailEnd type="arrow"/>
-          </a:ln>
-        </p:spPr>
-        <p:style>
-          <a:lnRef idx="1">
-            <a:schemeClr val="accent1"/>
-          </a:lnRef>
-          <a:fillRef idx="0">
-            <a:schemeClr val="accent1"/>
-          </a:fillRef>
-          <a:effectRef idx="0">
-            <a:schemeClr val="accent1"/>
-          </a:effectRef>
-          <a:fontRef idx="minor">
-            <a:schemeClr val="tx1"/>
-          </a:fontRef>
-        </p:style>
-      </p:cxnSp>
-      <p:cxnSp>
-        <p:nvCxnSpPr>
-          <p:cNvPr id="38" name="Straight Arrow Connector 37"/>
-          <p:cNvCxnSpPr/>
-          <p:nvPr/>
-        </p:nvCxnSpPr>
-        <p:spPr>
-          <a:xfrm flipH="1">
-            <a:off x="5181600" y="3051959"/>
-            <a:ext cx="228600" cy="224641"/>
-          </a:xfrm>
-          <a:prstGeom prst="straightConnector1">
-            <a:avLst/>
-          </a:prstGeom>
-          <a:ln>
-            <a:tailEnd type="arrow"/>
-          </a:ln>
-        </p:spPr>
-        <p:style>
-          <a:lnRef idx="1">
-            <a:schemeClr val="accent1"/>
-          </a:lnRef>
-          <a:fillRef idx="0">
-            <a:schemeClr val="accent1"/>
-          </a:fillRef>
-          <a:effectRef idx="0">
-            <a:schemeClr val="accent1"/>
-          </a:effectRef>
-          <a:fontRef idx="minor">
-            <a:schemeClr val="tx1"/>
-          </a:fontRef>
-        </p:style>
-      </p:cxnSp>
-      <p:cxnSp>
-        <p:nvCxnSpPr>
-          <p:cNvPr id="43" name="Straight Arrow Connector 42"/>
-          <p:cNvCxnSpPr/>
-          <p:nvPr/>
-        </p:nvCxnSpPr>
-        <p:spPr>
-          <a:xfrm>
-            <a:off x="5410200" y="3051959"/>
-            <a:ext cx="381000" cy="224641"/>
-          </a:xfrm>
-          <a:prstGeom prst="straightConnector1">
-            <a:avLst/>
-          </a:prstGeom>
-          <a:ln>
-            <a:tailEnd type="arrow"/>
-          </a:ln>
-        </p:spPr>
-        <p:style>
-          <a:lnRef idx="1">
-            <a:schemeClr val="accent1"/>
-          </a:lnRef>
-          <a:fillRef idx="0">
-            <a:schemeClr val="accent1"/>
-          </a:fillRef>
-          <a:effectRef idx="0">
-            <a:schemeClr val="accent1"/>
-          </a:effectRef>
-          <a:fontRef idx="minor">
-            <a:schemeClr val="tx1"/>
-          </a:fontRef>
-        </p:style>
-      </p:cxnSp>
-      <p:cxnSp>
-        <p:nvCxnSpPr>
-          <p:cNvPr id="45" name="Straight Arrow Connector 44"/>
-          <p:cNvCxnSpPr/>
-          <p:nvPr/>
-        </p:nvCxnSpPr>
-        <p:spPr>
-          <a:xfrm flipH="1">
-            <a:off x="6705600" y="3051959"/>
-            <a:ext cx="152400" cy="224641"/>
-          </a:xfrm>
-          <a:prstGeom prst="straightConnector1">
-            <a:avLst/>
-          </a:prstGeom>
-          <a:ln>
-            <a:tailEnd type="arrow"/>
-          </a:ln>
-        </p:spPr>
-        <p:style>
-          <a:lnRef idx="1">
-            <a:schemeClr val="accent1"/>
-          </a:lnRef>
-          <a:fillRef idx="0">
-            <a:schemeClr val="accent1"/>
-          </a:fillRef>
-          <a:effectRef idx="0">
-            <a:schemeClr val="accent1"/>
-          </a:effectRef>
-          <a:fontRef idx="minor">
-            <a:schemeClr val="tx1"/>
-          </a:fontRef>
-        </p:style>
-      </p:cxnSp>
-      <p:cxnSp>
-        <p:nvCxnSpPr>
-          <p:cNvPr id="47" name="Straight Arrow Connector 46"/>
-          <p:cNvCxnSpPr/>
-          <p:nvPr/>
-        </p:nvCxnSpPr>
-        <p:spPr>
-          <a:xfrm>
-            <a:off x="7010400" y="3051959"/>
-            <a:ext cx="609600" cy="224641"/>
-          </a:xfrm>
-          <a:prstGeom prst="straightConnector1">
-            <a:avLst/>
-          </a:prstGeom>
-          <a:ln>
-            <a:tailEnd type="arrow"/>
-          </a:ln>
-        </p:spPr>
-        <p:style>
-          <a:lnRef idx="1">
-            <a:schemeClr val="accent1"/>
-          </a:lnRef>
-          <a:fillRef idx="0">
-            <a:schemeClr val="accent1"/>
-          </a:fillRef>
-          <a:effectRef idx="0">
-            <a:schemeClr val="accent1"/>
-          </a:effectRef>
-          <a:fontRef idx="minor">
-            <a:schemeClr val="tx1"/>
-          </a:fontRef>
-        </p:style>
-      </p:cxnSp>
-      <p:cxnSp>
-        <p:nvCxnSpPr>
-          <p:cNvPr id="49" name="Straight Arrow Connector 48"/>
-          <p:cNvCxnSpPr/>
-          <p:nvPr/>
-        </p:nvCxnSpPr>
-        <p:spPr>
-          <a:xfrm>
-            <a:off x="3429000" y="3810000"/>
-            <a:ext cx="0" cy="0"/>
-          </a:xfrm>
-          <a:prstGeom prst="straightConnector1">
-            <a:avLst/>
-          </a:prstGeom>
-          <a:ln>
-            <a:tailEnd type="arrow"/>
-          </a:ln>
-        </p:spPr>
-        <p:style>
-          <a:lnRef idx="1">
-            <a:schemeClr val="accent1"/>
-          </a:lnRef>
-          <a:fillRef idx="0">
-            <a:schemeClr val="accent1"/>
-          </a:fillRef>
-          <a:effectRef idx="0">
-            <a:schemeClr val="accent1"/>
-          </a:effectRef>
-          <a:fontRef idx="minor">
-            <a:schemeClr val="tx1"/>
-          </a:fontRef>
-        </p:style>
-      </p:cxnSp>
-      <p:cxnSp>
-        <p:nvCxnSpPr>
-          <p:cNvPr id="51" name="Straight Arrow Connector 50"/>
-          <p:cNvCxnSpPr/>
-          <p:nvPr/>
-        </p:nvCxnSpPr>
-        <p:spPr>
-          <a:xfrm flipH="1">
-            <a:off x="3429000" y="3581400"/>
-            <a:ext cx="533400" cy="228600"/>
-          </a:xfrm>
-          <a:prstGeom prst="straightConnector1">
-            <a:avLst/>
-          </a:prstGeom>
-          <a:ln>
-            <a:tailEnd type="arrow"/>
-          </a:ln>
-        </p:spPr>
-        <p:style>
-          <a:lnRef idx="1">
-            <a:schemeClr val="accent1"/>
-          </a:lnRef>
-          <a:fillRef idx="0">
-            <a:schemeClr val="accent1"/>
-          </a:fillRef>
-          <a:effectRef idx="0">
-            <a:schemeClr val="accent1"/>
-          </a:effectRef>
-          <a:fontRef idx="minor">
-            <a:schemeClr val="tx1"/>
-          </a:fontRef>
-        </p:style>
-      </p:cxnSp>
-      <p:cxnSp>
-        <p:nvCxnSpPr>
-          <p:cNvPr id="53" name="Straight Arrow Connector 52"/>
-          <p:cNvCxnSpPr/>
-          <p:nvPr/>
-        </p:nvCxnSpPr>
-        <p:spPr>
-          <a:xfrm>
-            <a:off x="3962400" y="3581400"/>
-            <a:ext cx="152400" cy="228600"/>
-          </a:xfrm>
-          <a:prstGeom prst="straightConnector1">
-            <a:avLst/>
-          </a:prstGeom>
-          <a:ln>
-            <a:tailEnd type="arrow"/>
-          </a:ln>
-        </p:spPr>
-        <p:style>
-          <a:lnRef idx="1">
-            <a:schemeClr val="accent1"/>
-          </a:lnRef>
-          <a:fillRef idx="0">
-            <a:schemeClr val="accent1"/>
-          </a:fillRef>
-          <a:effectRef idx="0">
-            <a:schemeClr val="accent1"/>
-          </a:effectRef>
-          <a:fontRef idx="minor">
-            <a:schemeClr val="tx1"/>
-          </a:fontRef>
-        </p:style>
-      </p:cxnSp>
-      <p:cxnSp>
-        <p:nvCxnSpPr>
-          <p:cNvPr id="55" name="Straight Arrow Connector 54"/>
-          <p:cNvCxnSpPr/>
-          <p:nvPr/>
-        </p:nvCxnSpPr>
-        <p:spPr>
-          <a:xfrm flipH="1">
-            <a:off x="4648200" y="4191000"/>
-            <a:ext cx="266700" cy="228600"/>
-          </a:xfrm>
-          <a:prstGeom prst="straightConnector1">
-            <a:avLst/>
-          </a:prstGeom>
-          <a:ln>
-            <a:tailEnd type="arrow"/>
-          </a:ln>
-        </p:spPr>
-        <p:style>
-          <a:lnRef idx="1">
-            <a:schemeClr val="accent1"/>
-          </a:lnRef>
-          <a:fillRef idx="0">
-            <a:schemeClr val="accent1"/>
-          </a:fillRef>
-          <a:effectRef idx="0">
-            <a:schemeClr val="accent1"/>
-          </a:effectRef>
-          <a:fontRef idx="minor">
-            <a:schemeClr val="tx1"/>
-          </a:fontRef>
-        </p:style>
-      </p:cxnSp>
-      <p:cxnSp>
-        <p:nvCxnSpPr>
-          <p:cNvPr id="57" name="Straight Arrow Connector 56"/>
-          <p:cNvCxnSpPr/>
-          <p:nvPr/>
-        </p:nvCxnSpPr>
-        <p:spPr>
-          <a:xfrm>
-            <a:off x="4914900" y="4191000"/>
-            <a:ext cx="381000" cy="228600"/>
-          </a:xfrm>
-          <a:prstGeom prst="straightConnector1">
-            <a:avLst/>
-          </a:prstGeom>
-          <a:ln>
-            <a:tailEnd type="arrow"/>
-          </a:ln>
-        </p:spPr>
-        <p:style>
-          <a:lnRef idx="1">
-            <a:schemeClr val="accent1"/>
-          </a:lnRef>
-          <a:fillRef idx="0">
-            <a:schemeClr val="accent1"/>
-          </a:fillRef>
-          <a:effectRef idx="0">
-            <a:schemeClr val="accent1"/>
-          </a:effectRef>
-          <a:fontRef idx="minor">
-            <a:schemeClr val="tx1"/>
-          </a:fontRef>
-        </p:style>
-      </p:cxnSp>
-      <p:cxnSp>
-        <p:nvCxnSpPr>
-          <p:cNvPr id="59" name="Straight Arrow Connector 58"/>
-          <p:cNvCxnSpPr/>
-          <p:nvPr/>
-        </p:nvCxnSpPr>
-        <p:spPr>
-          <a:xfrm flipH="1">
-            <a:off x="5029200" y="3581400"/>
-            <a:ext cx="152400" cy="228600"/>
-          </a:xfrm>
-          <a:prstGeom prst="straightConnector1">
-            <a:avLst/>
-          </a:prstGeom>
-          <a:ln>
-            <a:tailEnd type="arrow"/>
-          </a:ln>
-        </p:spPr>
-        <p:style>
-          <a:lnRef idx="1">
-            <a:schemeClr val="accent1"/>
-          </a:lnRef>
-          <a:fillRef idx="0">
-            <a:schemeClr val="accent1"/>
-          </a:fillRef>
-          <a:effectRef idx="0">
-            <a:schemeClr val="accent1"/>
-          </a:effectRef>
-          <a:fontRef idx="minor">
-            <a:schemeClr val="tx1"/>
-          </a:fontRef>
-        </p:style>
-      </p:cxnSp>
-      <p:cxnSp>
-        <p:nvCxnSpPr>
-          <p:cNvPr id="61" name="Straight Arrow Connector 60"/>
-          <p:cNvCxnSpPr/>
-          <p:nvPr/>
-        </p:nvCxnSpPr>
-        <p:spPr>
-          <a:xfrm>
-            <a:off x="5181600" y="3581400"/>
-            <a:ext cx="685800" cy="228600"/>
-          </a:xfrm>
-          <a:prstGeom prst="straightConnector1">
-            <a:avLst/>
-          </a:prstGeom>
-          <a:ln>
-            <a:tailEnd type="arrow"/>
-          </a:ln>
-        </p:spPr>
-        <p:style>
-          <a:lnRef idx="1">
-            <a:schemeClr val="accent1"/>
-          </a:lnRef>
-          <a:fillRef idx="0">
-            <a:schemeClr val="accent1"/>
-          </a:fillRef>
-          <a:effectRef idx="0">
-            <a:schemeClr val="accent1"/>
-          </a:effectRef>
-          <a:fontRef idx="minor">
-            <a:schemeClr val="tx1"/>
-          </a:fontRef>
-        </p:style>
-      </p:cxnSp>
-      <p:cxnSp>
-        <p:nvCxnSpPr>
-          <p:cNvPr id="63" name="Straight Arrow Connector 62"/>
-          <p:cNvCxnSpPr/>
-          <p:nvPr/>
-        </p:nvCxnSpPr>
-        <p:spPr>
-          <a:xfrm>
-            <a:off x="6248400" y="4191000"/>
-            <a:ext cx="838200" cy="228600"/>
-          </a:xfrm>
-          <a:prstGeom prst="straightConnector1">
-            <a:avLst/>
-          </a:prstGeom>
-          <a:ln>
-            <a:tailEnd type="arrow"/>
-          </a:ln>
-        </p:spPr>
-        <p:style>
-          <a:lnRef idx="1">
-            <a:schemeClr val="accent1"/>
-          </a:lnRef>
-          <a:fillRef idx="0">
-            <a:schemeClr val="accent1"/>
-          </a:fillRef>
-          <a:effectRef idx="0">
-            <a:schemeClr val="accent1"/>
-          </a:effectRef>
-          <a:fontRef idx="minor">
-            <a:schemeClr val="tx1"/>
-          </a:fontRef>
-        </p:style>
-      </p:cxnSp>
-      <p:cxnSp>
-        <p:nvCxnSpPr>
-          <p:cNvPr id="65" name="Straight Arrow Connector 64"/>
-          <p:cNvCxnSpPr/>
-          <p:nvPr/>
-        </p:nvCxnSpPr>
-        <p:spPr>
-          <a:xfrm>
-            <a:off x="6248400" y="4191000"/>
-            <a:ext cx="0" cy="228600"/>
-          </a:xfrm>
-          <a:prstGeom prst="straightConnector1">
-            <a:avLst/>
-          </a:prstGeom>
-          <a:ln>
-            <a:tailEnd type="arrow"/>
-          </a:ln>
-        </p:spPr>
-        <p:style>
-          <a:lnRef idx="1">
-            <a:schemeClr val="accent1"/>
-          </a:lnRef>
-          <a:fillRef idx="0">
-            <a:schemeClr val="accent1"/>
-          </a:fillRef>
-          <a:effectRef idx="0">
-            <a:schemeClr val="accent1"/>
-          </a:effectRef>
-          <a:fontRef idx="minor">
-            <a:schemeClr val="tx1"/>
-          </a:fontRef>
-        </p:style>
-      </p:cxnSp>
     </p:spTree>
     <p:extLst>
       <p:ext uri="{BB962C8B-B14F-4D97-AF65-F5344CB8AC3E}">
-        <p14:creationId xmlns:p14="http://schemas.microsoft.com/office/powerpoint/2010/main" val="1520560880"/>
+        <p14:creationId xmlns:p14="http://schemas.microsoft.com/office/powerpoint/2010/main" val="3510098900"/>
       </p:ext>
     </p:extLst>
   </p:cSld>
@@ -16043,8 +15413,8 @@
         </p:nvSpPr>
         <p:spPr>
           <a:xfrm>
-            <a:off x="457200" y="1524000"/>
-            <a:ext cx="6324600" cy="646331"/>
+            <a:off x="685800" y="1752600"/>
+            <a:ext cx="7848600" cy="2554545"/>
           </a:xfrm>
           <a:prstGeom prst="rect">
             <a:avLst/>
@@ -16058,176 +15428,66 @@
           <a:lstStyle/>
           <a:p>
             <a:r>
-              <a:rPr lang="en-US" b="1" dirty="0" smtClean="0"/>
-              <a:t>Step 6: </a:t>
-            </a:r>
-            <a:r>
-              <a:rPr lang="en-US" dirty="0" smtClean="0"/>
-              <a:t>Compression Ratio</a:t>
-            </a:r>
-          </a:p>
-          <a:p>
-            <a:endParaRPr lang="en-US" dirty="0"/>
+              <a:rPr lang="en-US" sz="4000" dirty="0"/>
+              <a:t>	</a:t>
+            </a:r>
+            <a:r>
+              <a:rPr lang="en-US" sz="8000" dirty="0" smtClean="0">
+                <a:solidFill>
+                  <a:schemeClr val="tx2"/>
+                </a:solidFill>
+                <a:latin typeface="Bodoni MT Black" pitchFamily="18" charset="0"/>
+              </a:rPr>
+              <a:t>Thank you for your time!</a:t>
+            </a:r>
+            <a:endParaRPr lang="en-US" sz="8000" dirty="0">
+              <a:solidFill>
+                <a:schemeClr val="tx2"/>
+              </a:solidFill>
+              <a:latin typeface="Bodoni MT Black" pitchFamily="18" charset="0"/>
+            </a:endParaRPr>
           </a:p>
         </p:txBody>
       </p:sp>
-      <p:graphicFrame>
-        <p:nvGraphicFramePr>
-          <p:cNvPr id="3" name="Table 2"/>
-          <p:cNvGraphicFramePr>
-            <a:graphicFrameLocks noGrp="1"/>
-          </p:cNvGraphicFramePr>
-          <p:nvPr>
-            <p:extLst>
-              <p:ext uri="{D42A27DB-BD31-4B8C-83A1-F6EECF244321}">
-                <p14:modId xmlns:p14="http://schemas.microsoft.com/office/powerpoint/2010/main" val="3644373233"/>
-              </p:ext>
-            </p:extLst>
-          </p:nvPr>
-        </p:nvGraphicFramePr>
-        <p:xfrm>
-          <a:off x="990600" y="2209800"/>
-          <a:ext cx="6096000" cy="741680"/>
-        </p:xfrm>
-        <a:graphic>
-          <a:graphicData uri="http://schemas.openxmlformats.org/drawingml/2006/table">
-            <a:tbl>
-              <a:tblPr firstRow="1" bandRow="1">
-                <a:tableStyleId>{5C22544A-7EE6-4342-B048-85BDC9FD1C3A}</a:tableStyleId>
-              </a:tblPr>
-              <a:tblGrid>
-                <a:gridCol w="1524000"/>
-                <a:gridCol w="1524000"/>
-                <a:gridCol w="1524000"/>
-                <a:gridCol w="1524000"/>
-              </a:tblGrid>
-              <a:tr h="370840">
-                <a:tc>
-                  <a:txBody>
-                    <a:bodyPr/>
-                    <a:lstStyle/>
-                    <a:p>
-                      <a:r>
-                        <a:rPr lang="en-US" dirty="0" smtClean="0"/>
-                        <a:t>Input</a:t>
-                      </a:r>
-                      <a:endParaRPr lang="en-US" dirty="0"/>
-                    </a:p>
-                  </a:txBody>
-                  <a:tcPr/>
-                </a:tc>
-                <a:tc>
-                  <a:txBody>
-                    <a:bodyPr/>
-                    <a:lstStyle/>
-                    <a:p>
-                      <a:r>
-                        <a:rPr lang="en-US" dirty="0" smtClean="0"/>
-                        <a:t>42 Symbols</a:t>
-                      </a:r>
-                      <a:endParaRPr lang="en-US" dirty="0"/>
-                    </a:p>
-                  </a:txBody>
-                  <a:tcPr/>
-                </a:tc>
-                <a:tc>
-                  <a:txBody>
-                    <a:bodyPr/>
-                    <a:lstStyle/>
-                    <a:p>
-                      <a:r>
-                        <a:rPr lang="en-US" dirty="0" smtClean="0"/>
-                        <a:t>336 Bits</a:t>
-                      </a:r>
-                      <a:endParaRPr lang="en-US" dirty="0"/>
-                    </a:p>
-                  </a:txBody>
-                  <a:tcPr/>
-                </a:tc>
-                <a:tc rowSpan="2">
-                  <a:txBody>
-                    <a:bodyPr/>
-                    <a:lstStyle/>
-                    <a:p>
-                      <a:endParaRPr lang="en-US" dirty="0" smtClean="0"/>
-                    </a:p>
-                    <a:p>
-                      <a:r>
-                        <a:rPr lang="en-US" dirty="0" smtClean="0"/>
-                        <a:t>2.23</a:t>
-                      </a:r>
-                      <a:r>
-                        <a:rPr lang="en-US" baseline="0" dirty="0" smtClean="0"/>
-                        <a:t> </a:t>
-                      </a:r>
-                      <a:endParaRPr lang="en-US" dirty="0"/>
-                    </a:p>
-                  </a:txBody>
-                  <a:tcPr/>
-                </a:tc>
-              </a:tr>
-              <a:tr h="370840">
-                <a:tc>
-                  <a:txBody>
-                    <a:bodyPr/>
-                    <a:lstStyle/>
-                    <a:p>
-                      <a:r>
-                        <a:rPr lang="en-US" dirty="0" smtClean="0"/>
-                        <a:t>Output</a:t>
-                      </a:r>
-                      <a:endParaRPr lang="en-US" dirty="0"/>
-                    </a:p>
-                  </a:txBody>
-                  <a:tcPr/>
-                </a:tc>
-                <a:tc>
-                  <a:txBody>
-                    <a:bodyPr/>
-                    <a:lstStyle/>
-                    <a:p>
-                      <a:r>
-                        <a:rPr lang="en-US" dirty="0" smtClean="0"/>
-                        <a:t>151 Symbols</a:t>
-                      </a:r>
-                      <a:endParaRPr lang="en-US" dirty="0"/>
-                    </a:p>
-                  </a:txBody>
-                  <a:tcPr/>
-                </a:tc>
-                <a:tc>
-                  <a:txBody>
-                    <a:bodyPr/>
-                    <a:lstStyle/>
-                    <a:p>
-                      <a:r>
-                        <a:rPr lang="en-US" dirty="0" smtClean="0"/>
-                        <a:t>151 Bits</a:t>
-                      </a:r>
-                      <a:endParaRPr lang="en-US" dirty="0"/>
-                    </a:p>
-                  </a:txBody>
-                  <a:tcPr/>
-                </a:tc>
-                <a:tc vMerge="1">
-                  <a:txBody>
-                    <a:bodyPr/>
-                    <a:lstStyle/>
-                    <a:p>
-                      <a:endParaRPr lang="en-US" dirty="0"/>
-                    </a:p>
-                  </a:txBody>
-                  <a:tcPr/>
-                </a:tc>
-              </a:tr>
-            </a:tbl>
-          </a:graphicData>
-        </a:graphic>
-      </p:graphicFrame>
+      <p:sp>
+        <p:nvSpPr>
+          <p:cNvPr id="3" name="TextBox 2"/>
+          <p:cNvSpPr txBox="1"/>
+          <p:nvPr/>
+        </p:nvSpPr>
+        <p:spPr>
+          <a:xfrm>
+            <a:off x="381000" y="5638800"/>
+            <a:ext cx="8458200" cy="646331"/>
+          </a:xfrm>
+          <a:prstGeom prst="rect">
+            <a:avLst/>
+          </a:prstGeom>
+          <a:noFill/>
+        </p:spPr>
+        <p:txBody>
+          <a:bodyPr wrap="square" rtlCol="0">
+            <a:spAutoFit/>
+          </a:bodyPr>
+          <a:lstStyle/>
+          <a:p>
+            <a:r>
+              <a:rPr lang="en-US" dirty="0" smtClean="0"/>
+              <a:t>The algorithm can be found at:</a:t>
+            </a:r>
+          </a:p>
+          <a:p>
+            <a:r>
+              <a:rPr lang="en-US" dirty="0"/>
+              <a:t>https://github.com/mihaescu/ADS/tree/master/Data-Compression</a:t>
+            </a:r>
+          </a:p>
+        </p:txBody>
+      </p:sp>
     </p:spTree>
     <p:extLst>
       <p:ext uri="{BB962C8B-B14F-4D97-AF65-F5344CB8AC3E}">
-        <p14:creationId xmlns:p14="http://schemas.microsoft.com/office/powerpoint/2010/main" val="1690230121"/>
+        <p14:creationId xmlns:p14="http://schemas.microsoft.com/office/powerpoint/2010/main" val="602990133"/>
       </p:ext>
     </p:extLst>
   </p:cSld>
@@ -16269,16 +15529,63 @@
           <a:bodyPr/>
           <a:lstStyle/>
           <a:p>
+            <a:pPr marL="0" indent="0">
+              <a:buNone/>
+            </a:pPr>
             <a:r>
               <a:rPr lang="en-US" dirty="0" smtClean="0"/>
               <a:t>About Huffman Coding:</a:t>
             </a:r>
           </a:p>
           <a:p>
-            <a:pPr lvl="1"/>
+            <a:pPr marL="301943" lvl="1" indent="0">
+              <a:buNone/>
+            </a:pPr>
             <a:r>
               <a:rPr lang="en-US" dirty="0" smtClean="0"/>
-              <a:t>- </a:t>
+              <a:t>-  	Entropy encoding algorithm</a:t>
+            </a:r>
+          </a:p>
+          <a:p>
+            <a:pPr marL="301943" lvl="1" indent="0">
+              <a:buNone/>
+            </a:pPr>
+            <a:r>
+              <a:rPr lang="en-US" dirty="0" smtClean="0"/>
+              <a:t>-	</a:t>
+            </a:r>
+            <a:r>
+              <a:rPr lang="en-US" dirty="0"/>
+              <a:t>U</a:t>
+            </a:r>
+            <a:r>
+              <a:rPr lang="en-US" dirty="0" smtClean="0"/>
+              <a:t>sed </a:t>
+            </a:r>
+            <a:r>
+              <a:rPr lang="en-US" dirty="0"/>
+              <a:t>for </a:t>
+            </a:r>
+            <a:r>
+              <a:rPr lang="en-US" dirty="0" smtClean="0"/>
+              <a:t>lossless data compression</a:t>
+            </a:r>
+          </a:p>
+          <a:p>
+            <a:pPr marL="301943" lvl="1" indent="0">
+              <a:buNone/>
+            </a:pPr>
+            <a:r>
+              <a:rPr lang="en-US" dirty="0" smtClean="0"/>
+              <a:t>-	Is using </a:t>
+            </a:r>
+            <a:r>
+              <a:rPr lang="en-US" dirty="0"/>
+              <a:t>a </a:t>
+            </a:r>
+            <a:r>
+              <a:rPr lang="en-US" dirty="0" smtClean="0"/>
+              <a:t>variable-length code</a:t>
             </a:r>
             <a:r>
               <a:rPr lang="en-US" dirty="0"/>
@@ -16286,52 +15593,6 @@
             </a:r>
             <a:r>
               <a:rPr lang="en-US" dirty="0" smtClean="0"/>
-              <a:t>	Entropy encoding algorithm</a:t>
-            </a:r>
-          </a:p>
-          <a:p>
-            <a:pPr lvl="1"/>
-            <a:r>
-              <a:rPr lang="en-US" dirty="0" smtClean="0"/>
-              <a:t>-	</a:t>
-            </a:r>
-            <a:r>
-              <a:rPr lang="en-US" dirty="0"/>
-              <a:t>U</a:t>
-            </a:r>
-            <a:r>
-              <a:rPr lang="en-US" dirty="0" smtClean="0"/>
-              <a:t>sed </a:t>
-            </a:r>
-            <a:r>
-              <a:rPr lang="en-US" dirty="0"/>
-              <a:t>for </a:t>
-            </a:r>
-            <a:r>
-              <a:rPr lang="en-US" dirty="0" smtClean="0"/>
-              <a:t>lossless data compression</a:t>
-            </a:r>
-          </a:p>
-          <a:p>
-            <a:pPr lvl="1"/>
-            <a:r>
-              <a:rPr lang="en-US" dirty="0" smtClean="0"/>
-              <a:t>-	Is using </a:t>
-            </a:r>
-            <a:r>
-              <a:rPr lang="en-US" dirty="0"/>
-              <a:t>a </a:t>
-            </a:r>
-            <a:r>
-              <a:rPr lang="en-US" dirty="0" smtClean="0"/>
-              <a:t>variable-length code</a:t>
-            </a:r>
-            <a:r>
-              <a:rPr lang="en-US" dirty="0"/>
-              <a:t> </a:t>
-            </a:r>
-            <a:r>
-              <a:rPr lang="en-US" dirty="0" smtClean="0"/>
               <a:t>for </a:t>
             </a:r>
             <a:r>
@@ -16344,7 +15605,9 @@
             </a:r>
           </a:p>
           <a:p>
-            <a:pPr lvl="1"/>
+            <a:pPr marL="301943" lvl="1" indent="0">
+              <a:buNone/>
+            </a:pPr>
             <a:r>
               <a:rPr lang="en-US" dirty="0" smtClean="0"/>
               <a:t>-	Is using </a:t>
@@ -16476,12 +15739,16 @@
               <a:t>be or not to </a:t>
             </a:r>
             <a:r>
-              <a:rPr lang="en-US" sz="1600" b="1" dirty="0" err="1"/>
+              <a:rPr lang="en-US" sz="1600" b="1" dirty="0" err="1" smtClean="0"/>
               <a:t>be.This</a:t>
             </a:r>
             <a:r>
+              <a:rPr lang="en-US" sz="1600" b="1" dirty="0" smtClean="0"/>
+              <a:t> </a:t>
+            </a:r>
+            <a:r>
               <a:rPr lang="en-US" sz="1600" b="1" dirty="0"/>
-              <a:t> is not a question</a:t>
+              <a:t>is not a question</a:t>
             </a:r>
             <a:r>
               <a:rPr lang="en-US" sz="1600" b="1" dirty="0" smtClean="0"/>
@@ -16551,13 +15818,13 @@
           <p:nvPr>
             <p:extLst>
               <p:ext uri="{D42A27DB-BD31-4B8C-83A1-F6EECF244321}">
-                <p14:modId xmlns:p14="http://schemas.microsoft.com/office/powerpoint/2010/main" val="4219315119"/>
+                <p14:modId xmlns:p14="http://schemas.microsoft.com/office/powerpoint/2010/main" val="1723372241"/>
               </p:ext>
             </p:extLst>
           </p:nvPr>
         </p:nvGraphicFramePr>
         <p:xfrm>
-          <a:off x="1447800" y="3733800"/>
+          <a:off x="2286000" y="3733800"/>
           <a:ext cx="1524000" cy="2926080"/>
         </p:xfrm>
         <a:graphic>
@@ -16823,13 +16090,13 @@
           <p:nvPr>
             <p:extLst>
               <p:ext uri="{D42A27DB-BD31-4B8C-83A1-F6EECF244321}">
-                <p14:modId xmlns:p14="http://schemas.microsoft.com/office/powerpoint/2010/main" val="2434989450"/>
+                <p14:modId xmlns:p14="http://schemas.microsoft.com/office/powerpoint/2010/main" val="458120240"/>
               </p:ext>
             </p:extLst>
           </p:nvPr>
         </p:nvGraphicFramePr>
         <p:xfrm>
-          <a:off x="3886200" y="3733800"/>
+          <a:off x="5257800" y="3733800"/>
           <a:ext cx="1600200" cy="2667000"/>
         </p:xfrm>
         <a:graphic>
@@ -17116,16 +16383,12 @@
               <a:t>	</a:t>
             </a:r>
             <a:r>
-              <a:rPr lang="en-US" sz="1900" dirty="0" smtClean="0"/>
-              <a:t>Every symbol and it’s frequency creates a  Leaf Node. Every node is inserted into a priority queue in order to have the nodes with lower </a:t>
-            </a:r>
-            <a:r>
-              <a:rPr lang="en-US" sz="1900" dirty="0" err="1" smtClean="0"/>
-              <a:t>freqency</a:t>
-            </a:r>
-            <a:r>
-              <a:rPr lang="en-US" sz="1900" dirty="0" smtClean="0"/>
-              <a:t> on high priority ( lower index ).  Maintaining this is possible by comparing every new inserted node with what’s in the queue. </a:t>
+              <a:rPr lang="en-US" sz="1600" dirty="0" smtClean="0"/>
+              <a:t>      Step 2  	 :  - </a:t>
+            </a:r>
+            <a:r>
+              <a:rPr lang="en-US" sz="1600" b="1" dirty="0" smtClean="0"/>
+              <a:t>Creating Leaf Nodes		</a:t>
             </a:r>
           </a:p>
           <a:p>
@@ -17133,267 +16396,66 @@
               <a:buNone/>
             </a:pPr>
             <a:r>
-              <a:rPr lang="en-US" sz="1900" dirty="0"/>
+              <a:rPr lang="en-US" sz="1600" dirty="0"/>
               <a:t>	</a:t>
             </a:r>
             <a:r>
-              <a:rPr lang="en-US" sz="1000" b="1" dirty="0" smtClean="0"/>
-              <a:t>procedure</a:t>
-            </a:r>
-            <a:r>
-              <a:rPr lang="en-US" sz="1000" dirty="0" smtClean="0"/>
-              <a:t> </a:t>
-            </a:r>
-            <a:r>
-              <a:rPr lang="en-US" sz="1000" dirty="0" err="1" smtClean="0"/>
-              <a:t>QueueInsert</a:t>
-            </a:r>
-            <a:endParaRPr lang="en-US" sz="1900" dirty="0" smtClean="0"/>
+              <a:rPr lang="en-US" sz="1600" dirty="0" smtClean="0"/>
+              <a:t>	    - </a:t>
+            </a:r>
+            <a:r>
+              <a:rPr lang="en-US" sz="1600" b="1" dirty="0" smtClean="0"/>
+              <a:t>Creating Internal Nodes		The Tree</a:t>
+            </a:r>
           </a:p>
           <a:p>
             <a:pPr marL="0" indent="0">
               <a:buNone/>
             </a:pPr>
-            <a:r>
-              <a:rPr lang="en-US" sz="1600" dirty="0"/>
-              <a:t>	</a:t>
-            </a:r>
-            <a:r>
-              <a:rPr lang="en-US" sz="1600" dirty="0" smtClean="0"/>
-              <a:t>	</a:t>
-            </a:r>
-            <a:r>
-              <a:rPr lang="en-US" sz="1100" dirty="0" smtClean="0"/>
-              <a:t> </a:t>
-            </a:r>
-            <a:r>
-              <a:rPr lang="en-US" sz="1000" dirty="0" err="1" smtClean="0"/>
-              <a:t>NewNodeIndex</a:t>
-            </a:r>
-            <a:r>
-              <a:rPr lang="en-US" sz="1000" dirty="0" smtClean="0"/>
-              <a:t> </a:t>
-            </a:r>
-            <a:r>
-              <a:rPr lang="en-US" sz="1000" dirty="0"/>
-              <a:t>= </a:t>
-            </a:r>
-            <a:r>
-              <a:rPr lang="en-US" sz="1000" dirty="0" err="1"/>
-              <a:t>QueueSize</a:t>
-            </a:r>
-            <a:r>
-              <a:rPr lang="en-US" sz="1000" dirty="0" smtClean="0"/>
-              <a:t>++;	// </a:t>
-            </a:r>
-            <a:r>
-              <a:rPr lang="en-US" sz="1000" dirty="0" err="1" smtClean="0"/>
-              <a:t>Everytime</a:t>
-            </a:r>
-            <a:r>
-              <a:rPr lang="en-US" sz="1000" dirty="0" smtClean="0"/>
-              <a:t> a new node is inserted the size of the Queue is incremented</a:t>
-            </a:r>
-            <a:endParaRPr lang="en-US" sz="1000" dirty="0"/>
+            <a:endParaRPr lang="en-US" sz="1600" dirty="0"/>
           </a:p>
           <a:p>
             <a:pPr marL="0" indent="0">
               <a:buNone/>
             </a:pPr>
-            <a:r>
-              <a:rPr lang="en-US" sz="1000" dirty="0"/>
-              <a:t>	</a:t>
-            </a:r>
-            <a:r>
-              <a:rPr lang="en-US" sz="1000" dirty="0" smtClean="0"/>
-              <a:t>	</a:t>
-            </a:r>
-            <a:r>
-              <a:rPr lang="en-US" sz="1000" dirty="0" err="1" smtClean="0"/>
-              <a:t>InsideIndex</a:t>
-            </a:r>
-            <a:r>
-              <a:rPr lang="en-US" sz="1000" dirty="0" smtClean="0"/>
-              <a:t>;</a:t>
-            </a:r>
-            <a:endParaRPr lang="en-US" sz="1000" dirty="0"/>
+            <a:endParaRPr lang="en-US" sz="1600" dirty="0" smtClean="0"/>
           </a:p>
           <a:p>
             <a:pPr marL="0" indent="0">
               <a:buNone/>
             </a:pPr>
             <a:r>
-              <a:rPr lang="en-US" sz="1000" dirty="0"/>
-              <a:t>	</a:t>
-            </a:r>
-            <a:r>
-              <a:rPr lang="en-US" sz="1000" dirty="0" smtClean="0"/>
-              <a:t>	while ((</a:t>
-            </a:r>
-            <a:r>
-              <a:rPr lang="en-US" sz="1000" dirty="0" err="1" smtClean="0"/>
-              <a:t>InsideIndex</a:t>
-            </a:r>
-            <a:r>
-              <a:rPr lang="en-US" sz="1000" dirty="0" smtClean="0"/>
-              <a:t> = </a:t>
-            </a:r>
-            <a:r>
-              <a:rPr lang="en-US" sz="1000" dirty="0" err="1" smtClean="0"/>
-              <a:t>NewNodeIndex</a:t>
-            </a:r>
-            <a:r>
-              <a:rPr lang="en-US" sz="1000" dirty="0" smtClean="0"/>
-              <a:t>/2</a:t>
-            </a:r>
-            <a:r>
-              <a:rPr lang="en-US" sz="1000" dirty="0"/>
-              <a:t>))</a:t>
+              <a:rPr lang="en-US" sz="1600" dirty="0" smtClean="0"/>
+              <a:t>Leaf-Node example: - 		  * Leaf-Nodes contain Symbols and their frequency.</a:t>
             </a:r>
           </a:p>
           <a:p>
             <a:pPr marL="0" indent="0">
               <a:buNone/>
             </a:pPr>
-            <a:r>
-              <a:rPr lang="en-US" sz="1000" dirty="0"/>
-              <a:t>	</a:t>
-            </a:r>
-            <a:r>
-              <a:rPr lang="en-US" sz="1000" dirty="0" smtClean="0"/>
-              <a:t>	{</a:t>
-            </a:r>
-            <a:endParaRPr lang="en-US" sz="1000" dirty="0"/>
+            <a:endParaRPr lang="en-US" sz="1600" dirty="0"/>
           </a:p>
           <a:p>
             <a:pPr marL="0" indent="0">
               <a:buNone/>
             </a:pPr>
-            <a:r>
-              <a:rPr lang="en-US" sz="1000" dirty="0"/>
-              <a:t>		</a:t>
-            </a:r>
-            <a:r>
-              <a:rPr lang="en-US" sz="1000" dirty="0" smtClean="0"/>
-              <a:t>	if </a:t>
-            </a:r>
-            <a:r>
-              <a:rPr lang="en-US" sz="1000" dirty="0"/>
-              <a:t>(</a:t>
-            </a:r>
-            <a:r>
-              <a:rPr lang="en-US" sz="1000" dirty="0" smtClean="0"/>
-              <a:t>Queue[</a:t>
-            </a:r>
-            <a:r>
-              <a:rPr lang="en-US" sz="1000" dirty="0" err="1" smtClean="0"/>
-              <a:t>InsideIndex</a:t>
-            </a:r>
-            <a:r>
-              <a:rPr lang="en-US" sz="1000" dirty="0" smtClean="0"/>
-              <a:t>]-&gt;</a:t>
-            </a:r>
-            <a:r>
-              <a:rPr lang="en-US" sz="1000" dirty="0"/>
-              <a:t>frequency &lt;= </a:t>
-            </a:r>
-            <a:r>
-              <a:rPr lang="en-US" sz="1000" dirty="0" smtClean="0"/>
-              <a:t> New Node-&gt;frequency)  //  If this -&gt; OK </a:t>
-            </a:r>
+            <a:endParaRPr lang="en-US" sz="1600" dirty="0" smtClean="0"/>
           </a:p>
           <a:p>
             <a:pPr marL="0" indent="0">
               <a:buNone/>
             </a:pPr>
-            <a:r>
-              <a:rPr lang="en-US" sz="1000" dirty="0"/>
-              <a:t>	</a:t>
-            </a:r>
-            <a:r>
-              <a:rPr lang="en-US" sz="1000" dirty="0" smtClean="0"/>
-              <a:t>	           		 </a:t>
-            </a:r>
-            <a:r>
-              <a:rPr lang="en-US" sz="1000" dirty="0"/>
-              <a:t>break;				</a:t>
-            </a:r>
+            <a:endParaRPr lang="en-US" sz="1600" dirty="0"/>
           </a:p>
           <a:p>
             <a:pPr marL="0" indent="0">
               <a:buNone/>
             </a:pPr>
             <a:r>
-              <a:rPr lang="en-US" sz="1000" dirty="0"/>
-              <a:t>		</a:t>
-            </a:r>
-            <a:r>
-              <a:rPr lang="en-US" sz="1000" dirty="0" smtClean="0"/>
-              <a:t>	Switch(Queue[</a:t>
-            </a:r>
-            <a:r>
-              <a:rPr lang="en-US" sz="1000" dirty="0" err="1" smtClean="0"/>
-              <a:t>InsideIndex</a:t>
-            </a:r>
-            <a:r>
-              <a:rPr lang="en-US" sz="1000" dirty="0" smtClean="0"/>
-              <a:t>],Queue[</a:t>
-            </a:r>
-            <a:r>
-              <a:rPr lang="en-US" sz="1000" dirty="0" err="1" smtClean="0"/>
-              <a:t>NewNodeIndex</a:t>
-            </a:r>
-            <a:r>
-              <a:rPr lang="en-US" sz="1000" dirty="0" smtClean="0"/>
-              <a:t>]); </a:t>
-            </a:r>
-            <a:r>
-              <a:rPr lang="en-US" sz="1000" dirty="0"/>
-              <a:t>						</a:t>
-            </a:r>
-            <a:r>
-              <a:rPr lang="en-US" sz="1000" dirty="0" smtClean="0"/>
-              <a:t>Switch(</a:t>
-            </a:r>
-            <a:r>
-              <a:rPr lang="en-US" sz="1000" dirty="0" err="1" smtClean="0"/>
-              <a:t>InsideIndex,NewNodeIndex</a:t>
-            </a:r>
-            <a:r>
-              <a:rPr lang="en-US" sz="1000" dirty="0" smtClean="0"/>
-              <a:t>);</a:t>
-            </a:r>
-            <a:r>
-              <a:rPr lang="en-US" sz="1000" dirty="0"/>
-              <a:t>				</a:t>
-            </a:r>
-            <a:r>
-              <a:rPr lang="en-US" sz="1000" dirty="0" smtClean="0"/>
-              <a:t>		}</a:t>
-            </a:r>
-            <a:endParaRPr lang="en-US" sz="1000" dirty="0"/>
-          </a:p>
-          <a:p>
-            <a:pPr marL="0" indent="0">
-              <a:buNone/>
-            </a:pPr>
-            <a:r>
-              <a:rPr lang="en-US" sz="1000" dirty="0"/>
-              <a:t>	</a:t>
-            </a:r>
-            <a:r>
-              <a:rPr lang="en-US" sz="1000" dirty="0" smtClean="0"/>
-              <a:t>	Queue[</a:t>
-            </a:r>
-            <a:r>
-              <a:rPr lang="en-US" sz="1000" dirty="0" err="1" smtClean="0"/>
-              <a:t>NewNodeIndex</a:t>
-            </a:r>
-            <a:r>
-              <a:rPr lang="en-US" sz="1000" dirty="0" smtClean="0"/>
-              <a:t>] = New Node;</a:t>
-            </a:r>
-            <a:endParaRPr lang="en-US" sz="1000" dirty="0"/>
+              <a:rPr lang="en-US" sz="1600" dirty="0" smtClean="0"/>
+              <a:t>Internal-Node examples:				* Internal Nodes contain no 							symbol. They only contain the sum 						of their left and right children 							frequencies.</a:t>
+            </a:r>
+            <a:endParaRPr lang="en-US" sz="3200" dirty="0" smtClean="0"/>
           </a:p>
         </p:txBody>
       </p:sp>
@@ -17418,6 +16480,733 @@
               <a:t>Example:</a:t>
             </a:r>
             <a:endParaRPr lang="en-US" dirty="0"/>
+          </a:p>
+        </p:txBody>
+      </p:sp>
+      <p:sp>
+        <p:nvSpPr>
+          <p:cNvPr id="4" name="Oval 3"/>
+          <p:cNvSpPr/>
+          <p:nvPr/>
+        </p:nvSpPr>
+        <p:spPr>
+          <a:xfrm>
+            <a:off x="2819400" y="3429000"/>
+            <a:ext cx="990600" cy="685800"/>
+          </a:xfrm>
+          <a:prstGeom prst="ellipse">
+            <a:avLst/>
+          </a:prstGeom>
+        </p:spPr>
+        <p:style>
+          <a:lnRef idx="2">
+            <a:schemeClr val="accent1">
+              <a:shade val="50000"/>
+            </a:schemeClr>
+          </a:lnRef>
+          <a:fillRef idx="1">
+            <a:schemeClr val="accent1"/>
+          </a:fillRef>
+          <a:effectRef idx="0">
+            <a:schemeClr val="accent1"/>
+          </a:effectRef>
+          <a:fontRef idx="minor">
+            <a:schemeClr val="lt1"/>
+          </a:fontRef>
+        </p:style>
+        <p:txBody>
+          <a:bodyPr rtlCol="0" anchor="ctr"/>
+          <a:lstStyle/>
+          <a:p>
+            <a:pPr algn="ctr"/>
+            <a:endParaRPr lang="en-US"/>
+          </a:p>
+        </p:txBody>
+      </p:sp>
+      <p:sp>
+        <p:nvSpPr>
+          <p:cNvPr id="5" name="TextBox 4"/>
+          <p:cNvSpPr txBox="1"/>
+          <p:nvPr/>
+        </p:nvSpPr>
+        <p:spPr>
+          <a:xfrm>
+            <a:off x="2743200" y="3587234"/>
+            <a:ext cx="1371600" cy="369332"/>
+          </a:xfrm>
+          <a:prstGeom prst="rect">
+            <a:avLst/>
+          </a:prstGeom>
+          <a:noFill/>
+        </p:spPr>
+        <p:txBody>
+          <a:bodyPr wrap="square" rtlCol="0">
+            <a:spAutoFit/>
+          </a:bodyPr>
+          <a:lstStyle/>
+          <a:p>
+            <a:r>
+              <a:rPr lang="en-US" dirty="0" smtClean="0"/>
+              <a:t>     </a:t>
+            </a:r>
+            <a:r>
+              <a:rPr lang="en-US" dirty="0">
+                <a:solidFill>
+                  <a:schemeClr val="bg1"/>
+                </a:solidFill>
+              </a:rPr>
+              <a:t>T</a:t>
+            </a:r>
+            <a:r>
+              <a:rPr lang="en-US" dirty="0" smtClean="0">
+                <a:solidFill>
+                  <a:schemeClr val="bg1"/>
+                </a:solidFill>
+              </a:rPr>
+              <a:t>  / 2 </a:t>
+            </a:r>
+            <a:endParaRPr lang="en-US" dirty="0">
+              <a:solidFill>
+                <a:schemeClr val="bg1"/>
+              </a:solidFill>
+            </a:endParaRPr>
+          </a:p>
+        </p:txBody>
+      </p:sp>
+      <p:sp>
+        <p:nvSpPr>
+          <p:cNvPr id="6" name="Oval 5"/>
+          <p:cNvSpPr/>
+          <p:nvPr/>
+        </p:nvSpPr>
+        <p:spPr>
+          <a:xfrm>
+            <a:off x="1524000" y="5036408"/>
+            <a:ext cx="762000" cy="533400"/>
+          </a:xfrm>
+          <a:prstGeom prst="ellipse">
+            <a:avLst/>
+          </a:prstGeom>
+        </p:spPr>
+        <p:style>
+          <a:lnRef idx="2">
+            <a:schemeClr val="accent1">
+              <a:shade val="50000"/>
+            </a:schemeClr>
+          </a:lnRef>
+          <a:fillRef idx="1">
+            <a:schemeClr val="accent1"/>
+          </a:fillRef>
+          <a:effectRef idx="0">
+            <a:schemeClr val="accent1"/>
+          </a:effectRef>
+          <a:fontRef idx="minor">
+            <a:schemeClr val="lt1"/>
+          </a:fontRef>
+        </p:style>
+        <p:txBody>
+          <a:bodyPr rtlCol="0" anchor="ctr"/>
+          <a:lstStyle/>
+          <a:p>
+            <a:pPr algn="ctr"/>
+            <a:endParaRPr lang="en-US"/>
+          </a:p>
+        </p:txBody>
+      </p:sp>
+      <p:sp>
+        <p:nvSpPr>
+          <p:cNvPr id="7" name="Oval 6"/>
+          <p:cNvSpPr/>
+          <p:nvPr/>
+        </p:nvSpPr>
+        <p:spPr>
+          <a:xfrm>
+            <a:off x="838200" y="5766487"/>
+            <a:ext cx="685800" cy="609600"/>
+          </a:xfrm>
+          <a:prstGeom prst="ellipse">
+            <a:avLst/>
+          </a:prstGeom>
+        </p:spPr>
+        <p:style>
+          <a:lnRef idx="2">
+            <a:schemeClr val="accent1">
+              <a:shade val="50000"/>
+            </a:schemeClr>
+          </a:lnRef>
+          <a:fillRef idx="1">
+            <a:schemeClr val="accent1"/>
+          </a:fillRef>
+          <a:effectRef idx="0">
+            <a:schemeClr val="accent1"/>
+          </a:effectRef>
+          <a:fontRef idx="minor">
+            <a:schemeClr val="lt1"/>
+          </a:fontRef>
+        </p:style>
+        <p:txBody>
+          <a:bodyPr rtlCol="0" anchor="ctr"/>
+          <a:lstStyle/>
+          <a:p>
+            <a:pPr algn="ctr"/>
+            <a:endParaRPr lang="en-US"/>
+          </a:p>
+        </p:txBody>
+      </p:sp>
+      <p:sp>
+        <p:nvSpPr>
+          <p:cNvPr id="8" name="Oval 7"/>
+          <p:cNvSpPr/>
+          <p:nvPr/>
+        </p:nvSpPr>
+        <p:spPr>
+          <a:xfrm>
+            <a:off x="2286000" y="5791200"/>
+            <a:ext cx="685800" cy="609600"/>
+          </a:xfrm>
+          <a:prstGeom prst="ellipse">
+            <a:avLst/>
+          </a:prstGeom>
+        </p:spPr>
+        <p:style>
+          <a:lnRef idx="2">
+            <a:schemeClr val="accent1">
+              <a:shade val="50000"/>
+            </a:schemeClr>
+          </a:lnRef>
+          <a:fillRef idx="1">
+            <a:schemeClr val="accent1"/>
+          </a:fillRef>
+          <a:effectRef idx="0">
+            <a:schemeClr val="accent1"/>
+          </a:effectRef>
+          <a:fontRef idx="minor">
+            <a:schemeClr val="lt1"/>
+          </a:fontRef>
+        </p:style>
+        <p:txBody>
+          <a:bodyPr rtlCol="0" anchor="ctr"/>
+          <a:lstStyle/>
+          <a:p>
+            <a:pPr algn="ctr"/>
+            <a:endParaRPr lang="en-US"/>
+          </a:p>
+        </p:txBody>
+      </p:sp>
+      <p:sp>
+        <p:nvSpPr>
+          <p:cNvPr id="9" name="Oval 8"/>
+          <p:cNvSpPr/>
+          <p:nvPr/>
+        </p:nvSpPr>
+        <p:spPr>
+          <a:xfrm>
+            <a:off x="4800600" y="4884007"/>
+            <a:ext cx="762000" cy="577679"/>
+          </a:xfrm>
+          <a:prstGeom prst="ellipse">
+            <a:avLst/>
+          </a:prstGeom>
+        </p:spPr>
+        <p:style>
+          <a:lnRef idx="2">
+            <a:schemeClr val="accent1">
+              <a:shade val="50000"/>
+            </a:schemeClr>
+          </a:lnRef>
+          <a:fillRef idx="1">
+            <a:schemeClr val="accent1"/>
+          </a:fillRef>
+          <a:effectRef idx="0">
+            <a:schemeClr val="accent1"/>
+          </a:effectRef>
+          <a:fontRef idx="minor">
+            <a:schemeClr val="lt1"/>
+          </a:fontRef>
+        </p:style>
+        <p:txBody>
+          <a:bodyPr rtlCol="0" anchor="ctr"/>
+          <a:lstStyle/>
+          <a:p>
+            <a:pPr algn="ctr"/>
+            <a:r>
+              <a:rPr lang="en-US" dirty="0" smtClean="0"/>
+              <a:t>  / 6</a:t>
+            </a:r>
+            <a:endParaRPr lang="en-US" dirty="0"/>
+          </a:p>
+        </p:txBody>
+      </p:sp>
+      <p:sp>
+        <p:nvSpPr>
+          <p:cNvPr id="10" name="Oval 9"/>
+          <p:cNvSpPr/>
+          <p:nvPr/>
+        </p:nvSpPr>
+        <p:spPr>
+          <a:xfrm>
+            <a:off x="4191000" y="5772665"/>
+            <a:ext cx="685799" cy="609600"/>
+          </a:xfrm>
+          <a:prstGeom prst="ellipse">
+            <a:avLst/>
+          </a:prstGeom>
+        </p:spPr>
+        <p:style>
+          <a:lnRef idx="2">
+            <a:schemeClr val="accent1">
+              <a:shade val="50000"/>
+            </a:schemeClr>
+          </a:lnRef>
+          <a:fillRef idx="1">
+            <a:schemeClr val="accent1"/>
+          </a:fillRef>
+          <a:effectRef idx="0">
+            <a:schemeClr val="accent1"/>
+          </a:effectRef>
+          <a:fontRef idx="minor">
+            <a:schemeClr val="lt1"/>
+          </a:fontRef>
+        </p:style>
+        <p:txBody>
+          <a:bodyPr rtlCol="0" anchor="ctr"/>
+          <a:lstStyle/>
+          <a:p>
+            <a:pPr algn="ctr"/>
+            <a:endParaRPr lang="en-US"/>
+          </a:p>
+        </p:txBody>
+      </p:sp>
+      <p:sp>
+        <p:nvSpPr>
+          <p:cNvPr id="11" name="Oval 10"/>
+          <p:cNvSpPr/>
+          <p:nvPr/>
+        </p:nvSpPr>
+        <p:spPr>
+          <a:xfrm>
+            <a:off x="5638800" y="5758249"/>
+            <a:ext cx="685800" cy="609600"/>
+          </a:xfrm>
+          <a:prstGeom prst="ellipse">
+            <a:avLst/>
+          </a:prstGeom>
+        </p:spPr>
+        <p:style>
+          <a:lnRef idx="2">
+            <a:schemeClr val="accent1">
+              <a:shade val="50000"/>
+            </a:schemeClr>
+          </a:lnRef>
+          <a:fillRef idx="1">
+            <a:schemeClr val="accent1"/>
+          </a:fillRef>
+          <a:effectRef idx="0">
+            <a:schemeClr val="accent1"/>
+          </a:effectRef>
+          <a:fontRef idx="minor">
+            <a:schemeClr val="lt1"/>
+          </a:fontRef>
+        </p:style>
+        <p:txBody>
+          <a:bodyPr rtlCol="0" anchor="ctr"/>
+          <a:lstStyle/>
+          <a:p>
+            <a:pPr algn="ctr"/>
+            <a:endParaRPr lang="en-US"/>
+          </a:p>
+        </p:txBody>
+      </p:sp>
+      <p:cxnSp>
+        <p:nvCxnSpPr>
+          <p:cNvPr id="18" name="Straight Connector 17"/>
+          <p:cNvCxnSpPr>
+            <a:stCxn id="7" idx="7"/>
+            <a:endCxn id="6" idx="3"/>
+          </p:cNvCxnSpPr>
+          <p:nvPr/>
+        </p:nvCxnSpPr>
+        <p:spPr>
+          <a:xfrm flipV="1">
+            <a:off x="1423567" y="5491693"/>
+            <a:ext cx="212025" cy="364068"/>
+          </a:xfrm>
+          <a:prstGeom prst="line">
+            <a:avLst/>
+          </a:prstGeom>
+        </p:spPr>
+        <p:style>
+          <a:lnRef idx="1">
+            <a:schemeClr val="accent1"/>
+          </a:lnRef>
+          <a:fillRef idx="0">
+            <a:schemeClr val="accent1"/>
+          </a:fillRef>
+          <a:effectRef idx="0">
+            <a:schemeClr val="accent1"/>
+          </a:effectRef>
+          <a:fontRef idx="minor">
+            <a:schemeClr val="tx1"/>
+          </a:fontRef>
+        </p:style>
+      </p:cxnSp>
+      <p:cxnSp>
+        <p:nvCxnSpPr>
+          <p:cNvPr id="20" name="Straight Connector 19"/>
+          <p:cNvCxnSpPr>
+            <a:stCxn id="6" idx="5"/>
+            <a:endCxn id="8" idx="1"/>
+          </p:cNvCxnSpPr>
+          <p:nvPr/>
+        </p:nvCxnSpPr>
+        <p:spPr>
+          <a:xfrm>
+            <a:off x="2174408" y="5491693"/>
+            <a:ext cx="212025" cy="388781"/>
+          </a:xfrm>
+          <a:prstGeom prst="line">
+            <a:avLst/>
+          </a:prstGeom>
+        </p:spPr>
+        <p:style>
+          <a:lnRef idx="1">
+            <a:schemeClr val="accent1"/>
+          </a:lnRef>
+          <a:fillRef idx="0">
+            <a:schemeClr val="accent1"/>
+          </a:fillRef>
+          <a:effectRef idx="0">
+            <a:schemeClr val="accent1"/>
+          </a:effectRef>
+          <a:fontRef idx="minor">
+            <a:schemeClr val="tx1"/>
+          </a:fontRef>
+        </p:style>
+      </p:cxnSp>
+      <p:cxnSp>
+        <p:nvCxnSpPr>
+          <p:cNvPr id="22" name="Straight Connector 21"/>
+          <p:cNvCxnSpPr>
+            <a:stCxn id="10" idx="7"/>
+            <a:endCxn id="9" idx="3"/>
+          </p:cNvCxnSpPr>
+          <p:nvPr/>
+        </p:nvCxnSpPr>
+        <p:spPr>
+          <a:xfrm flipV="1">
+            <a:off x="4776366" y="5377087"/>
+            <a:ext cx="135826" cy="484852"/>
+          </a:xfrm>
+          <a:prstGeom prst="line">
+            <a:avLst/>
+          </a:prstGeom>
+        </p:spPr>
+        <p:style>
+          <a:lnRef idx="1">
+            <a:schemeClr val="accent1"/>
+          </a:lnRef>
+          <a:fillRef idx="0">
+            <a:schemeClr val="accent1"/>
+          </a:fillRef>
+          <a:effectRef idx="0">
+            <a:schemeClr val="accent1"/>
+          </a:effectRef>
+          <a:fontRef idx="minor">
+            <a:schemeClr val="tx1"/>
+          </a:fontRef>
+        </p:style>
+      </p:cxnSp>
+      <p:cxnSp>
+        <p:nvCxnSpPr>
+          <p:cNvPr id="24" name="Straight Connector 23"/>
+          <p:cNvCxnSpPr>
+            <a:stCxn id="9" idx="5"/>
+            <a:endCxn id="11" idx="1"/>
+          </p:cNvCxnSpPr>
+          <p:nvPr/>
+        </p:nvCxnSpPr>
+        <p:spPr>
+          <a:xfrm>
+            <a:off x="5451008" y="5377087"/>
+            <a:ext cx="288225" cy="470436"/>
+          </a:xfrm>
+          <a:prstGeom prst="line">
+            <a:avLst/>
+          </a:prstGeom>
+        </p:spPr>
+        <p:style>
+          <a:lnRef idx="1">
+            <a:schemeClr val="accent1"/>
+          </a:lnRef>
+          <a:fillRef idx="0">
+            <a:schemeClr val="accent1"/>
+          </a:fillRef>
+          <a:effectRef idx="0">
+            <a:schemeClr val="accent1"/>
+          </a:effectRef>
+          <a:fontRef idx="minor">
+            <a:schemeClr val="tx1"/>
+          </a:fontRef>
+        </p:style>
+      </p:cxnSp>
+      <p:sp>
+        <p:nvSpPr>
+          <p:cNvPr id="25" name="TextBox 24"/>
+          <p:cNvSpPr txBox="1"/>
+          <p:nvPr/>
+        </p:nvSpPr>
+        <p:spPr>
+          <a:xfrm>
+            <a:off x="1635592" y="5116182"/>
+            <a:ext cx="538816" cy="307777"/>
+          </a:xfrm>
+          <a:prstGeom prst="rect">
+            <a:avLst/>
+          </a:prstGeom>
+          <a:noFill/>
+        </p:spPr>
+        <p:txBody>
+          <a:bodyPr wrap="square" rtlCol="0">
+            <a:spAutoFit/>
+          </a:bodyPr>
+          <a:lstStyle/>
+          <a:p>
+            <a:r>
+              <a:rPr lang="en-US" sz="1400" dirty="0">
+                <a:solidFill>
+                  <a:schemeClr val="bg1"/>
+                </a:solidFill>
+              </a:rPr>
+              <a:t> </a:t>
+            </a:r>
+            <a:r>
+              <a:rPr lang="en-US" sz="1400" dirty="0" smtClean="0">
+                <a:solidFill>
+                  <a:schemeClr val="bg1"/>
+                </a:solidFill>
+              </a:rPr>
+              <a:t> / 2</a:t>
+            </a:r>
+            <a:endParaRPr lang="en-US" sz="1400" dirty="0">
+              <a:solidFill>
+                <a:schemeClr val="bg1"/>
+              </a:solidFill>
+            </a:endParaRPr>
+          </a:p>
+        </p:txBody>
+      </p:sp>
+      <p:sp>
+        <p:nvSpPr>
+          <p:cNvPr id="26" name="TextBox 25"/>
+          <p:cNvSpPr txBox="1"/>
+          <p:nvPr/>
+        </p:nvSpPr>
+        <p:spPr>
+          <a:xfrm>
+            <a:off x="895074" y="5718973"/>
+            <a:ext cx="634505" cy="754053"/>
+          </a:xfrm>
+          <a:prstGeom prst="rect">
+            <a:avLst/>
+          </a:prstGeom>
+          <a:noFill/>
+        </p:spPr>
+        <p:txBody>
+          <a:bodyPr wrap="square" rtlCol="0">
+            <a:spAutoFit/>
+          </a:bodyPr>
+          <a:lstStyle/>
+          <a:p>
+            <a:endParaRPr lang="en-US" sz="1100" dirty="0" smtClean="0">
+              <a:solidFill>
+                <a:schemeClr val="bg1"/>
+              </a:solidFill>
+            </a:endParaRPr>
+          </a:p>
+          <a:p>
+            <a:r>
+              <a:rPr lang="en-US" sz="1600" dirty="0" smtClean="0">
+                <a:solidFill>
+                  <a:schemeClr val="bg1"/>
+                </a:solidFill>
+              </a:rPr>
+              <a:t>q/1	</a:t>
+            </a:r>
+            <a:endParaRPr lang="en-US" sz="1600" dirty="0">
+              <a:solidFill>
+                <a:schemeClr val="bg1"/>
+              </a:solidFill>
+            </a:endParaRPr>
+          </a:p>
+        </p:txBody>
+      </p:sp>
+      <p:sp>
+        <p:nvSpPr>
+          <p:cNvPr id="27" name="TextBox 26"/>
+          <p:cNvSpPr txBox="1"/>
+          <p:nvPr/>
+        </p:nvSpPr>
+        <p:spPr>
+          <a:xfrm>
+            <a:off x="2362200" y="5911334"/>
+            <a:ext cx="509167" cy="338554"/>
+          </a:xfrm>
+          <a:prstGeom prst="rect">
+            <a:avLst/>
+          </a:prstGeom>
+          <a:noFill/>
+        </p:spPr>
+        <p:txBody>
+          <a:bodyPr wrap="square" rtlCol="0">
+            <a:spAutoFit/>
+          </a:bodyPr>
+          <a:lstStyle/>
+          <a:p>
+            <a:r>
+              <a:rPr lang="en-US" sz="1600" dirty="0">
+                <a:solidFill>
+                  <a:schemeClr val="bg1"/>
+                </a:solidFill>
+              </a:rPr>
+              <a:t>a</a:t>
+            </a:r>
+            <a:r>
+              <a:rPr lang="en-US" sz="1600" dirty="0" smtClean="0">
+                <a:solidFill>
+                  <a:schemeClr val="bg1"/>
+                </a:solidFill>
+              </a:rPr>
+              <a:t>/1</a:t>
+            </a:r>
+            <a:endParaRPr lang="en-US" sz="1600" dirty="0">
+              <a:solidFill>
+                <a:schemeClr val="bg1"/>
+              </a:solidFill>
+            </a:endParaRPr>
+          </a:p>
+        </p:txBody>
+      </p:sp>
+      <p:sp>
+        <p:nvSpPr>
+          <p:cNvPr id="28" name="TextBox 27"/>
+          <p:cNvSpPr txBox="1"/>
+          <p:nvPr/>
+        </p:nvSpPr>
+        <p:spPr>
+          <a:xfrm>
+            <a:off x="4262602" y="5911334"/>
+            <a:ext cx="509166" cy="369332"/>
+          </a:xfrm>
+          <a:prstGeom prst="rect">
+            <a:avLst/>
+          </a:prstGeom>
+          <a:noFill/>
+        </p:spPr>
+        <p:txBody>
+          <a:bodyPr wrap="square" rtlCol="0">
+            <a:spAutoFit/>
+          </a:bodyPr>
+          <a:lstStyle/>
+          <a:p>
+            <a:r>
+              <a:rPr lang="en-US" dirty="0" smtClean="0">
+                <a:solidFill>
+                  <a:schemeClr val="bg1"/>
+                </a:solidFill>
+              </a:rPr>
+              <a:t>  / 3</a:t>
+            </a:r>
+            <a:endParaRPr lang="en-US" dirty="0">
+              <a:solidFill>
+                <a:schemeClr val="bg1"/>
+              </a:solidFill>
+            </a:endParaRPr>
+          </a:p>
+        </p:txBody>
+      </p:sp>
+      <p:sp>
+        <p:nvSpPr>
+          <p:cNvPr id="30" name="TextBox 29"/>
+          <p:cNvSpPr txBox="1"/>
+          <p:nvPr/>
+        </p:nvSpPr>
+        <p:spPr>
+          <a:xfrm>
+            <a:off x="5739233" y="5911334"/>
+            <a:ext cx="509167" cy="369332"/>
+          </a:xfrm>
+          <a:prstGeom prst="rect">
+            <a:avLst/>
+          </a:prstGeom>
+          <a:noFill/>
+        </p:spPr>
+        <p:txBody>
+          <a:bodyPr wrap="square" rtlCol="0">
+            <a:spAutoFit/>
+          </a:bodyPr>
+          <a:lstStyle/>
+          <a:p>
+            <a:r>
+              <a:rPr lang="en-US" dirty="0">
+                <a:solidFill>
+                  <a:schemeClr val="bg1"/>
+                </a:solidFill>
+              </a:rPr>
+              <a:t>e</a:t>
+            </a:r>
+            <a:r>
+              <a:rPr lang="en-US" dirty="0" smtClean="0">
+                <a:solidFill>
+                  <a:schemeClr val="bg1"/>
+                </a:solidFill>
+              </a:rPr>
+              <a:t>/3</a:t>
+            </a:r>
+            <a:endParaRPr lang="en-US" dirty="0">
+              <a:solidFill>
+                <a:schemeClr val="bg1"/>
+              </a:solidFill>
+            </a:endParaRPr>
+          </a:p>
+        </p:txBody>
+      </p:sp>
+      <p:sp>
+        <p:nvSpPr>
+          <p:cNvPr id="31" name="Right Arrow 30"/>
+          <p:cNvSpPr/>
+          <p:nvPr/>
+        </p:nvSpPr>
+        <p:spPr>
+          <a:xfrm>
+            <a:off x="4920479" y="2491946"/>
+            <a:ext cx="718321" cy="304800"/>
+          </a:xfrm>
+          <a:prstGeom prst="rightArrow">
+            <a:avLst/>
+          </a:prstGeom>
+        </p:spPr>
+        <p:style>
+          <a:lnRef idx="2">
+            <a:schemeClr val="accent1">
+              <a:shade val="50000"/>
+            </a:schemeClr>
+          </a:lnRef>
+          <a:fillRef idx="1">
+            <a:schemeClr val="accent1"/>
+          </a:fillRef>
+          <a:effectRef idx="0">
+            <a:schemeClr val="accent1"/>
+          </a:effectRef>
+          <a:fontRef idx="minor">
+            <a:schemeClr val="lt1"/>
+          </a:fontRef>
+        </p:style>
+        <p:txBody>
+          <a:bodyPr rtlCol="0" anchor="ctr"/>
+          <a:lstStyle/>
+          <a:p>
+            <a:pPr algn="ctr"/>
+            <a:endParaRPr lang="en-US"/>
           </a:p>
         </p:txBody>
       </p:sp>
@@ -17476,203 +17265,6 @@
             <a:pPr marL="0" indent="0">
               <a:buNone/>
             </a:pPr>
-            <a:r>
-              <a:rPr lang="en-US" sz="1600" b="1" dirty="0" smtClean="0"/>
-              <a:t>Step 2: Creating Internal Nodes.</a:t>
-            </a:r>
-          </a:p>
-          <a:p>
-            <a:pPr marL="0" indent="0">
-              <a:buNone/>
-            </a:pPr>
-            <a:r>
-              <a:rPr lang="en-US" sz="1600" dirty="0" smtClean="0"/>
-              <a:t>	After every leaf node Is inserted into the queue it’s time to build the tree bottom-up.</a:t>
-            </a:r>
-          </a:p>
-          <a:p>
-            <a:pPr marL="0" indent="0">
-              <a:buNone/>
-            </a:pPr>
-            <a:r>
-              <a:rPr lang="en-US" sz="1600" dirty="0" smtClean="0"/>
-              <a:t>Internal nodes have no symbol. They sum the frequency of their children. </a:t>
-            </a:r>
-            <a:r>
-              <a:rPr lang="en-US" sz="1600" dirty="0"/>
-              <a:t> </a:t>
-            </a:r>
-            <a:r>
-              <a:rPr lang="en-US" sz="1600" dirty="0" smtClean="0"/>
-              <a:t>We get the first 2 nodes from the priority queue ( the ones with minimum frequency ( high priority) ) and create an internal node. </a:t>
-            </a:r>
-          </a:p>
-          <a:p>
-            <a:pPr marL="0" indent="0">
-              <a:buNone/>
-            </a:pPr>
-            <a:r>
-              <a:rPr lang="en-US" sz="1600" dirty="0"/>
-              <a:t>	</a:t>
-            </a:r>
-            <a:r>
-              <a:rPr lang="en-US" sz="1100" dirty="0"/>
-              <a:t>while </a:t>
-            </a:r>
-            <a:r>
-              <a:rPr lang="en-US" sz="1100" dirty="0" smtClean="0"/>
-              <a:t> There are Leaf Nodes to be inserted		</a:t>
-            </a:r>
-          </a:p>
-          <a:p>
-            <a:pPr marL="0" indent="0">
-              <a:buNone/>
-            </a:pPr>
-            <a:r>
-              <a:rPr lang="en-US" sz="1100" dirty="0" smtClean="0"/>
-              <a:t>    	{</a:t>
-            </a:r>
-            <a:endParaRPr lang="en-US" sz="1100" dirty="0"/>
-          </a:p>
-          <a:p>
-            <a:pPr marL="0" indent="0">
-              <a:buNone/>
-            </a:pPr>
-            <a:r>
-              <a:rPr lang="en-US" sz="1100" dirty="0"/>
-              <a:t>        </a:t>
-            </a:r>
-            <a:r>
-              <a:rPr lang="en-US" sz="1100" dirty="0" smtClean="0"/>
-              <a:t>		</a:t>
-            </a:r>
-            <a:r>
-              <a:rPr lang="en-US" sz="1100" dirty="0" err="1" smtClean="0"/>
-              <a:t>NewInternalNode</a:t>
-            </a:r>
-            <a:r>
-              <a:rPr lang="en-US" sz="1100" dirty="0" smtClean="0"/>
-              <a:t>;</a:t>
-            </a:r>
-            <a:endParaRPr lang="en-US" sz="1100" dirty="0"/>
-          </a:p>
-          <a:p>
-            <a:pPr marL="0" indent="0">
-              <a:buNone/>
-            </a:pPr>
-            <a:r>
-              <a:rPr lang="en-US" sz="1100" dirty="0"/>
-              <a:t>        </a:t>
-            </a:r>
-            <a:r>
-              <a:rPr lang="en-US" sz="1100" dirty="0" smtClean="0"/>
-              <a:t>       		</a:t>
-            </a:r>
-            <a:r>
-              <a:rPr lang="en-US" sz="1100" dirty="0" err="1" smtClean="0"/>
-              <a:t>NewInternalNode</a:t>
-            </a:r>
-            <a:r>
-              <a:rPr lang="en-US" sz="1100" dirty="0" smtClean="0"/>
-              <a:t>-&gt;</a:t>
-            </a:r>
-            <a:r>
-              <a:rPr lang="en-US" sz="1100" dirty="0"/>
-              <a:t>frequency = 0;</a:t>
-            </a:r>
-          </a:p>
-          <a:p>
-            <a:pPr marL="0" indent="0">
-              <a:buNone/>
-            </a:pPr>
-            <a:r>
-              <a:rPr lang="en-US" sz="1100" dirty="0"/>
-              <a:t>       </a:t>
-            </a:r>
-            <a:r>
-              <a:rPr lang="en-US" sz="1100" dirty="0" smtClean="0"/>
-              <a:t>		</a:t>
-            </a:r>
-            <a:r>
-              <a:rPr lang="en-US" sz="1100" dirty="0" err="1" smtClean="0"/>
-              <a:t>NewInternalNode</a:t>
-            </a:r>
-            <a:r>
-              <a:rPr lang="en-US" sz="1100" dirty="0" smtClean="0"/>
-              <a:t>-&gt;</a:t>
-            </a:r>
-            <a:r>
-              <a:rPr lang="en-US" sz="1100" dirty="0"/>
-              <a:t>symbol = 0;</a:t>
-            </a:r>
-          </a:p>
-          <a:p>
-            <a:pPr marL="0" indent="0">
-              <a:buNone/>
-            </a:pPr>
-            <a:r>
-              <a:rPr lang="en-US" sz="1100" dirty="0"/>
-              <a:t>		</a:t>
-            </a:r>
-            <a:r>
-              <a:rPr lang="en-US" sz="1100" dirty="0" err="1" smtClean="0"/>
-              <a:t>QueueInsert</a:t>
-            </a:r>
-            <a:r>
-              <a:rPr lang="en-US" sz="1100" dirty="0" smtClean="0"/>
-              <a:t>(</a:t>
-            </a:r>
-            <a:r>
-              <a:rPr lang="en-US" sz="1100" dirty="0" err="1" smtClean="0"/>
-              <a:t>CreateInternalNode</a:t>
-            </a:r>
-            <a:r>
-              <a:rPr lang="en-US" sz="1100" dirty="0" smtClean="0"/>
-              <a:t>(</a:t>
-            </a:r>
-            <a:r>
-              <a:rPr lang="en-US" sz="1100" dirty="0" err="1" smtClean="0"/>
-              <a:t>NewInternalNode,GetLeftNode</a:t>
-            </a:r>
-            <a:r>
-              <a:rPr lang="en-US" sz="1100" dirty="0"/>
-              <a:t>(),</a:t>
-            </a:r>
-            <a:r>
-              <a:rPr lang="en-US" sz="1100" dirty="0" err="1" smtClean="0"/>
-              <a:t>GetRightNode</a:t>
-            </a:r>
-            <a:r>
-              <a:rPr lang="en-US" sz="1100" dirty="0"/>
-              <a:t>()));   // Creating internal nodes</a:t>
-            </a:r>
-          </a:p>
-          <a:p>
-            <a:pPr marL="0" indent="0">
-              <a:buNone/>
-            </a:pPr>
-            <a:r>
-              <a:rPr lang="en-US" sz="1100" dirty="0"/>
-              <a:t>    </a:t>
-            </a:r>
-            <a:r>
-              <a:rPr lang="en-US" sz="1100" dirty="0" smtClean="0"/>
-              <a:t>	}</a:t>
-            </a:r>
-          </a:p>
-          <a:p>
-            <a:pPr marL="0" indent="0">
-              <a:buNone/>
-            </a:pPr>
-            <a:r>
-              <a:rPr lang="en-US" sz="1600" dirty="0" smtClean="0"/>
-              <a:t>	After the node is created, it is inserted into the queue where it is positioned by it’s frequency ( lower frequency == high priority ).</a:t>
-            </a:r>
-          </a:p>
-          <a:p>
-            <a:pPr marL="0" indent="0">
-              <a:buNone/>
-            </a:pPr>
             <a:endParaRPr lang="en-US" sz="1600" dirty="0" smtClean="0"/>
           </a:p>
           <a:p>
@@ -17702,6 +17294,713 @@
             <a:r>
               <a:rPr lang="en-US" dirty="0" smtClean="0"/>
               <a:t>Example:</a:t>
+            </a:r>
+            <a:endParaRPr lang="en-US" dirty="0"/>
+          </a:p>
+        </p:txBody>
+      </p:sp>
+      <p:sp>
+        <p:nvSpPr>
+          <p:cNvPr id="4" name="TextBox 3"/>
+          <p:cNvSpPr txBox="1"/>
+          <p:nvPr/>
+        </p:nvSpPr>
+        <p:spPr>
+          <a:xfrm>
+            <a:off x="228600" y="2590800"/>
+            <a:ext cx="8001000" cy="646331"/>
+          </a:xfrm>
+          <a:prstGeom prst="rect">
+            <a:avLst/>
+          </a:prstGeom>
+          <a:noFill/>
+        </p:spPr>
+        <p:txBody>
+          <a:bodyPr wrap="square" rtlCol="0">
+            <a:spAutoFit/>
+          </a:bodyPr>
+          <a:lstStyle/>
+          <a:p>
+            <a:r>
+              <a:rPr lang="en-US" dirty="0" smtClean="0"/>
+              <a:t>	</a:t>
+            </a:r>
+            <a:r>
+              <a:rPr lang="en-US" dirty="0" smtClean="0">
+                <a:solidFill>
+                  <a:schemeClr val="tx2"/>
+                </a:solidFill>
+              </a:rPr>
+              <a:t>Every </a:t>
+            </a:r>
+            <a:r>
+              <a:rPr lang="en-US" dirty="0" err="1" smtClean="0">
+                <a:solidFill>
+                  <a:schemeClr val="tx2"/>
+                </a:solidFill>
+              </a:rPr>
+              <a:t>LeafNode</a:t>
+            </a:r>
+            <a:r>
+              <a:rPr lang="en-US" dirty="0" smtClean="0">
+                <a:solidFill>
+                  <a:schemeClr val="tx2"/>
+                </a:solidFill>
+              </a:rPr>
+              <a:t> is inserted into a priority queue ordered by their frequency.</a:t>
+            </a:r>
+            <a:endParaRPr lang="en-US" dirty="0">
+              <a:solidFill>
+                <a:schemeClr val="tx2"/>
+              </a:solidFill>
+            </a:endParaRPr>
+          </a:p>
+        </p:txBody>
+      </p:sp>
+      <p:graphicFrame>
+        <p:nvGraphicFramePr>
+          <p:cNvPr id="6" name="Table 5"/>
+          <p:cNvGraphicFramePr>
+            <a:graphicFrameLocks noGrp="1"/>
+          </p:cNvGraphicFramePr>
+          <p:nvPr>
+            <p:extLst>
+              <p:ext uri="{D42A27DB-BD31-4B8C-83A1-F6EECF244321}">
+                <p14:modId xmlns:p14="http://schemas.microsoft.com/office/powerpoint/2010/main" val="2743919338"/>
+              </p:ext>
+            </p:extLst>
+          </p:nvPr>
+        </p:nvGraphicFramePr>
+        <p:xfrm>
+          <a:off x="990600" y="3505200"/>
+          <a:ext cx="6096000" cy="370840"/>
+        </p:xfrm>
+        <a:graphic>
+          <a:graphicData uri="http://schemas.openxmlformats.org/drawingml/2006/table">
+            <a:tbl>
+              <a:tblPr firstRow="1" bandRow="1">
+                <a:tableStyleId>{5C22544A-7EE6-4342-B048-85BDC9FD1C3A}</a:tableStyleId>
+              </a:tblPr>
+              <a:tblGrid>
+                <a:gridCol w="1016000"/>
+                <a:gridCol w="1016000"/>
+                <a:gridCol w="1016000"/>
+                <a:gridCol w="1016000"/>
+                <a:gridCol w="1016000"/>
+                <a:gridCol w="1016000"/>
+              </a:tblGrid>
+              <a:tr h="370840">
+                <a:tc>
+                  <a:txBody>
+                    <a:bodyPr/>
+                    <a:lstStyle/>
+                    <a:p>
+                      <a:r>
+                        <a:rPr lang="en-US" baseline="0" dirty="0" smtClean="0"/>
+                        <a:t>r / 1</a:t>
+                      </a:r>
+                      <a:endParaRPr lang="en-US" dirty="0"/>
+                    </a:p>
+                  </a:txBody>
+                  <a:tcPr/>
+                </a:tc>
+                <a:tc>
+                  <a:txBody>
+                    <a:bodyPr/>
+                    <a:lstStyle/>
+                    <a:p>
+                      <a:r>
+                        <a:rPr lang="en-US" dirty="0" smtClean="0"/>
+                        <a:t>h/ 1</a:t>
+                      </a:r>
+                      <a:endParaRPr lang="en-US" dirty="0"/>
+                    </a:p>
+                  </a:txBody>
+                  <a:tcPr/>
+                </a:tc>
+                <a:tc>
+                  <a:txBody>
+                    <a:bodyPr/>
+                    <a:lstStyle/>
+                    <a:p>
+                      <a:r>
+                        <a:rPr lang="en-US" dirty="0" smtClean="0"/>
+                        <a:t> q</a:t>
+                      </a:r>
+                      <a:r>
+                        <a:rPr lang="en-US" baseline="0" dirty="0" smtClean="0"/>
+                        <a:t> / 1</a:t>
+                      </a:r>
+                      <a:endParaRPr lang="en-US" dirty="0"/>
+                    </a:p>
+                  </a:txBody>
+                  <a:tcPr/>
+                </a:tc>
+                <a:tc>
+                  <a:txBody>
+                    <a:bodyPr/>
+                    <a:lstStyle/>
+                    <a:p>
+                      <a:r>
+                        <a:rPr lang="en-US" dirty="0" smtClean="0"/>
+                        <a:t> a</a:t>
+                      </a:r>
+                      <a:r>
+                        <a:rPr lang="en-US" baseline="0" dirty="0" smtClean="0"/>
+                        <a:t> / 1 </a:t>
+                      </a:r>
+                      <a:endParaRPr lang="en-US" dirty="0"/>
+                    </a:p>
+                  </a:txBody>
+                  <a:tcPr/>
+                </a:tc>
+                <a:tc>
+                  <a:txBody>
+                    <a:bodyPr/>
+                    <a:lstStyle/>
+                    <a:p>
+                      <a:r>
+                        <a:rPr lang="en-US" baseline="0" dirty="0" smtClean="0"/>
+                        <a:t>. / 2</a:t>
+                      </a:r>
+                      <a:endParaRPr lang="en-US" dirty="0"/>
+                    </a:p>
+                  </a:txBody>
+                  <a:tcPr/>
+                </a:tc>
+                <a:tc>
+                  <a:txBody>
+                    <a:bodyPr/>
+                    <a:lstStyle/>
+                    <a:p>
+                      <a:r>
+                        <a:rPr lang="en-US" dirty="0" smtClean="0"/>
+                        <a:t>…</a:t>
+                      </a:r>
+                      <a:endParaRPr lang="en-US" dirty="0"/>
+                    </a:p>
+                  </a:txBody>
+                  <a:tcPr/>
+                </a:tc>
+              </a:tr>
+            </a:tbl>
+          </a:graphicData>
+        </a:graphic>
+      </p:graphicFrame>
+      <p:sp>
+        <p:nvSpPr>
+          <p:cNvPr id="7" name="TextBox 6"/>
+          <p:cNvSpPr txBox="1"/>
+          <p:nvPr/>
+        </p:nvSpPr>
+        <p:spPr>
+          <a:xfrm>
+            <a:off x="533400" y="4191000"/>
+            <a:ext cx="8229600" cy="923330"/>
+          </a:xfrm>
+          <a:prstGeom prst="rect">
+            <a:avLst/>
+          </a:prstGeom>
+          <a:noFill/>
+        </p:spPr>
+        <p:txBody>
+          <a:bodyPr wrap="square" rtlCol="0">
+            <a:spAutoFit/>
+          </a:bodyPr>
+          <a:lstStyle/>
+          <a:p>
+            <a:r>
+              <a:rPr lang="en-US" dirty="0" smtClean="0"/>
+              <a:t>	</a:t>
+            </a:r>
+            <a:r>
+              <a:rPr lang="en-US" dirty="0" smtClean="0">
+                <a:solidFill>
+                  <a:schemeClr val="tx2"/>
+                </a:solidFill>
+              </a:rPr>
+              <a:t>Internal Nodes are created by getting Nodes from the priority queue. We get it’s left and it’s right child and we form it. After that we insert it in the queue and re order the queue.</a:t>
+            </a:r>
+            <a:endParaRPr lang="en-US" dirty="0">
+              <a:solidFill>
+                <a:schemeClr val="tx2"/>
+              </a:solidFill>
+            </a:endParaRPr>
+          </a:p>
+        </p:txBody>
+      </p:sp>
+      <p:graphicFrame>
+        <p:nvGraphicFramePr>
+          <p:cNvPr id="8" name="Table 7"/>
+          <p:cNvGraphicFramePr>
+            <a:graphicFrameLocks noGrp="1"/>
+          </p:cNvGraphicFramePr>
+          <p:nvPr>
+            <p:extLst>
+              <p:ext uri="{D42A27DB-BD31-4B8C-83A1-F6EECF244321}">
+                <p14:modId xmlns:p14="http://schemas.microsoft.com/office/powerpoint/2010/main" val="563961005"/>
+              </p:ext>
+            </p:extLst>
+          </p:nvPr>
+        </p:nvGraphicFramePr>
+        <p:xfrm>
+          <a:off x="510747" y="6172200"/>
+          <a:ext cx="3604053" cy="370840"/>
+        </p:xfrm>
+        <a:graphic>
+          <a:graphicData uri="http://schemas.openxmlformats.org/drawingml/2006/table">
+            <a:tbl>
+              <a:tblPr firstRow="1" bandRow="1">
+                <a:tableStyleId>{5C22544A-7EE6-4342-B048-85BDC9FD1C3A}</a:tableStyleId>
+              </a:tblPr>
+              <a:tblGrid>
+                <a:gridCol w="1201351"/>
+                <a:gridCol w="1201351"/>
+                <a:gridCol w="1201351"/>
+              </a:tblGrid>
+              <a:tr h="370840">
+                <a:tc>
+                  <a:txBody>
+                    <a:bodyPr/>
+                    <a:lstStyle/>
+                    <a:p>
+                      <a:r>
+                        <a:rPr lang="en-US" dirty="0" smtClean="0"/>
+                        <a:t>r / 1</a:t>
+                      </a:r>
+                      <a:endParaRPr lang="en-US" dirty="0"/>
+                    </a:p>
+                  </a:txBody>
+                  <a:tcPr/>
+                </a:tc>
+                <a:tc>
+                  <a:txBody>
+                    <a:bodyPr/>
+                    <a:lstStyle/>
+                    <a:p>
+                      <a:r>
+                        <a:rPr lang="en-US" dirty="0" smtClean="0"/>
+                        <a:t> h /</a:t>
+                      </a:r>
+                      <a:r>
+                        <a:rPr lang="en-US" baseline="0" dirty="0" smtClean="0"/>
+                        <a:t> 1 </a:t>
+                      </a:r>
+                      <a:endParaRPr lang="en-US" dirty="0"/>
+                    </a:p>
+                  </a:txBody>
+                  <a:tcPr/>
+                </a:tc>
+                <a:tc>
+                  <a:txBody>
+                    <a:bodyPr/>
+                    <a:lstStyle/>
+                    <a:p>
+                      <a:r>
+                        <a:rPr lang="en-US" dirty="0" smtClean="0"/>
+                        <a:t> q/ 1</a:t>
+                      </a:r>
+                      <a:endParaRPr lang="en-US" dirty="0"/>
+                    </a:p>
+                  </a:txBody>
+                  <a:tcPr/>
+                </a:tc>
+              </a:tr>
+            </a:tbl>
+          </a:graphicData>
+        </a:graphic>
+      </p:graphicFrame>
+      <p:sp>
+        <p:nvSpPr>
+          <p:cNvPr id="11" name="Oval 10"/>
+          <p:cNvSpPr/>
+          <p:nvPr/>
+        </p:nvSpPr>
+        <p:spPr>
+          <a:xfrm>
+            <a:off x="1295400" y="5334000"/>
+            <a:ext cx="762000" cy="457200"/>
+          </a:xfrm>
+          <a:prstGeom prst="ellipse">
+            <a:avLst/>
+          </a:prstGeom>
+        </p:spPr>
+        <p:style>
+          <a:lnRef idx="2">
+            <a:schemeClr val="accent1">
+              <a:shade val="50000"/>
+            </a:schemeClr>
+          </a:lnRef>
+          <a:fillRef idx="1">
+            <a:schemeClr val="accent1"/>
+          </a:fillRef>
+          <a:effectRef idx="0">
+            <a:schemeClr val="accent1"/>
+          </a:effectRef>
+          <a:fontRef idx="minor">
+            <a:schemeClr val="lt1"/>
+          </a:fontRef>
+        </p:style>
+        <p:txBody>
+          <a:bodyPr rtlCol="0" anchor="ctr"/>
+          <a:lstStyle/>
+          <a:p>
+            <a:pPr algn="ctr"/>
+            <a:r>
+              <a:rPr lang="en-US" dirty="0"/>
+              <a:t> </a:t>
+            </a:r>
+            <a:r>
+              <a:rPr lang="en-US" dirty="0" smtClean="0"/>
+              <a:t>/ 2</a:t>
+            </a:r>
+            <a:endParaRPr lang="en-US" dirty="0"/>
+          </a:p>
+        </p:txBody>
+      </p:sp>
+      <p:cxnSp>
+        <p:nvCxnSpPr>
+          <p:cNvPr id="13" name="Straight Connector 12"/>
+          <p:cNvCxnSpPr>
+            <a:endCxn id="11" idx="3"/>
+          </p:cNvCxnSpPr>
+          <p:nvPr/>
+        </p:nvCxnSpPr>
+        <p:spPr>
+          <a:xfrm flipV="1">
+            <a:off x="1295400" y="5724245"/>
+            <a:ext cx="111592" cy="447955"/>
+          </a:xfrm>
+          <a:prstGeom prst="line">
+            <a:avLst/>
+          </a:prstGeom>
+        </p:spPr>
+        <p:style>
+          <a:lnRef idx="1">
+            <a:schemeClr val="accent1"/>
+          </a:lnRef>
+          <a:fillRef idx="0">
+            <a:schemeClr val="accent1"/>
+          </a:fillRef>
+          <a:effectRef idx="0">
+            <a:schemeClr val="accent1"/>
+          </a:effectRef>
+          <a:fontRef idx="minor">
+            <a:schemeClr val="tx1"/>
+          </a:fontRef>
+        </p:style>
+      </p:cxnSp>
+      <p:cxnSp>
+        <p:nvCxnSpPr>
+          <p:cNvPr id="17" name="Straight Connector 16"/>
+          <p:cNvCxnSpPr>
+            <a:stCxn id="11" idx="5"/>
+          </p:cNvCxnSpPr>
+          <p:nvPr/>
+        </p:nvCxnSpPr>
+        <p:spPr>
+          <a:xfrm>
+            <a:off x="1945808" y="5724245"/>
+            <a:ext cx="111592" cy="447955"/>
+          </a:xfrm>
+          <a:prstGeom prst="line">
+            <a:avLst/>
+          </a:prstGeom>
+        </p:spPr>
+        <p:style>
+          <a:lnRef idx="1">
+            <a:schemeClr val="accent1"/>
+          </a:lnRef>
+          <a:fillRef idx="0">
+            <a:schemeClr val="accent1"/>
+          </a:fillRef>
+          <a:effectRef idx="0">
+            <a:schemeClr val="accent1"/>
+          </a:effectRef>
+          <a:fontRef idx="minor">
+            <a:schemeClr val="tx1"/>
+          </a:fontRef>
+        </p:style>
+      </p:cxnSp>
+      <p:sp>
+        <p:nvSpPr>
+          <p:cNvPr id="18" name="TextBox 17"/>
+          <p:cNvSpPr txBox="1"/>
+          <p:nvPr/>
+        </p:nvSpPr>
+        <p:spPr>
+          <a:xfrm>
+            <a:off x="3581400" y="5562600"/>
+            <a:ext cx="1752600" cy="369332"/>
+          </a:xfrm>
+          <a:prstGeom prst="rect">
+            <a:avLst/>
+          </a:prstGeom>
+          <a:noFill/>
+        </p:spPr>
+        <p:txBody>
+          <a:bodyPr wrap="square" rtlCol="0">
+            <a:spAutoFit/>
+          </a:bodyPr>
+          <a:lstStyle/>
+          <a:p>
+            <a:r>
+              <a:rPr lang="en-US" dirty="0"/>
+              <a:t> </a:t>
+            </a:r>
+            <a:r>
+              <a:rPr lang="en-US" dirty="0" smtClean="0"/>
+              <a:t>            =&gt;</a:t>
+            </a:r>
+            <a:endParaRPr lang="en-US" dirty="0"/>
+          </a:p>
+        </p:txBody>
+      </p:sp>
+      <p:graphicFrame>
+        <p:nvGraphicFramePr>
+          <p:cNvPr id="20" name="Table 19"/>
+          <p:cNvGraphicFramePr>
+            <a:graphicFrameLocks noGrp="1"/>
+          </p:cNvGraphicFramePr>
+          <p:nvPr>
+            <p:extLst>
+              <p:ext uri="{D42A27DB-BD31-4B8C-83A1-F6EECF244321}">
+                <p14:modId xmlns:p14="http://schemas.microsoft.com/office/powerpoint/2010/main" val="4037932953"/>
+              </p:ext>
+            </p:extLst>
+          </p:nvPr>
+        </p:nvGraphicFramePr>
+        <p:xfrm>
+          <a:off x="5334000" y="5072380"/>
+          <a:ext cx="2590801" cy="490220"/>
+        </p:xfrm>
+        <a:graphic>
+          <a:graphicData uri="http://schemas.openxmlformats.org/drawingml/2006/table">
+            <a:tbl>
+              <a:tblPr firstRow="1" bandRow="1">
+                <a:tableStyleId>{5C22544A-7EE6-4342-B048-85BDC9FD1C3A}</a:tableStyleId>
+              </a:tblPr>
+              <a:tblGrid>
+                <a:gridCol w="727961"/>
+                <a:gridCol w="650450"/>
+                <a:gridCol w="606195"/>
+                <a:gridCol w="606195"/>
+              </a:tblGrid>
+              <a:tr h="490220">
+                <a:tc>
+                  <a:txBody>
+                    <a:bodyPr/>
+                    <a:lstStyle/>
+                    <a:p>
+                      <a:r>
+                        <a:rPr lang="en-US" dirty="0" smtClean="0"/>
+                        <a:t>  q</a:t>
+                      </a:r>
+                      <a:r>
+                        <a:rPr lang="en-US" baseline="0" dirty="0" smtClean="0"/>
+                        <a:t>/1</a:t>
+                      </a:r>
+                      <a:endParaRPr lang="en-US" dirty="0"/>
+                    </a:p>
+                  </a:txBody>
+                  <a:tcPr/>
+                </a:tc>
+                <a:tc>
+                  <a:txBody>
+                    <a:bodyPr/>
+                    <a:lstStyle/>
+                    <a:p>
+                      <a:r>
+                        <a:rPr lang="en-US" dirty="0" smtClean="0"/>
+                        <a:t> a /1</a:t>
+                      </a:r>
+                      <a:endParaRPr lang="en-US" dirty="0"/>
+                    </a:p>
+                  </a:txBody>
+                  <a:tcPr/>
+                </a:tc>
+                <a:tc>
+                  <a:txBody>
+                    <a:bodyPr/>
+                    <a:lstStyle/>
+                    <a:p>
+                      <a:r>
+                        <a:rPr lang="en-US" baseline="0" dirty="0" smtClean="0"/>
+                        <a:t>  / 2</a:t>
+                      </a:r>
+                      <a:endParaRPr lang="en-US" dirty="0"/>
+                    </a:p>
+                  </a:txBody>
+                  <a:tcPr/>
+                </a:tc>
+                <a:tc>
+                  <a:txBody>
+                    <a:bodyPr/>
+                    <a:lstStyle/>
+                    <a:p>
+                      <a:r>
+                        <a:rPr lang="en-US" dirty="0" smtClean="0"/>
+                        <a:t>…</a:t>
+                      </a:r>
+                      <a:endParaRPr lang="en-US" dirty="0"/>
+                    </a:p>
+                  </a:txBody>
+                  <a:tcPr/>
+                </a:tc>
+              </a:tr>
+            </a:tbl>
+          </a:graphicData>
+        </a:graphic>
+      </p:graphicFrame>
+      <p:cxnSp>
+        <p:nvCxnSpPr>
+          <p:cNvPr id="22" name="Straight Arrow Connector 21"/>
+          <p:cNvCxnSpPr/>
+          <p:nvPr/>
+        </p:nvCxnSpPr>
+        <p:spPr>
+          <a:xfrm flipH="1">
+            <a:off x="6629400" y="5524500"/>
+            <a:ext cx="228600" cy="533400"/>
+          </a:xfrm>
+          <a:prstGeom prst="straightConnector1">
+            <a:avLst/>
+          </a:prstGeom>
+          <a:ln>
+            <a:tailEnd type="arrow"/>
+          </a:ln>
+        </p:spPr>
+        <p:style>
+          <a:lnRef idx="1">
+            <a:schemeClr val="accent1"/>
+          </a:lnRef>
+          <a:fillRef idx="0">
+            <a:schemeClr val="accent1"/>
+          </a:fillRef>
+          <a:effectRef idx="0">
+            <a:schemeClr val="accent1"/>
+          </a:effectRef>
+          <a:fontRef idx="minor">
+            <a:schemeClr val="tx1"/>
+          </a:fontRef>
+        </p:style>
+      </p:cxnSp>
+      <p:cxnSp>
+        <p:nvCxnSpPr>
+          <p:cNvPr id="24" name="Straight Arrow Connector 23"/>
+          <p:cNvCxnSpPr/>
+          <p:nvPr/>
+        </p:nvCxnSpPr>
+        <p:spPr>
+          <a:xfrm>
+            <a:off x="7012459" y="5524500"/>
+            <a:ext cx="304800" cy="533400"/>
+          </a:xfrm>
+          <a:prstGeom prst="straightConnector1">
+            <a:avLst/>
+          </a:prstGeom>
+          <a:ln>
+            <a:tailEnd type="arrow"/>
+          </a:ln>
+        </p:spPr>
+        <p:style>
+          <a:lnRef idx="1">
+            <a:schemeClr val="accent1"/>
+          </a:lnRef>
+          <a:fillRef idx="0">
+            <a:schemeClr val="accent1"/>
+          </a:fillRef>
+          <a:effectRef idx="0">
+            <a:schemeClr val="accent1"/>
+          </a:effectRef>
+          <a:fontRef idx="minor">
+            <a:schemeClr val="tx1"/>
+          </a:fontRef>
+        </p:style>
+      </p:cxnSp>
+      <p:sp>
+        <p:nvSpPr>
+          <p:cNvPr id="25" name="Oval 24"/>
+          <p:cNvSpPr/>
+          <p:nvPr/>
+        </p:nvSpPr>
+        <p:spPr>
+          <a:xfrm>
+            <a:off x="6145427" y="6057900"/>
+            <a:ext cx="838200" cy="609600"/>
+          </a:xfrm>
+          <a:prstGeom prst="ellipse">
+            <a:avLst/>
+          </a:prstGeom>
+        </p:spPr>
+        <p:style>
+          <a:lnRef idx="2">
+            <a:schemeClr val="accent1">
+              <a:shade val="50000"/>
+            </a:schemeClr>
+          </a:lnRef>
+          <a:fillRef idx="1">
+            <a:schemeClr val="accent1"/>
+          </a:fillRef>
+          <a:effectRef idx="0">
+            <a:schemeClr val="accent1"/>
+          </a:effectRef>
+          <a:fontRef idx="minor">
+            <a:schemeClr val="lt1"/>
+          </a:fontRef>
+        </p:style>
+        <p:txBody>
+          <a:bodyPr rtlCol="0" anchor="ctr"/>
+          <a:lstStyle/>
+          <a:p>
+            <a:pPr algn="ctr"/>
+            <a:r>
+              <a:rPr lang="en-US" dirty="0" smtClean="0"/>
+              <a:t>r/1</a:t>
+            </a:r>
+            <a:endParaRPr lang="en-US" dirty="0"/>
+          </a:p>
+        </p:txBody>
+      </p:sp>
+      <p:sp>
+        <p:nvSpPr>
+          <p:cNvPr id="26" name="Oval 25"/>
+          <p:cNvSpPr/>
+          <p:nvPr/>
+        </p:nvSpPr>
+        <p:spPr>
+          <a:xfrm>
+            <a:off x="7043351" y="6096000"/>
+            <a:ext cx="762000" cy="571500"/>
+          </a:xfrm>
+          <a:prstGeom prst="ellipse">
+            <a:avLst/>
+          </a:prstGeom>
+        </p:spPr>
+        <p:style>
+          <a:lnRef idx="2">
+            <a:schemeClr val="accent1">
+              <a:shade val="50000"/>
+            </a:schemeClr>
+          </a:lnRef>
+          <a:fillRef idx="1">
+            <a:schemeClr val="accent1"/>
+          </a:fillRef>
+          <a:effectRef idx="0">
+            <a:schemeClr val="accent1"/>
+          </a:effectRef>
+          <a:fontRef idx="minor">
+            <a:schemeClr val="lt1"/>
+          </a:fontRef>
+        </p:style>
+        <p:txBody>
+          <a:bodyPr rtlCol="0" anchor="ctr"/>
+          <a:lstStyle/>
+          <a:p>
+            <a:pPr algn="ctr"/>
+            <a:r>
+              <a:rPr lang="en-US" dirty="0" smtClean="0"/>
+              <a:t>h/1</a:t>
             </a:r>
             <a:endParaRPr lang="en-US" dirty="0"/>
           </a:p>
@@ -17760,153 +18059,35 @@
             <a:pPr marL="0" indent="0">
               <a:buNone/>
             </a:pPr>
-            <a:r>
-              <a:rPr lang="en-US" sz="1600" b="1" dirty="0" smtClean="0"/>
-              <a:t>Step 3:</a:t>
-            </a:r>
-            <a:r>
-              <a:rPr lang="en-US" sz="1600" dirty="0" smtClean="0"/>
-              <a:t>  After the tree is created it’s time to fill it’s branches in order to encode the symbols.</a:t>
-            </a:r>
+            <a:endParaRPr lang="en-US" sz="1600" b="1" dirty="0" smtClean="0"/>
           </a:p>
           <a:p>
             <a:pPr marL="0" indent="0">
               <a:buNone/>
             </a:pPr>
-            <a:r>
-              <a:rPr lang="en-US" sz="1600" dirty="0" smtClean="0"/>
-              <a:t>Every left branch is coded with ‘0’ while every right branch is coded with ‘1’.</a:t>
-            </a:r>
+            <a:endParaRPr lang="en-US" sz="1600" b="1" dirty="0"/>
           </a:p>
           <a:p>
             <a:pPr marL="0" indent="0">
               <a:buNone/>
             </a:pPr>
-            <a:endParaRPr lang="en-US" dirty="0" smtClean="0"/>
-          </a:p>
-          <a:p>
-            <a:pPr marL="581343" lvl="2" indent="0">
+            <a:r>
+              <a:rPr lang="en-US" sz="1600" b="1" dirty="0" smtClean="0"/>
+              <a:t>Step 3:</a:t>
+            </a:r>
+            <a:r>
+              <a:rPr lang="en-US" sz="1600" dirty="0" smtClean="0"/>
+              <a:t>  	After the tree is created it’s time to fill it’s branches in order to encode the symbols.</a:t>
+            </a:r>
+          </a:p>
+          <a:p>
+            <a:pPr marL="0" indent="0">
               <a:buNone/>
             </a:pPr>
             <a:r>
-              <a:rPr lang="en-US" sz="1000" b="1" dirty="0" smtClean="0"/>
-              <a:t>	procedure</a:t>
-            </a:r>
-            <a:r>
-              <a:rPr lang="en-US" sz="1000" dirty="0" smtClean="0"/>
-              <a:t> </a:t>
-            </a:r>
-            <a:r>
-              <a:rPr lang="en-US" sz="1000" dirty="0" err="1" smtClean="0"/>
-              <a:t>FillTree</a:t>
-            </a:r>
-            <a:endParaRPr lang="en-US" sz="1000" dirty="0" smtClean="0"/>
-          </a:p>
-          <a:p>
-            <a:pPr marL="581343" lvl="2" indent="0">
-              <a:buNone/>
-            </a:pPr>
-            <a:r>
-              <a:rPr lang="en-US" sz="1000" dirty="0"/>
-              <a:t>	</a:t>
-            </a:r>
-            <a:r>
-              <a:rPr lang="en-US" sz="1000" dirty="0" smtClean="0"/>
-              <a:t>	Code[</a:t>
-            </a:r>
-            <a:r>
-              <a:rPr lang="en-US" sz="1000" dirty="0" err="1" smtClean="0"/>
-              <a:t>codeLen</a:t>
-            </a:r>
-            <a:r>
-              <a:rPr lang="en-US" sz="1000" dirty="0"/>
-              <a:t>] = '0';</a:t>
-            </a:r>
-          </a:p>
-          <a:p>
-            <a:pPr marL="581343" lvl="2" indent="0">
-              <a:buNone/>
-            </a:pPr>
-            <a:r>
-              <a:rPr lang="en-US" sz="1000" dirty="0"/>
-              <a:t>	</a:t>
-            </a:r>
-            <a:r>
-              <a:rPr lang="en-US" sz="1000" dirty="0" smtClean="0"/>
-              <a:t>	</a:t>
-            </a:r>
-            <a:r>
-              <a:rPr lang="en-US" sz="1000" dirty="0" err="1" smtClean="0"/>
-              <a:t>FillTree</a:t>
-            </a:r>
-            <a:r>
-              <a:rPr lang="en-US" sz="1000" dirty="0" smtClean="0"/>
-              <a:t>(Root-</a:t>
-            </a:r>
-            <a:r>
-              <a:rPr lang="en-US" sz="1000" dirty="0"/>
-              <a:t>&gt;</a:t>
-            </a:r>
-            <a:r>
-              <a:rPr lang="en-US" sz="1000" dirty="0" smtClean="0"/>
-              <a:t>left,Code,codeLen+1</a:t>
-            </a:r>
-          </a:p>
-          <a:p>
-            <a:pPr marL="581343" lvl="2" indent="0">
-              <a:buNone/>
-            </a:pPr>
-            <a:r>
-              <a:rPr lang="en-US" sz="1000" dirty="0"/>
-              <a:t>	</a:t>
-            </a:r>
-            <a:r>
-              <a:rPr lang="en-US" sz="1000" dirty="0" smtClean="0"/>
-              <a:t>	Code[</a:t>
-            </a:r>
-            <a:r>
-              <a:rPr lang="en-US" sz="1000" dirty="0" err="1" smtClean="0"/>
-              <a:t>codeLen</a:t>
-            </a:r>
-            <a:r>
-              <a:rPr lang="en-US" sz="1000" dirty="0"/>
-              <a:t>] = '1';</a:t>
-            </a:r>
-          </a:p>
-          <a:p>
-            <a:pPr marL="581343" lvl="2" indent="0">
-              <a:buNone/>
-            </a:pPr>
-            <a:r>
-              <a:rPr lang="en-US" sz="1000" dirty="0"/>
-              <a:t>	</a:t>
-            </a:r>
-            <a:r>
-              <a:rPr lang="en-US" sz="1000" dirty="0" smtClean="0"/>
-              <a:t>	</a:t>
-            </a:r>
-            <a:r>
-              <a:rPr lang="en-US" sz="1000" dirty="0" err="1" smtClean="0"/>
-              <a:t>FillTree</a:t>
-            </a:r>
-            <a:r>
-              <a:rPr lang="en-US" sz="1000" dirty="0" smtClean="0"/>
-              <a:t>(Root-</a:t>
-            </a:r>
-            <a:r>
-              <a:rPr lang="en-US" sz="1000" dirty="0"/>
-              <a:t>&gt;right,Code,codeLen+1</a:t>
-            </a:r>
-            <a:r>
-              <a:rPr lang="en-US" sz="1000" dirty="0" smtClean="0"/>
-              <a:t>);</a:t>
-            </a:r>
-            <a:endParaRPr lang="en-US" sz="1000" dirty="0"/>
-          </a:p>
-          <a:p>
-            <a:pPr marL="581343" lvl="2" indent="0">
-              <a:buNone/>
-            </a:pPr>
+              <a:rPr lang="en-US" sz="1600" dirty="0" smtClean="0"/>
+              <a:t>Every left branch is coded with ‘0’ while every right branch is coded with ‘1’.</a:t>
+            </a:r>
             <a:endParaRPr lang="en-US" sz="1000" dirty="0"/>
           </a:p>
           <a:p>
@@ -17952,7 +18133,7 @@
         </p:nvSpPr>
         <p:spPr>
           <a:xfrm>
-            <a:off x="3429000" y="4038600"/>
+            <a:off x="3848100" y="3545359"/>
             <a:ext cx="838200" cy="457200"/>
           </a:xfrm>
           <a:prstGeom prst="ellipse">
@@ -17980,7 +18161,11 @@
           <a:lstStyle/>
           <a:p>
             <a:pPr algn="ctr"/>
-            <a:endParaRPr lang="en-US"/>
+            <a:r>
+              <a:rPr lang="en-US" dirty="0" smtClean="0"/>
+              <a:t>R</a:t>
+            </a:r>
+            <a:endParaRPr lang="en-US" dirty="0"/>
           </a:p>
         </p:txBody>
       </p:sp>
@@ -17992,7 +18177,7 @@
         </p:nvSpPr>
         <p:spPr>
           <a:xfrm>
-            <a:off x="2057400" y="4800600"/>
+            <a:off x="2648465" y="4197177"/>
             <a:ext cx="914400" cy="457200"/>
           </a:xfrm>
           <a:prstGeom prst="ellipse">
@@ -18020,7 +18205,11 @@
           <a:lstStyle/>
           <a:p>
             <a:pPr algn="ctr"/>
-            <a:endParaRPr lang="en-US"/>
+            <a:r>
+              <a:rPr lang="en-US" dirty="0" smtClean="0"/>
+              <a:t>IN1</a:t>
+            </a:r>
+            <a:endParaRPr lang="en-US" dirty="0"/>
           </a:p>
         </p:txBody>
       </p:sp>
@@ -18032,7 +18221,7 @@
         </p:nvSpPr>
         <p:spPr>
           <a:xfrm>
-            <a:off x="4724400" y="4800600"/>
+            <a:off x="5003475" y="4231159"/>
             <a:ext cx="1066800" cy="451022"/>
           </a:xfrm>
           <a:prstGeom prst="ellipse">
@@ -18060,7 +18249,11 @@
           <a:lstStyle/>
           <a:p>
             <a:pPr algn="ctr"/>
-            <a:endParaRPr lang="en-US"/>
+            <a:r>
+              <a:rPr lang="en-US" dirty="0" smtClean="0"/>
+              <a:t>LN3</a:t>
+            </a:r>
+            <a:endParaRPr lang="en-US" dirty="0"/>
           </a:p>
         </p:txBody>
       </p:sp>
@@ -18072,7 +18265,7 @@
         </p:nvSpPr>
         <p:spPr>
           <a:xfrm>
-            <a:off x="1219200" y="5562600"/>
+            <a:off x="1701136" y="4903572"/>
             <a:ext cx="838200" cy="457200"/>
           </a:xfrm>
           <a:prstGeom prst="ellipse">
@@ -18100,7 +18293,11 @@
           <a:lstStyle/>
           <a:p>
             <a:pPr algn="ctr"/>
-            <a:endParaRPr lang="en-US"/>
+            <a:r>
+              <a:rPr lang="en-US" dirty="0" smtClean="0"/>
+              <a:t>LN1</a:t>
+            </a:r>
+            <a:endParaRPr lang="en-US" dirty="0"/>
           </a:p>
         </p:txBody>
       </p:sp>
@@ -18112,7 +18309,7 @@
         </p:nvSpPr>
         <p:spPr>
           <a:xfrm>
-            <a:off x="2858460" y="5562600"/>
+            <a:off x="3471172" y="4940641"/>
             <a:ext cx="875340" cy="457200"/>
           </a:xfrm>
           <a:prstGeom prst="ellipse">
@@ -18140,20 +18337,26 @@
           <a:lstStyle/>
           <a:p>
             <a:pPr algn="ctr"/>
-            <a:endParaRPr lang="en-US"/>
+            <a:r>
+              <a:rPr lang="en-US" dirty="0" smtClean="0"/>
+              <a:t>LN2</a:t>
+            </a:r>
+            <a:endParaRPr lang="en-US" dirty="0"/>
           </a:p>
         </p:txBody>
       </p:sp>
       <p:cxnSp>
         <p:nvCxnSpPr>
           <p:cNvPr id="10" name="Straight Arrow Connector 9"/>
-          <p:cNvCxnSpPr/>
+          <p:cNvCxnSpPr>
+            <a:stCxn id="4" idx="3"/>
+          </p:cNvCxnSpPr>
           <p:nvPr/>
         </p:nvCxnSpPr>
         <p:spPr>
           <a:xfrm flipH="1">
-            <a:off x="2971800" y="4495800"/>
-            <a:ext cx="381000" cy="228600"/>
+            <a:off x="3390900" y="3935604"/>
+            <a:ext cx="579952" cy="295555"/>
           </a:xfrm>
           <a:prstGeom prst="straightConnector1">
             <a:avLst/>
@@ -18180,13 +18383,15 @@
       <p:cxnSp>
         <p:nvCxnSpPr>
           <p:cNvPr id="12" name="Straight Arrow Connector 11"/>
-          <p:cNvCxnSpPr/>
+          <p:cNvCxnSpPr>
+            <a:stCxn id="5" idx="3"/>
+          </p:cNvCxnSpPr>
           <p:nvPr/>
         </p:nvCxnSpPr>
         <p:spPr>
           <a:xfrm flipH="1">
-            <a:off x="1676400" y="5251622"/>
-            <a:ext cx="381000" cy="234778"/>
+            <a:off x="2267465" y="4587422"/>
+            <a:ext cx="514911" cy="295555"/>
           </a:xfrm>
           <a:prstGeom prst="straightConnector1">
             <a:avLst/>
@@ -18213,13 +18418,15 @@
       <p:cxnSp>
         <p:nvCxnSpPr>
           <p:cNvPr id="14" name="Straight Arrow Connector 13"/>
-          <p:cNvCxnSpPr/>
+          <p:cNvCxnSpPr>
+            <a:stCxn id="5" idx="5"/>
+          </p:cNvCxnSpPr>
           <p:nvPr/>
         </p:nvCxnSpPr>
         <p:spPr>
           <a:xfrm>
-            <a:off x="2858460" y="5213522"/>
-            <a:ext cx="362511" cy="310978"/>
+            <a:off x="3428954" y="4587422"/>
+            <a:ext cx="383082" cy="333655"/>
           </a:xfrm>
           <a:prstGeom prst="straightConnector1">
             <a:avLst/>
@@ -18246,13 +18453,15 @@
       <p:cxnSp>
         <p:nvCxnSpPr>
           <p:cNvPr id="16" name="Straight Arrow Connector 15"/>
-          <p:cNvCxnSpPr/>
+          <p:cNvCxnSpPr>
+            <a:stCxn id="4" idx="5"/>
+          </p:cNvCxnSpPr>
           <p:nvPr/>
         </p:nvCxnSpPr>
         <p:spPr>
           <a:xfrm>
-            <a:off x="4343400" y="4419600"/>
-            <a:ext cx="533400" cy="304800"/>
+            <a:off x="4563548" y="3935604"/>
+            <a:ext cx="732352" cy="295555"/>
           </a:xfrm>
           <a:prstGeom prst="straightConnector1">
             <a:avLst/>
@@ -18284,7 +18493,7 @@
         </p:nvSpPr>
         <p:spPr>
           <a:xfrm>
-            <a:off x="2419865" y="4236649"/>
+            <a:off x="2838965" y="3743408"/>
             <a:ext cx="723900" cy="369332"/>
           </a:xfrm>
           <a:prstGeom prst="rect">
@@ -18314,7 +18523,7 @@
         </p:nvSpPr>
         <p:spPr>
           <a:xfrm>
-            <a:off x="1219200" y="4999679"/>
+            <a:off x="1638300" y="4506438"/>
             <a:ext cx="647699" cy="369332"/>
           </a:xfrm>
           <a:prstGeom prst="rect">
@@ -18348,7 +18557,7 @@
         </p:nvSpPr>
         <p:spPr>
           <a:xfrm>
-            <a:off x="3245685" y="5029200"/>
+            <a:off x="3664785" y="4535959"/>
             <a:ext cx="488115" cy="369332"/>
           </a:xfrm>
           <a:prstGeom prst="rect">
@@ -18378,7 +18587,7 @@
         </p:nvSpPr>
         <p:spPr>
           <a:xfrm>
-            <a:off x="4559661" y="4136077"/>
+            <a:off x="4978761" y="3642836"/>
             <a:ext cx="264816" cy="369332"/>
           </a:xfrm>
           <a:prstGeom prst="rect">
@@ -18397,6 +18606,60 @@
               <a:t>1</a:t>
             </a:r>
             <a:endParaRPr lang="en-US" dirty="0"/>
+          </a:p>
+        </p:txBody>
+      </p:sp>
+      <p:sp>
+        <p:nvSpPr>
+          <p:cNvPr id="17" name="TextBox 16"/>
+          <p:cNvSpPr txBox="1"/>
+          <p:nvPr/>
+        </p:nvSpPr>
+        <p:spPr>
+          <a:xfrm>
+            <a:off x="381000" y="5791200"/>
+            <a:ext cx="8534400" cy="646331"/>
+          </a:xfrm>
+          <a:prstGeom prst="rect">
+            <a:avLst/>
+          </a:prstGeom>
+          <a:noFill/>
+        </p:spPr>
+        <p:txBody>
+          <a:bodyPr wrap="square" rtlCol="0">
+            <a:spAutoFit/>
+          </a:bodyPr>
+          <a:lstStyle/>
+          <a:p>
+            <a:r>
+              <a:rPr lang="en-US" dirty="0" smtClean="0">
+                <a:solidFill>
+                  <a:schemeClr val="tx2"/>
+                </a:solidFill>
+              </a:rPr>
+              <a:t>As a result for the Symbol in </a:t>
+            </a:r>
+            <a:r>
+              <a:rPr lang="en-US" dirty="0" err="1" smtClean="0">
+                <a:solidFill>
+                  <a:schemeClr val="tx2"/>
+                </a:solidFill>
+              </a:rPr>
+              <a:t>LeafNode</a:t>
+            </a:r>
+            <a:r>
+              <a:rPr lang="en-US" dirty="0" smtClean="0">
+                <a:solidFill>
+                  <a:schemeClr val="tx2"/>
+                </a:solidFill>
+              </a:rPr>
+              <a:t> 1 we have the following code : ‘00’ , for LN2: ‘01’ and etc.</a:t>
+            </a:r>
+            <a:endParaRPr lang="en-US" dirty="0">
+              <a:solidFill>
+                <a:schemeClr val="tx2"/>
+              </a:solidFill>
+            </a:endParaRPr>
           </a:p>
         </p:txBody>
       </p:sp>
@@ -18438,8 +18701,8 @@
         </p:nvSpPr>
         <p:spPr>
           <a:xfrm>
-            <a:off x="304800" y="1524000"/>
-            <a:ext cx="8305800" cy="338554"/>
+            <a:off x="2345724" y="228600"/>
+            <a:ext cx="4114800" cy="523220"/>
           </a:xfrm>
           <a:prstGeom prst="rect">
             <a:avLst/>
@@ -18453,8 +18716,1216 @@
           <a:lstStyle/>
           <a:p>
             <a:r>
+              <a:rPr lang="en-US" dirty="0" smtClean="0"/>
+              <a:t>	</a:t>
+            </a:r>
+            <a:r>
+              <a:rPr lang="en-US" sz="2800" dirty="0" smtClean="0">
+                <a:solidFill>
+                  <a:schemeClr val="bg1"/>
+                </a:solidFill>
+              </a:rPr>
+              <a:t>The Huffman Tree</a:t>
+            </a:r>
+            <a:endParaRPr lang="en-US" sz="2800" dirty="0">
+              <a:solidFill>
+                <a:schemeClr val="bg1"/>
+              </a:solidFill>
+            </a:endParaRPr>
+          </a:p>
+        </p:txBody>
+      </p:sp>
+      <p:sp>
+        <p:nvSpPr>
+          <p:cNvPr id="5" name="TextBox 4"/>
+          <p:cNvSpPr txBox="1"/>
+          <p:nvPr/>
+        </p:nvSpPr>
+        <p:spPr>
+          <a:xfrm>
+            <a:off x="37070" y="1968843"/>
+            <a:ext cx="9106930" cy="3939540"/>
+          </a:xfrm>
+          <a:prstGeom prst="rect">
+            <a:avLst/>
+          </a:prstGeom>
+          <a:noFill/>
+          <a:ln>
+            <a:solidFill>
+              <a:schemeClr val="bg1"/>
+            </a:solidFill>
+          </a:ln>
+        </p:spPr>
+        <p:txBody>
+          <a:bodyPr wrap="square" rtlCol="0">
+            <a:spAutoFit/>
+          </a:bodyPr>
+          <a:lstStyle/>
+          <a:p>
+            <a:r>
+              <a:rPr lang="pt-BR" dirty="0" smtClean="0"/>
+              <a:t>					</a:t>
+            </a:r>
+            <a:r>
+              <a:rPr lang="pt-BR" sz="1000" dirty="0" smtClean="0"/>
+              <a:t>( </a:t>
+            </a:r>
+            <a:r>
+              <a:rPr lang="pt-BR" sz="1000" dirty="0"/>
+              <a:t>)-[42</a:t>
+            </a:r>
+            <a:r>
+              <a:rPr lang="pt-BR" sz="1000" dirty="0" smtClean="0"/>
+              <a:t>]</a:t>
+            </a:r>
+          </a:p>
+          <a:p>
+            <a:r>
+              <a:rPr lang="pt-BR" sz="1000" dirty="0" smtClean="0"/>
+              <a:t>				0		1		</a:t>
+            </a:r>
+          </a:p>
+          <a:p>
+            <a:r>
+              <a:rPr lang="pt-BR" sz="1000" dirty="0"/>
+              <a:t>	</a:t>
+            </a:r>
+          </a:p>
+          <a:p>
+            <a:r>
+              <a:rPr lang="pt-BR" sz="1000" dirty="0" smtClean="0"/>
+              <a:t>			( </a:t>
+            </a:r>
+            <a:r>
+              <a:rPr lang="pt-BR" sz="1000" dirty="0"/>
+              <a:t>)-[23]	</a:t>
+            </a:r>
+            <a:r>
+              <a:rPr lang="pt-BR" sz="1000" dirty="0" smtClean="0"/>
+              <a:t>			( </a:t>
+            </a:r>
+            <a:r>
+              <a:rPr lang="pt-BR" sz="1000" dirty="0"/>
+              <a:t>)-[19</a:t>
+            </a:r>
+            <a:r>
+              <a:rPr lang="pt-BR" sz="1000" dirty="0" smtClean="0"/>
+              <a:t>]</a:t>
+            </a:r>
+          </a:p>
+          <a:p>
+            <a:endParaRPr lang="pt-BR" sz="1000" dirty="0" smtClean="0"/>
+          </a:p>
+          <a:p>
+            <a:r>
+              <a:rPr lang="pt-BR" sz="1000" dirty="0"/>
+              <a:t>	</a:t>
+            </a:r>
+          </a:p>
+          <a:p>
+            <a:r>
+              <a:rPr lang="pt-BR" sz="1000" dirty="0"/>
+              <a:t>	</a:t>
+            </a:r>
+            <a:r>
+              <a:rPr lang="pt-BR" sz="1000" dirty="0" smtClean="0"/>
+              <a:t>( </a:t>
+            </a:r>
+            <a:r>
+              <a:rPr lang="pt-BR" sz="1000" dirty="0"/>
+              <a:t>)-[12]	</a:t>
+            </a:r>
+            <a:r>
+              <a:rPr lang="pt-BR" sz="1000" dirty="0" smtClean="0"/>
+              <a:t>                                                     ( </a:t>
+            </a:r>
+            <a:r>
+              <a:rPr lang="pt-BR" sz="1000" dirty="0"/>
+              <a:t>)-[11]	</a:t>
+            </a:r>
+            <a:r>
+              <a:rPr lang="pt-BR" sz="1000" dirty="0" smtClean="0"/>
+              <a:t>			( </a:t>
+            </a:r>
+            <a:r>
+              <a:rPr lang="pt-BR" sz="1000" dirty="0"/>
+              <a:t>)-[10]	</a:t>
+            </a:r>
+            <a:r>
+              <a:rPr lang="pt-BR" sz="1000" dirty="0" smtClean="0"/>
+              <a:t>             	(“ “ </a:t>
+            </a:r>
+            <a:r>
+              <a:rPr lang="pt-BR" sz="1000" dirty="0"/>
+              <a:t>)-[9</a:t>
+            </a:r>
+            <a:r>
+              <a:rPr lang="pt-BR" sz="1000" dirty="0" smtClean="0"/>
+              <a:t>]</a:t>
+            </a:r>
+          </a:p>
+          <a:p>
+            <a:endParaRPr lang="pt-BR" sz="1000" dirty="0" smtClean="0"/>
+          </a:p>
+          <a:p>
+            <a:endParaRPr lang="pt-BR" sz="1000" dirty="0" smtClean="0"/>
+          </a:p>
+          <a:p>
+            <a:r>
+              <a:rPr lang="pt-BR" sz="1000" dirty="0"/>
+              <a:t>	</a:t>
+            </a:r>
+          </a:p>
+          <a:p>
+            <a:r>
+              <a:rPr lang="pt-BR" sz="1000" dirty="0"/>
+              <a:t>( )-[6]	</a:t>
+            </a:r>
+            <a:r>
+              <a:rPr lang="pt-BR" sz="1000" dirty="0" smtClean="0"/>
+              <a:t>	( </a:t>
+            </a:r>
+            <a:r>
+              <a:rPr lang="pt-BR" sz="1000" dirty="0"/>
+              <a:t>)-[6</a:t>
+            </a:r>
+            <a:r>
+              <a:rPr lang="pt-BR" sz="1000" dirty="0" smtClean="0"/>
+              <a:t>]                                             ( </a:t>
+            </a:r>
+            <a:r>
+              <a:rPr lang="pt-BR" sz="1000" dirty="0"/>
+              <a:t>)-[7]	</a:t>
+            </a:r>
+            <a:r>
+              <a:rPr lang="pt-BR" sz="1000" dirty="0" smtClean="0"/>
+              <a:t>            		( </a:t>
+            </a:r>
+            <a:r>
+              <a:rPr lang="pt-BR" sz="1000" dirty="0"/>
+              <a:t>)-[4</a:t>
+            </a:r>
+            <a:r>
+              <a:rPr lang="pt-BR" sz="1000" dirty="0" smtClean="0"/>
+              <a:t>]                 	 	(o</a:t>
+            </a:r>
+            <a:r>
+              <a:rPr lang="pt-BR" sz="1000" dirty="0"/>
+              <a:t>)-[6]	</a:t>
+            </a:r>
+            <a:r>
+              <a:rPr lang="pt-BR" sz="1000" dirty="0" smtClean="0"/>
+              <a:t>            (</a:t>
+            </a:r>
+            <a:r>
+              <a:rPr lang="pt-BR" sz="1000" dirty="0"/>
+              <a:t>t)-[4]	</a:t>
+            </a:r>
+            <a:endParaRPr lang="pt-BR" sz="1000" dirty="0" smtClean="0"/>
+          </a:p>
+          <a:p>
+            <a:endParaRPr lang="pt-BR" sz="1000" dirty="0" smtClean="0"/>
+          </a:p>
+          <a:p>
+            <a:endParaRPr lang="pt-BR" sz="1000" dirty="0"/>
+          </a:p>
+          <a:p>
+            <a:r>
+              <a:rPr lang="pt-BR" sz="1000" dirty="0"/>
+              <a:t>(n)-[3]	(i)-[3]	(e)-[3]	( )-[3]	 ( )-[4]	(s)-[3] </a:t>
+            </a:r>
+            <a:r>
+              <a:rPr lang="pt-BR" sz="1000" dirty="0" smtClean="0"/>
+              <a:t>	(</a:t>
+            </a:r>
+            <a:r>
+              <a:rPr lang="pt-BR" sz="1000" dirty="0"/>
+              <a:t>T)-[2]	(b)-[2</a:t>
+            </a:r>
+            <a:r>
+              <a:rPr lang="pt-BR" sz="1000" dirty="0" smtClean="0"/>
+              <a:t>]</a:t>
+            </a:r>
+          </a:p>
+          <a:p>
+            <a:endParaRPr lang="pt-BR" sz="1000" dirty="0" smtClean="0"/>
+          </a:p>
+          <a:p>
+            <a:endParaRPr lang="pt-BR" sz="1000" dirty="0" smtClean="0"/>
+          </a:p>
+          <a:p>
+            <a:r>
+              <a:rPr lang="pt-BR" sz="1000" dirty="0"/>
+              <a:t>	</a:t>
+            </a:r>
+          </a:p>
+          <a:p>
+            <a:r>
+              <a:rPr lang="pt-BR" sz="1000" dirty="0" smtClean="0"/>
+              <a:t>		      (.)-[</a:t>
+            </a:r>
+            <a:r>
+              <a:rPr lang="pt-BR" sz="1000" dirty="0"/>
+              <a:t>2]	(u)-[1]	</a:t>
+            </a:r>
+            <a:r>
+              <a:rPr lang="pt-BR" sz="1000" dirty="0" smtClean="0"/>
+              <a:t>( </a:t>
+            </a:r>
+            <a:r>
+              <a:rPr lang="pt-BR" sz="1000" dirty="0"/>
+              <a:t>)-[2]	( )-[2</a:t>
+            </a:r>
+            <a:r>
+              <a:rPr lang="pt-BR" sz="1000" dirty="0" smtClean="0"/>
+              <a:t>]</a:t>
+            </a:r>
+          </a:p>
+          <a:p>
+            <a:endParaRPr lang="pt-BR" sz="1000" dirty="0" smtClean="0"/>
+          </a:p>
+          <a:p>
+            <a:r>
+              <a:rPr lang="pt-BR" sz="1000" dirty="0"/>
+              <a:t>	</a:t>
+            </a:r>
+            <a:endParaRPr lang="pt-BR" sz="1000" dirty="0" smtClean="0"/>
+          </a:p>
+          <a:p>
+            <a:endParaRPr lang="pt-BR" sz="1000" dirty="0"/>
+          </a:p>
+          <a:p>
+            <a:r>
+              <a:rPr lang="pt-BR" sz="1000" dirty="0" smtClean="0"/>
+              <a:t>			(</a:t>
+            </a:r>
+            <a:r>
+              <a:rPr lang="pt-BR" sz="1000" dirty="0"/>
+              <a:t>r)-[1]	(h)-[1]	(q)-[1]	(a)-[1]	</a:t>
+            </a:r>
+          </a:p>
+          <a:p>
+            <a:endParaRPr lang="en-US" sz="1200" dirty="0"/>
+          </a:p>
+        </p:txBody>
+      </p:sp>
+      <p:cxnSp>
+        <p:nvCxnSpPr>
+          <p:cNvPr id="8" name="Straight Arrow Connector 7"/>
+          <p:cNvCxnSpPr/>
+          <p:nvPr/>
+        </p:nvCxnSpPr>
+        <p:spPr>
+          <a:xfrm flipH="1">
+            <a:off x="3352800" y="2286000"/>
+            <a:ext cx="1371600" cy="304800"/>
+          </a:xfrm>
+          <a:prstGeom prst="straightConnector1">
+            <a:avLst/>
+          </a:prstGeom>
+          <a:ln>
+            <a:tailEnd type="arrow"/>
+          </a:ln>
+        </p:spPr>
+        <p:style>
+          <a:lnRef idx="1">
+            <a:schemeClr val="accent1"/>
+          </a:lnRef>
+          <a:fillRef idx="0">
+            <a:schemeClr val="accent1"/>
+          </a:fillRef>
+          <a:effectRef idx="0">
+            <a:schemeClr val="accent1"/>
+          </a:effectRef>
+          <a:fontRef idx="minor">
+            <a:schemeClr val="tx1"/>
+          </a:fontRef>
+        </p:style>
+      </p:cxnSp>
+      <p:cxnSp>
+        <p:nvCxnSpPr>
+          <p:cNvPr id="10" name="Straight Arrow Connector 9"/>
+          <p:cNvCxnSpPr/>
+          <p:nvPr/>
+        </p:nvCxnSpPr>
+        <p:spPr>
+          <a:xfrm>
+            <a:off x="4876800" y="2286000"/>
+            <a:ext cx="1583724" cy="304800"/>
+          </a:xfrm>
+          <a:prstGeom prst="straightConnector1">
+            <a:avLst/>
+          </a:prstGeom>
+          <a:ln>
+            <a:tailEnd type="arrow"/>
+          </a:ln>
+        </p:spPr>
+        <p:style>
+          <a:lnRef idx="1">
+            <a:schemeClr val="accent1"/>
+          </a:lnRef>
+          <a:fillRef idx="0">
+            <a:schemeClr val="accent1"/>
+          </a:fillRef>
+          <a:effectRef idx="0">
+            <a:schemeClr val="accent1"/>
+          </a:effectRef>
+          <a:fontRef idx="minor">
+            <a:schemeClr val="tx1"/>
+          </a:fontRef>
+        </p:style>
+      </p:cxnSp>
+      <p:cxnSp>
+        <p:nvCxnSpPr>
+          <p:cNvPr id="12" name="Straight Arrow Connector 11"/>
+          <p:cNvCxnSpPr/>
+          <p:nvPr/>
+        </p:nvCxnSpPr>
+        <p:spPr>
+          <a:xfrm>
+            <a:off x="6781800" y="2819400"/>
+            <a:ext cx="0" cy="228600"/>
+          </a:xfrm>
+          <a:prstGeom prst="straightConnector1">
+            <a:avLst/>
+          </a:prstGeom>
+          <a:ln>
+            <a:tailEnd type="arrow"/>
+          </a:ln>
+        </p:spPr>
+        <p:style>
+          <a:lnRef idx="1">
+            <a:schemeClr val="accent1"/>
+          </a:lnRef>
+          <a:fillRef idx="0">
+            <a:schemeClr val="accent1"/>
+          </a:fillRef>
+          <a:effectRef idx="0">
+            <a:schemeClr val="accent1"/>
+          </a:effectRef>
+          <a:fontRef idx="minor">
+            <a:schemeClr val="tx1"/>
+          </a:fontRef>
+        </p:style>
+      </p:cxnSp>
+      <p:cxnSp>
+        <p:nvCxnSpPr>
+          <p:cNvPr id="15" name="Straight Arrow Connector 14"/>
+          <p:cNvCxnSpPr/>
+          <p:nvPr/>
+        </p:nvCxnSpPr>
+        <p:spPr>
+          <a:xfrm>
+            <a:off x="6781800" y="2819400"/>
+            <a:ext cx="1600200" cy="228600"/>
+          </a:xfrm>
+          <a:prstGeom prst="straightConnector1">
+            <a:avLst/>
+          </a:prstGeom>
+          <a:ln>
+            <a:tailEnd type="arrow"/>
+          </a:ln>
+        </p:spPr>
+        <p:style>
+          <a:lnRef idx="1">
+            <a:schemeClr val="accent1"/>
+          </a:lnRef>
+          <a:fillRef idx="0">
+            <a:schemeClr val="accent1"/>
+          </a:fillRef>
+          <a:effectRef idx="0">
+            <a:schemeClr val="accent1"/>
+          </a:effectRef>
+          <a:fontRef idx="minor">
+            <a:schemeClr val="tx1"/>
+          </a:fontRef>
+        </p:style>
+      </p:cxnSp>
+      <p:cxnSp>
+        <p:nvCxnSpPr>
+          <p:cNvPr id="17" name="Straight Arrow Connector 16"/>
+          <p:cNvCxnSpPr/>
+          <p:nvPr/>
+        </p:nvCxnSpPr>
+        <p:spPr>
+          <a:xfrm>
+            <a:off x="6858000" y="3200400"/>
+            <a:ext cx="533400" cy="533400"/>
+          </a:xfrm>
+          <a:prstGeom prst="straightConnector1">
+            <a:avLst/>
+          </a:prstGeom>
+          <a:ln>
+            <a:tailEnd type="arrow"/>
+          </a:ln>
+        </p:spPr>
+        <p:style>
+          <a:lnRef idx="1">
+            <a:schemeClr val="accent1"/>
+          </a:lnRef>
+          <a:fillRef idx="0">
+            <a:schemeClr val="accent1"/>
+          </a:fillRef>
+          <a:effectRef idx="0">
+            <a:schemeClr val="accent1"/>
+          </a:effectRef>
+          <a:fontRef idx="minor">
+            <a:schemeClr val="tx1"/>
+          </a:fontRef>
+        </p:style>
+      </p:cxnSp>
+      <p:cxnSp>
+        <p:nvCxnSpPr>
+          <p:cNvPr id="19" name="Straight Arrow Connector 18"/>
+          <p:cNvCxnSpPr/>
+          <p:nvPr/>
+        </p:nvCxnSpPr>
+        <p:spPr>
+          <a:xfrm>
+            <a:off x="6858000" y="3200400"/>
+            <a:ext cx="1828800" cy="457200"/>
+          </a:xfrm>
+          <a:prstGeom prst="straightConnector1">
+            <a:avLst/>
+          </a:prstGeom>
+          <a:ln>
+            <a:tailEnd type="arrow"/>
+          </a:ln>
+        </p:spPr>
+        <p:style>
+          <a:lnRef idx="1">
+            <a:schemeClr val="accent1"/>
+          </a:lnRef>
+          <a:fillRef idx="0">
+            <a:schemeClr val="accent1"/>
+          </a:fillRef>
+          <a:effectRef idx="0">
+            <a:schemeClr val="accent1"/>
+          </a:effectRef>
+          <a:fontRef idx="minor">
+            <a:schemeClr val="tx1"/>
+          </a:fontRef>
+        </p:style>
+      </p:cxnSp>
+      <p:cxnSp>
+        <p:nvCxnSpPr>
+          <p:cNvPr id="21" name="Straight Arrow Connector 20"/>
+          <p:cNvCxnSpPr/>
+          <p:nvPr/>
+        </p:nvCxnSpPr>
+        <p:spPr>
+          <a:xfrm>
+            <a:off x="3733800" y="3200400"/>
+            <a:ext cx="1828800" cy="457200"/>
+          </a:xfrm>
+          <a:prstGeom prst="straightConnector1">
+            <a:avLst/>
+          </a:prstGeom>
+          <a:ln>
+            <a:tailEnd type="arrow"/>
+          </a:ln>
+        </p:spPr>
+        <p:style>
+          <a:lnRef idx="1">
+            <a:schemeClr val="accent1"/>
+          </a:lnRef>
+          <a:fillRef idx="0">
+            <a:schemeClr val="accent1"/>
+          </a:fillRef>
+          <a:effectRef idx="0">
+            <a:schemeClr val="accent1"/>
+          </a:effectRef>
+          <a:fontRef idx="minor">
+            <a:schemeClr val="tx1"/>
+          </a:fontRef>
+        </p:style>
+      </p:cxnSp>
+      <p:cxnSp>
+        <p:nvCxnSpPr>
+          <p:cNvPr id="23" name="Straight Arrow Connector 22"/>
+          <p:cNvCxnSpPr/>
+          <p:nvPr/>
+        </p:nvCxnSpPr>
+        <p:spPr>
+          <a:xfrm>
+            <a:off x="3733800" y="3200400"/>
+            <a:ext cx="0" cy="457200"/>
+          </a:xfrm>
+          <a:prstGeom prst="straightConnector1">
+            <a:avLst/>
+          </a:prstGeom>
+          <a:ln>
+            <a:tailEnd type="arrow"/>
+          </a:ln>
+        </p:spPr>
+        <p:style>
+          <a:lnRef idx="1">
+            <a:schemeClr val="accent1"/>
+          </a:lnRef>
+          <a:fillRef idx="0">
+            <a:schemeClr val="accent1"/>
+          </a:fillRef>
+          <a:effectRef idx="0">
+            <a:schemeClr val="accent1"/>
+          </a:effectRef>
+          <a:fontRef idx="minor">
+            <a:schemeClr val="tx1"/>
+          </a:fontRef>
+        </p:style>
+      </p:cxnSp>
+      <p:cxnSp>
+        <p:nvCxnSpPr>
+          <p:cNvPr id="25" name="Straight Arrow Connector 24"/>
+          <p:cNvCxnSpPr/>
+          <p:nvPr/>
+        </p:nvCxnSpPr>
+        <p:spPr>
+          <a:xfrm>
+            <a:off x="3200400" y="2819400"/>
+            <a:ext cx="228600" cy="228600"/>
+          </a:xfrm>
+          <a:prstGeom prst="straightConnector1">
+            <a:avLst/>
+          </a:prstGeom>
+          <a:ln>
+            <a:tailEnd type="arrow"/>
+          </a:ln>
+        </p:spPr>
+        <p:style>
+          <a:lnRef idx="1">
+            <a:schemeClr val="accent1"/>
+          </a:lnRef>
+          <a:fillRef idx="0">
+            <a:schemeClr val="accent1"/>
+          </a:fillRef>
+          <a:effectRef idx="0">
+            <a:schemeClr val="accent1"/>
+          </a:effectRef>
+          <a:fontRef idx="minor">
+            <a:schemeClr val="tx1"/>
+          </a:fontRef>
+        </p:style>
+      </p:cxnSp>
+      <p:cxnSp>
+        <p:nvCxnSpPr>
+          <p:cNvPr id="27" name="Straight Arrow Connector 26"/>
+          <p:cNvCxnSpPr/>
+          <p:nvPr/>
+        </p:nvCxnSpPr>
+        <p:spPr>
+          <a:xfrm flipH="1">
+            <a:off x="1447800" y="2819400"/>
+            <a:ext cx="1752600" cy="304800"/>
+          </a:xfrm>
+          <a:prstGeom prst="straightConnector1">
+            <a:avLst/>
+          </a:prstGeom>
+          <a:ln>
+            <a:tailEnd type="arrow"/>
+          </a:ln>
+        </p:spPr>
+        <p:style>
+          <a:lnRef idx="1">
+            <a:schemeClr val="accent1"/>
+          </a:lnRef>
+          <a:fillRef idx="0">
+            <a:schemeClr val="accent1"/>
+          </a:fillRef>
+          <a:effectRef idx="0">
+            <a:schemeClr val="accent1"/>
+          </a:effectRef>
+          <a:fontRef idx="minor">
+            <a:schemeClr val="tx1"/>
+          </a:fontRef>
+        </p:style>
+      </p:cxnSp>
+      <p:cxnSp>
+        <p:nvCxnSpPr>
+          <p:cNvPr id="31" name="Straight Arrow Connector 30"/>
+          <p:cNvCxnSpPr/>
+          <p:nvPr/>
+        </p:nvCxnSpPr>
+        <p:spPr>
+          <a:xfrm flipH="1">
+            <a:off x="381000" y="3200400"/>
+            <a:ext cx="762000" cy="457200"/>
+          </a:xfrm>
+          <a:prstGeom prst="straightConnector1">
+            <a:avLst/>
+          </a:prstGeom>
+          <a:ln>
+            <a:tailEnd type="arrow"/>
+          </a:ln>
+        </p:spPr>
+        <p:style>
+          <a:lnRef idx="1">
+            <a:schemeClr val="accent1"/>
+          </a:lnRef>
+          <a:fillRef idx="0">
+            <a:schemeClr val="accent1"/>
+          </a:fillRef>
+          <a:effectRef idx="0">
+            <a:schemeClr val="accent1"/>
+          </a:effectRef>
+          <a:fontRef idx="minor">
+            <a:schemeClr val="tx1"/>
+          </a:fontRef>
+        </p:style>
+      </p:cxnSp>
+      <p:cxnSp>
+        <p:nvCxnSpPr>
+          <p:cNvPr id="33" name="Straight Arrow Connector 32"/>
+          <p:cNvCxnSpPr/>
+          <p:nvPr/>
+        </p:nvCxnSpPr>
+        <p:spPr>
+          <a:xfrm>
+            <a:off x="1143000" y="3200400"/>
+            <a:ext cx="838200" cy="457200"/>
+          </a:xfrm>
+          <a:prstGeom prst="straightConnector1">
+            <a:avLst/>
+          </a:prstGeom>
+          <a:ln>
+            <a:tailEnd type="arrow"/>
+          </a:ln>
+        </p:spPr>
+        <p:style>
+          <a:lnRef idx="1">
+            <a:schemeClr val="accent1"/>
+          </a:lnRef>
+          <a:fillRef idx="0">
+            <a:schemeClr val="accent1"/>
+          </a:fillRef>
+          <a:effectRef idx="0">
+            <a:schemeClr val="accent1"/>
+          </a:effectRef>
+          <a:fontRef idx="minor">
+            <a:schemeClr val="tx1"/>
+          </a:fontRef>
+        </p:style>
+      </p:cxnSp>
+      <p:cxnSp>
+        <p:nvCxnSpPr>
+          <p:cNvPr id="35" name="Straight Arrow Connector 34"/>
+          <p:cNvCxnSpPr/>
+          <p:nvPr/>
+        </p:nvCxnSpPr>
+        <p:spPr>
+          <a:xfrm>
+            <a:off x="381000" y="3886200"/>
+            <a:ext cx="0" cy="381000"/>
+          </a:xfrm>
+          <a:prstGeom prst="straightConnector1">
+            <a:avLst/>
+          </a:prstGeom>
+          <a:ln>
+            <a:tailEnd type="arrow"/>
+          </a:ln>
+        </p:spPr>
+        <p:style>
+          <a:lnRef idx="1">
+            <a:schemeClr val="accent1"/>
+          </a:lnRef>
+          <a:fillRef idx="0">
+            <a:schemeClr val="accent1"/>
+          </a:fillRef>
+          <a:effectRef idx="0">
+            <a:schemeClr val="accent1"/>
+          </a:effectRef>
+          <a:fontRef idx="minor">
+            <a:schemeClr val="tx1"/>
+          </a:fontRef>
+        </p:style>
+      </p:cxnSp>
+      <p:cxnSp>
+        <p:nvCxnSpPr>
+          <p:cNvPr id="37" name="Straight Arrow Connector 36"/>
+          <p:cNvCxnSpPr/>
+          <p:nvPr/>
+        </p:nvCxnSpPr>
+        <p:spPr>
+          <a:xfrm>
+            <a:off x="381000" y="3886200"/>
+            <a:ext cx="685800" cy="381000"/>
+          </a:xfrm>
+          <a:prstGeom prst="straightConnector1">
+            <a:avLst/>
+          </a:prstGeom>
+          <a:ln>
+            <a:tailEnd type="arrow"/>
+          </a:ln>
+        </p:spPr>
+        <p:style>
+          <a:lnRef idx="1">
+            <a:schemeClr val="accent1"/>
+          </a:lnRef>
+          <a:fillRef idx="0">
+            <a:schemeClr val="accent1"/>
+          </a:fillRef>
+          <a:effectRef idx="0">
+            <a:schemeClr val="accent1"/>
+          </a:effectRef>
+          <a:fontRef idx="minor">
+            <a:schemeClr val="tx1"/>
+          </a:fontRef>
+        </p:style>
+      </p:cxnSp>
+      <p:cxnSp>
+        <p:nvCxnSpPr>
+          <p:cNvPr id="39" name="Straight Arrow Connector 38"/>
+          <p:cNvCxnSpPr/>
+          <p:nvPr/>
+        </p:nvCxnSpPr>
+        <p:spPr>
+          <a:xfrm>
+            <a:off x="2133600" y="3886200"/>
+            <a:ext cx="0" cy="381000"/>
+          </a:xfrm>
+          <a:prstGeom prst="straightConnector1">
+            <a:avLst/>
+          </a:prstGeom>
+          <a:ln>
+            <a:tailEnd type="arrow"/>
+          </a:ln>
+        </p:spPr>
+        <p:style>
+          <a:lnRef idx="1">
+            <a:schemeClr val="accent1"/>
+          </a:lnRef>
+          <a:fillRef idx="0">
+            <a:schemeClr val="accent1"/>
+          </a:fillRef>
+          <a:effectRef idx="0">
+            <a:schemeClr val="accent1"/>
+          </a:effectRef>
+          <a:fontRef idx="minor">
+            <a:schemeClr val="tx1"/>
+          </a:fontRef>
+        </p:style>
+      </p:cxnSp>
+      <p:cxnSp>
+        <p:nvCxnSpPr>
+          <p:cNvPr id="41" name="Straight Arrow Connector 40"/>
+          <p:cNvCxnSpPr/>
+          <p:nvPr/>
+        </p:nvCxnSpPr>
+        <p:spPr>
+          <a:xfrm>
+            <a:off x="2133600" y="3886200"/>
+            <a:ext cx="762000" cy="381000"/>
+          </a:xfrm>
+          <a:prstGeom prst="straightConnector1">
+            <a:avLst/>
+          </a:prstGeom>
+          <a:ln>
+            <a:tailEnd type="arrow"/>
+          </a:ln>
+        </p:spPr>
+        <p:style>
+          <a:lnRef idx="1">
+            <a:schemeClr val="accent1"/>
+          </a:lnRef>
+          <a:fillRef idx="0">
+            <a:schemeClr val="accent1"/>
+          </a:fillRef>
+          <a:effectRef idx="0">
+            <a:schemeClr val="accent1"/>
+          </a:effectRef>
+          <a:fontRef idx="minor">
+            <a:schemeClr val="tx1"/>
+          </a:fontRef>
+        </p:style>
+      </p:cxnSp>
+      <p:cxnSp>
+        <p:nvCxnSpPr>
+          <p:cNvPr id="43" name="Straight Arrow Connector 42"/>
+          <p:cNvCxnSpPr/>
+          <p:nvPr/>
+        </p:nvCxnSpPr>
+        <p:spPr>
+          <a:xfrm flipH="1">
+            <a:off x="2324100" y="4495800"/>
+            <a:ext cx="571500" cy="381000"/>
+          </a:xfrm>
+          <a:prstGeom prst="straightConnector1">
+            <a:avLst/>
+          </a:prstGeom>
+          <a:ln>
+            <a:tailEnd type="arrow"/>
+          </a:ln>
+        </p:spPr>
+        <p:style>
+          <a:lnRef idx="1">
+            <a:schemeClr val="accent1"/>
+          </a:lnRef>
+          <a:fillRef idx="0">
+            <a:schemeClr val="accent1"/>
+          </a:fillRef>
+          <a:effectRef idx="0">
+            <a:schemeClr val="accent1"/>
+          </a:effectRef>
+          <a:fontRef idx="minor">
+            <a:schemeClr val="tx1"/>
+          </a:fontRef>
+        </p:style>
+      </p:cxnSp>
+      <p:cxnSp>
+        <p:nvCxnSpPr>
+          <p:cNvPr id="45" name="Straight Arrow Connector 44"/>
+          <p:cNvCxnSpPr/>
+          <p:nvPr/>
+        </p:nvCxnSpPr>
+        <p:spPr>
+          <a:xfrm>
+            <a:off x="2895600" y="4495800"/>
+            <a:ext cx="0" cy="381000"/>
+          </a:xfrm>
+          <a:prstGeom prst="straightConnector1">
+            <a:avLst/>
+          </a:prstGeom>
+          <a:ln>
+            <a:tailEnd type="arrow"/>
+          </a:ln>
+        </p:spPr>
+        <p:style>
+          <a:lnRef idx="1">
+            <a:schemeClr val="accent1"/>
+          </a:lnRef>
+          <a:fillRef idx="0">
+            <a:schemeClr val="accent1"/>
+          </a:fillRef>
+          <a:effectRef idx="0">
+            <a:schemeClr val="accent1"/>
+          </a:effectRef>
+          <a:fontRef idx="minor">
+            <a:schemeClr val="tx1"/>
+          </a:fontRef>
+        </p:style>
+      </p:cxnSp>
+      <p:cxnSp>
+        <p:nvCxnSpPr>
+          <p:cNvPr id="47" name="Straight Arrow Connector 46"/>
+          <p:cNvCxnSpPr/>
+          <p:nvPr/>
+        </p:nvCxnSpPr>
+        <p:spPr>
+          <a:xfrm flipH="1">
+            <a:off x="3071169" y="5105400"/>
+            <a:ext cx="715662" cy="381000"/>
+          </a:xfrm>
+          <a:prstGeom prst="straightConnector1">
+            <a:avLst/>
+          </a:prstGeom>
+          <a:ln>
+            <a:tailEnd type="arrow"/>
+          </a:ln>
+        </p:spPr>
+        <p:style>
+          <a:lnRef idx="1">
+            <a:schemeClr val="accent1"/>
+          </a:lnRef>
+          <a:fillRef idx="0">
+            <a:schemeClr val="accent1"/>
+          </a:fillRef>
+          <a:effectRef idx="0">
+            <a:schemeClr val="accent1"/>
+          </a:effectRef>
+          <a:fontRef idx="minor">
+            <a:schemeClr val="tx1"/>
+          </a:fontRef>
+        </p:style>
+      </p:cxnSp>
+      <p:cxnSp>
+        <p:nvCxnSpPr>
+          <p:cNvPr id="49" name="Straight Arrow Connector 48"/>
+          <p:cNvCxnSpPr/>
+          <p:nvPr/>
+        </p:nvCxnSpPr>
+        <p:spPr>
+          <a:xfrm>
+            <a:off x="3786831" y="5140411"/>
+            <a:ext cx="46338" cy="381000"/>
+          </a:xfrm>
+          <a:prstGeom prst="straightConnector1">
+            <a:avLst/>
+          </a:prstGeom>
+          <a:ln>
+            <a:tailEnd type="arrow"/>
+          </a:ln>
+        </p:spPr>
+        <p:style>
+          <a:lnRef idx="1">
+            <a:schemeClr val="accent1"/>
+          </a:lnRef>
+          <a:fillRef idx="0">
+            <a:schemeClr val="accent1"/>
+          </a:fillRef>
+          <a:effectRef idx="0">
+            <a:schemeClr val="accent1"/>
+          </a:effectRef>
+          <a:fontRef idx="minor">
+            <a:schemeClr val="tx1"/>
+          </a:fontRef>
+        </p:style>
+      </p:cxnSp>
+      <p:cxnSp>
+        <p:nvCxnSpPr>
+          <p:cNvPr id="51" name="Straight Arrow Connector 50"/>
+          <p:cNvCxnSpPr/>
+          <p:nvPr/>
+        </p:nvCxnSpPr>
+        <p:spPr>
+          <a:xfrm>
+            <a:off x="4866503" y="5105400"/>
+            <a:ext cx="0" cy="381000"/>
+          </a:xfrm>
+          <a:prstGeom prst="straightConnector1">
+            <a:avLst/>
+          </a:prstGeom>
+          <a:ln>
+            <a:tailEnd type="arrow"/>
+          </a:ln>
+        </p:spPr>
+        <p:style>
+          <a:lnRef idx="1">
+            <a:schemeClr val="accent1"/>
+          </a:lnRef>
+          <a:fillRef idx="0">
+            <a:schemeClr val="accent1"/>
+          </a:fillRef>
+          <a:effectRef idx="0">
+            <a:schemeClr val="accent1"/>
+          </a:effectRef>
+          <a:fontRef idx="minor">
+            <a:schemeClr val="tx1"/>
+          </a:fontRef>
+        </p:style>
+      </p:cxnSp>
+      <p:cxnSp>
+        <p:nvCxnSpPr>
+          <p:cNvPr id="53" name="Straight Arrow Connector 52"/>
+          <p:cNvCxnSpPr/>
+          <p:nvPr/>
+        </p:nvCxnSpPr>
+        <p:spPr>
+          <a:xfrm>
+            <a:off x="4866503" y="5105400"/>
+            <a:ext cx="876300" cy="381000"/>
+          </a:xfrm>
+          <a:prstGeom prst="straightConnector1">
+            <a:avLst/>
+          </a:prstGeom>
+          <a:ln>
+            <a:tailEnd type="arrow"/>
+          </a:ln>
+        </p:spPr>
+        <p:style>
+          <a:lnRef idx="1">
+            <a:schemeClr val="accent1"/>
+          </a:lnRef>
+          <a:fillRef idx="0">
+            <a:schemeClr val="accent1"/>
+          </a:fillRef>
+          <a:effectRef idx="0">
+            <a:schemeClr val="accent1"/>
+          </a:effectRef>
+          <a:fontRef idx="minor">
+            <a:schemeClr val="tx1"/>
+          </a:fontRef>
+        </p:style>
+      </p:cxnSp>
+      <p:cxnSp>
+        <p:nvCxnSpPr>
+          <p:cNvPr id="55" name="Straight Arrow Connector 54"/>
+          <p:cNvCxnSpPr/>
+          <p:nvPr/>
+        </p:nvCxnSpPr>
+        <p:spPr>
+          <a:xfrm>
+            <a:off x="5715000" y="3886200"/>
+            <a:ext cx="0" cy="381000"/>
+          </a:xfrm>
+          <a:prstGeom prst="straightConnector1">
+            <a:avLst/>
+          </a:prstGeom>
+          <a:ln>
+            <a:tailEnd type="arrow"/>
+          </a:ln>
+        </p:spPr>
+        <p:style>
+          <a:lnRef idx="1">
+            <a:schemeClr val="accent1"/>
+          </a:lnRef>
+          <a:fillRef idx="0">
+            <a:schemeClr val="accent1"/>
+          </a:fillRef>
+          <a:effectRef idx="0">
+            <a:schemeClr val="accent1"/>
+          </a:effectRef>
+          <a:fontRef idx="minor">
+            <a:schemeClr val="tx1"/>
+          </a:fontRef>
+        </p:style>
+      </p:cxnSp>
+      <p:cxnSp>
+        <p:nvCxnSpPr>
+          <p:cNvPr id="57" name="Straight Arrow Connector 56"/>
+          <p:cNvCxnSpPr/>
+          <p:nvPr/>
+        </p:nvCxnSpPr>
+        <p:spPr>
+          <a:xfrm>
+            <a:off x="5715000" y="3886200"/>
+            <a:ext cx="838200" cy="381000"/>
+          </a:xfrm>
+          <a:prstGeom prst="straightConnector1">
+            <a:avLst/>
+          </a:prstGeom>
+          <a:ln>
+            <a:tailEnd type="arrow"/>
+          </a:ln>
+        </p:spPr>
+        <p:style>
+          <a:lnRef idx="1">
+            <a:schemeClr val="accent1"/>
+          </a:lnRef>
+          <a:fillRef idx="0">
+            <a:schemeClr val="accent1"/>
+          </a:fillRef>
+          <a:effectRef idx="0">
+            <a:schemeClr val="accent1"/>
+          </a:effectRef>
+          <a:fontRef idx="minor">
+            <a:schemeClr val="tx1"/>
+          </a:fontRef>
+        </p:style>
+      </p:cxnSp>
+      <p:cxnSp>
+        <p:nvCxnSpPr>
+          <p:cNvPr id="59" name="Straight Arrow Connector 58"/>
+          <p:cNvCxnSpPr/>
+          <p:nvPr/>
+        </p:nvCxnSpPr>
+        <p:spPr>
+          <a:xfrm flipH="1">
+            <a:off x="3886200" y="4419600"/>
+            <a:ext cx="152400" cy="457200"/>
+          </a:xfrm>
+          <a:prstGeom prst="straightConnector1">
+            <a:avLst/>
+          </a:prstGeom>
+          <a:ln>
+            <a:tailEnd type="arrow"/>
+          </a:ln>
+        </p:spPr>
+        <p:style>
+          <a:lnRef idx="1">
+            <a:schemeClr val="accent1"/>
+          </a:lnRef>
+          <a:fillRef idx="0">
+            <a:schemeClr val="accent1"/>
+          </a:fillRef>
+          <a:effectRef idx="0">
+            <a:schemeClr val="accent1"/>
+          </a:effectRef>
+          <a:fontRef idx="minor">
+            <a:schemeClr val="tx1"/>
+          </a:fontRef>
+        </p:style>
+      </p:cxnSp>
+      <p:cxnSp>
+        <p:nvCxnSpPr>
+          <p:cNvPr id="61" name="Straight Arrow Connector 60"/>
+          <p:cNvCxnSpPr/>
+          <p:nvPr/>
+        </p:nvCxnSpPr>
+        <p:spPr>
+          <a:xfrm>
+            <a:off x="4038600" y="4419600"/>
+            <a:ext cx="685800" cy="457200"/>
+          </a:xfrm>
+          <a:prstGeom prst="straightConnector1">
+            <a:avLst/>
+          </a:prstGeom>
+          <a:ln>
+            <a:tailEnd type="arrow"/>
+          </a:ln>
+        </p:spPr>
+        <p:style>
+          <a:lnRef idx="1">
+            <a:schemeClr val="accent1"/>
+          </a:lnRef>
+          <a:fillRef idx="0">
+            <a:schemeClr val="accent1"/>
+          </a:fillRef>
+          <a:effectRef idx="0">
+            <a:schemeClr val="accent1"/>
+          </a:effectRef>
+          <a:fontRef idx="minor">
+            <a:schemeClr val="tx1"/>
+          </a:fontRef>
+        </p:style>
+      </p:cxnSp>
+    </p:spTree>
+    <p:extLst>
+      <p:ext uri="{BB962C8B-B14F-4D97-AF65-F5344CB8AC3E}">
+        <p14:creationId xmlns:p14="http://schemas.microsoft.com/office/powerpoint/2010/main" val="2762924562"/>
+      </p:ext>
+    </p:extLst>
+  </p:cSld>
+  <p:clrMapOvr>
+    <a:masterClrMapping/>
+  </p:clrMapOvr>
+</p:sld>
+</file>
+
+<file path=ppt/slides/slide8.xml><?xml version="1.0" encoding="utf-8"?>
+<p:sld xmlns:a="http://schemas.openxmlformats.org/drawingml/2006/main" xmlns:r="http://schemas.openxmlformats.org/officeDocument/2006/relationships" xmlns:p="http://schemas.openxmlformats.org/presentationml/2006/main">
+  <p:cSld>
+    <p:spTree>
+      <p:nvGrpSpPr>
+        <p:cNvPr id="1" name=""/>
+        <p:cNvGrpSpPr/>
+        <p:nvPr/>
+      </p:nvGrpSpPr>
+      <p:grpSpPr>
+        <a:xfrm>
+          <a:off x="0" y="0"/>
+          <a:ext cx="0" cy="0"/>
+          <a:chOff x="0" y="0"/>
+          <a:chExt cx="0" cy="0"/>
+        </a:xfrm>
+      </p:grpSpPr>
+      <p:sp>
+        <p:nvSpPr>
+          <p:cNvPr id="4" name="TextBox 3"/>
+          <p:cNvSpPr txBox="1"/>
+          <p:nvPr/>
+        </p:nvSpPr>
+        <p:spPr>
+          <a:xfrm>
+            <a:off x="304800" y="1524000"/>
+            <a:ext cx="8305800" cy="584775"/>
+          </a:xfrm>
+          <a:prstGeom prst="rect">
+            <a:avLst/>
+          </a:prstGeom>
+          <a:noFill/>
+        </p:spPr>
+        <p:txBody>
+          <a:bodyPr wrap="square" rtlCol="0">
+            <a:spAutoFit/>
+          </a:bodyPr>
+          <a:lstStyle/>
+          <a:p>
+            <a:r>
               <a:rPr lang="en-US" sz="1600" dirty="0" smtClean="0"/>
-              <a:t>As a result we get the </a:t>
+              <a:t>	As </a:t>
+            </a:r>
+            <a:r>
+              <a:rPr lang="en-US" sz="1600" dirty="0" smtClean="0"/>
+              <a:t>a result we get the </a:t>
             </a:r>
             <a:r>
               <a:rPr lang="en-US" sz="1600" b="1" dirty="0" smtClean="0"/>
@@ -18470,9 +19941,12 @@
             </a:r>
             <a:r>
               <a:rPr lang="en-US" sz="1600" dirty="0" smtClean="0"/>
-              <a:t>for every symbol found.</a:t>
-            </a:r>
-            <a:endParaRPr lang="en-US" sz="1600" dirty="0"/>
+              <a:t>for every symbol </a:t>
+            </a:r>
+            <a:r>
+              <a:rPr lang="en-US" sz="1600" dirty="0" smtClean="0"/>
+              <a:t>found in the tree. The code is computed while walking the tree until a symbol is reached. </a:t>
+            </a:r>
           </a:p>
         </p:txBody>
       </p:sp>
@@ -19052,305 +20526,6 @@
 </p:sld>
 </file>
 
-<file path=ppt/slides/slide8.xml><?xml version="1.0" encoding="utf-8"?>
-<p:sld xmlns:a="http://schemas.openxmlformats.org/drawingml/2006/main" xmlns:r="http://schemas.openxmlformats.org/officeDocument/2006/relationships" xmlns:p="http://schemas.openxmlformats.org/presentationml/2006/main">
-  <p:cSld>
-    <p:spTree>
-      <p:nvGrpSpPr>
-        <p:cNvPr id="1" name=""/>
-        <p:cNvGrpSpPr/>
-        <p:nvPr/>
-      </p:nvGrpSpPr>
-      <p:grpSpPr>
-        <a:xfrm>
-          <a:off x="0" y="0"/>
-          <a:ext cx="0" cy="0"/>
-          <a:chOff x="0" y="0"/>
-          <a:chExt cx="0" cy="0"/>
-        </a:xfrm>
-      </p:grpSpPr>
-      <p:sp>
-        <p:nvSpPr>
-          <p:cNvPr id="2" name="TextBox 1"/>
-          <p:cNvSpPr txBox="1"/>
-          <p:nvPr/>
-        </p:nvSpPr>
-        <p:spPr>
-          <a:xfrm>
-            <a:off x="304800" y="1600200"/>
-            <a:ext cx="8686800" cy="861774"/>
-          </a:xfrm>
-          <a:prstGeom prst="rect">
-            <a:avLst/>
-          </a:prstGeom>
-          <a:noFill/>
-        </p:spPr>
-        <p:txBody>
-          <a:bodyPr wrap="square" rtlCol="0">
-            <a:spAutoFit/>
-          </a:bodyPr>
-          <a:lstStyle/>
-          <a:p>
-            <a:r>
-              <a:rPr lang="en-US" dirty="0"/>
-              <a:t>	</a:t>
-            </a:r>
-            <a:r>
-              <a:rPr lang="en-US" sz="1600" dirty="0" smtClean="0"/>
-              <a:t>Characters with higher frequency are placed closer to the root in order to have a shorter code. As a result, when encoding the sequence higher frequency symbols are replaced by low-bit size codes.</a:t>
-            </a:r>
-            <a:endParaRPr lang="en-US" sz="1600" dirty="0"/>
-          </a:p>
-        </p:txBody>
-      </p:sp>
-      <p:sp>
-        <p:nvSpPr>
-          <p:cNvPr id="3" name="TextBox 2"/>
-          <p:cNvSpPr txBox="1"/>
-          <p:nvPr/>
-        </p:nvSpPr>
-        <p:spPr>
-          <a:xfrm>
-            <a:off x="381000" y="2831757"/>
-            <a:ext cx="8610600" cy="2092881"/>
-          </a:xfrm>
-          <a:prstGeom prst="rect">
-            <a:avLst/>
-          </a:prstGeom>
-          <a:noFill/>
-        </p:spPr>
-        <p:txBody>
-          <a:bodyPr wrap="square" rtlCol="0">
-            <a:spAutoFit/>
-          </a:bodyPr>
-          <a:lstStyle/>
-          <a:p>
-            <a:r>
-              <a:rPr lang="en-US" dirty="0" smtClean="0"/>
-              <a:t>	</a:t>
-            </a:r>
-            <a:r>
-              <a:rPr lang="en-US" sz="1600" b="1" dirty="0" smtClean="0"/>
-              <a:t>Step 4:	</a:t>
-            </a:r>
-            <a:r>
-              <a:rPr lang="en-US" sz="1600" dirty="0" smtClean="0"/>
-              <a:t>Encoding.</a:t>
-            </a:r>
-          </a:p>
-          <a:p>
-            <a:r>
-              <a:rPr lang="en-US" sz="1600" dirty="0" smtClean="0"/>
-              <a:t>While reading the input sequence we replace every symbol found by it’s code.</a:t>
-            </a:r>
-          </a:p>
-          <a:p>
-            <a:r>
-              <a:rPr lang="en-US" sz="1600" b="1" dirty="0" smtClean="0"/>
-              <a:t>	</a:t>
-            </a:r>
-          </a:p>
-          <a:p>
-            <a:r>
-              <a:rPr lang="en-US" sz="1000" b="1" dirty="0"/>
-              <a:t>	</a:t>
-            </a:r>
-            <a:r>
-              <a:rPr lang="en-US" sz="1000" b="1" dirty="0" smtClean="0"/>
-              <a:t>procedure</a:t>
-            </a:r>
-            <a:r>
-              <a:rPr lang="en-US" sz="1000" dirty="0" smtClean="0"/>
-              <a:t> </a:t>
-            </a:r>
-            <a:r>
-              <a:rPr lang="en-US" sz="1000" dirty="0" err="1"/>
-              <a:t>HuffmanEncoding</a:t>
-            </a:r>
-            <a:r>
-              <a:rPr lang="en-US" sz="1000" dirty="0"/>
-              <a:t>(</a:t>
-            </a:r>
-            <a:r>
-              <a:rPr lang="en-US" sz="1000" dirty="0" err="1"/>
-              <a:t>const</a:t>
-            </a:r>
-            <a:r>
-              <a:rPr lang="en-US" sz="1000" dirty="0"/>
-              <a:t> char *input, char *output)</a:t>
-            </a:r>
-          </a:p>
-          <a:p>
-            <a:r>
-              <a:rPr lang="en-US" sz="1000" dirty="0" smtClean="0"/>
-              <a:t>	{</a:t>
-            </a:r>
-            <a:endParaRPr lang="en-US" sz="1000" dirty="0"/>
-          </a:p>
-          <a:p>
-            <a:r>
-              <a:rPr lang="en-US" sz="1000" dirty="0"/>
-              <a:t>	</a:t>
-            </a:r>
-            <a:r>
-              <a:rPr lang="en-US" sz="1000" dirty="0" smtClean="0"/>
-              <a:t>	while </a:t>
-            </a:r>
-            <a:r>
-              <a:rPr lang="en-US" sz="1000" dirty="0"/>
-              <a:t>(*input)								</a:t>
-            </a:r>
-            <a:r>
-              <a:rPr lang="en-US" sz="1000" dirty="0" smtClean="0"/>
-              <a:t>	 </a:t>
-            </a:r>
-            <a:r>
-              <a:rPr lang="en-US" sz="1000" dirty="0"/>
-              <a:t>{</a:t>
-            </a:r>
-          </a:p>
-          <a:p>
-            <a:r>
-              <a:rPr lang="en-US" sz="1000" dirty="0"/>
-              <a:t>		</a:t>
-            </a:r>
-            <a:r>
-              <a:rPr lang="en-US" sz="1000" dirty="0" err="1"/>
-              <a:t>strcpy</a:t>
-            </a:r>
-            <a:r>
-              <a:rPr lang="en-US" sz="1000" dirty="0"/>
-              <a:t>(</a:t>
-            </a:r>
-            <a:r>
-              <a:rPr lang="en-US" sz="1000" dirty="0" err="1"/>
-              <a:t>output,HuffmanCodes</a:t>
-            </a:r>
-            <a:r>
-              <a:rPr lang="en-US" sz="1000" dirty="0"/>
-              <a:t>[*input]);				</a:t>
-            </a:r>
-            <a:r>
-              <a:rPr lang="en-US" sz="1000" dirty="0" smtClean="0"/>
-              <a:t>			output</a:t>
-            </a:r>
-            <a:r>
-              <a:rPr lang="en-US" sz="1000" dirty="0"/>
-              <a:t>+=</a:t>
-            </a:r>
-            <a:r>
-              <a:rPr lang="en-US" sz="1000" dirty="0" err="1"/>
-              <a:t>strlen</a:t>
-            </a:r>
-            <a:r>
-              <a:rPr lang="en-US" sz="1000" dirty="0"/>
-              <a:t>(</a:t>
-            </a:r>
-            <a:r>
-              <a:rPr lang="en-US" sz="1000" dirty="0" err="1"/>
-              <a:t>HuffmanCodes</a:t>
-            </a:r>
-            <a:r>
-              <a:rPr lang="en-US" sz="1000" dirty="0"/>
-              <a:t>[*input++]);</a:t>
-            </a:r>
-          </a:p>
-          <a:p>
-            <a:r>
-              <a:rPr lang="en-US" sz="1000" dirty="0"/>
-              <a:t>	</a:t>
-            </a:r>
-            <a:r>
-              <a:rPr lang="en-US" sz="1000" dirty="0" smtClean="0"/>
-              <a:t>	}</a:t>
-            </a:r>
-            <a:endParaRPr lang="en-US" sz="1000" dirty="0"/>
-          </a:p>
-          <a:p>
-            <a:r>
-              <a:rPr lang="en-US" sz="1000" dirty="0" smtClean="0"/>
-              <a:t>	}</a:t>
-            </a:r>
-            <a:endParaRPr lang="en-US" sz="1000" dirty="0"/>
-          </a:p>
-        </p:txBody>
-      </p:sp>
-      <p:sp>
-        <p:nvSpPr>
-          <p:cNvPr id="5" name="TextBox 4"/>
-          <p:cNvSpPr txBox="1"/>
-          <p:nvPr/>
-        </p:nvSpPr>
-        <p:spPr>
-          <a:xfrm>
-            <a:off x="381000" y="5181600"/>
-            <a:ext cx="8610600" cy="1477328"/>
-          </a:xfrm>
-          <a:prstGeom prst="rect">
-            <a:avLst/>
-          </a:prstGeom>
-          <a:noFill/>
-        </p:spPr>
-        <p:txBody>
-          <a:bodyPr wrap="square" rtlCol="0">
-            <a:spAutoFit/>
-          </a:bodyPr>
-          <a:lstStyle/>
-          <a:p>
-            <a:r>
-              <a:rPr lang="en-US" b="1" dirty="0"/>
-              <a:t>Input</a:t>
-            </a:r>
-            <a:r>
-              <a:rPr lang="en-US" dirty="0"/>
-              <a:t> : To be or not to </a:t>
-            </a:r>
-            <a:r>
-              <a:rPr lang="en-US" dirty="0" err="1"/>
-              <a:t>be.This</a:t>
-            </a:r>
-            <a:r>
-              <a:rPr lang="en-US" dirty="0"/>
-              <a:t> is not a question</a:t>
-            </a:r>
-            <a:r>
-              <a:rPr lang="en-US" dirty="0" smtClean="0"/>
-              <a:t>.   </a:t>
-            </a:r>
-            <a:r>
-              <a:rPr lang="en-US" u="sng" dirty="0" smtClean="0"/>
-              <a:t>-- ENCODING PROCEDURE --&gt;</a:t>
-            </a:r>
-          </a:p>
-          <a:p>
-            <a:endParaRPr lang="en-US" u="sng" dirty="0" smtClean="0"/>
-          </a:p>
-          <a:p>
-            <a:r>
-              <a:rPr lang="en-US" b="1" dirty="0" smtClean="0"/>
-              <a:t>Output: </a:t>
-            </a:r>
-            <a:r>
-              <a:rPr lang="en-US" dirty="0" smtClean="0"/>
-              <a:t>0110100110111001011100010000110000100101111011001101110010001100110010001000101011100010101110000100101110100111101001000111001001011010001100000000110 </a:t>
-            </a:r>
-            <a:endParaRPr lang="en-US" dirty="0"/>
-          </a:p>
-        </p:txBody>
-      </p:sp>
-    </p:spTree>
-    <p:extLst>
-      <p:ext uri="{BB962C8B-B14F-4D97-AF65-F5344CB8AC3E}">
-        <p14:creationId xmlns:p14="http://schemas.microsoft.com/office/powerpoint/2010/main" val="644497707"/>
-      </p:ext>
-    </p:extLst>
-  </p:cSld>
-  <p:clrMapOvr>
-    <a:masterClrMapping/>
-  </p:clrMapOvr>
-</p:sld>
-</file>
-
 <file path=ppt/slides/slide9.xml><?xml version="1.0" encoding="utf-8"?>
 <p:sld xmlns:a="http://schemas.openxmlformats.org/drawingml/2006/main" xmlns:r="http://schemas.openxmlformats.org/officeDocument/2006/relationships" xmlns:p="http://schemas.openxmlformats.org/presentationml/2006/main">
   <p:cSld>
@@ -19376,8 +20551,8 @@
         </p:nvSpPr>
         <p:spPr>
           <a:xfrm>
-            <a:off x="381000" y="1676400"/>
-            <a:ext cx="8229600" cy="3108543"/>
+            <a:off x="457200" y="885907"/>
+            <a:ext cx="6324600" cy="646331"/>
           </a:xfrm>
           <a:prstGeom prst="rect">
             <a:avLst/>
@@ -19391,253 +20566,833 @@
           <a:lstStyle/>
           <a:p>
             <a:r>
+              <a:rPr lang="en-US" b="1" dirty="0" smtClean="0"/>
+              <a:t>Result </a:t>
+            </a:r>
+            <a:r>
+              <a:rPr lang="en-US" b="1" dirty="0" smtClean="0"/>
+              <a:t>: </a:t>
+            </a:r>
+            <a:r>
               <a:rPr lang="en-US" dirty="0" smtClean="0"/>
-              <a:t>Step 5: Decoding</a:t>
+              <a:t>Compression Ratio</a:t>
             </a:r>
           </a:p>
           <a:p>
             <a:endParaRPr lang="en-US" dirty="0"/>
-          </a:p>
-          <a:p>
-            <a:r>
-              <a:rPr lang="en-US" sz="1000" b="1" dirty="0" smtClean="0"/>
-              <a:t>procedure</a:t>
-            </a:r>
-            <a:r>
-              <a:rPr lang="en-US" sz="1000" dirty="0" smtClean="0"/>
-              <a:t> </a:t>
-            </a:r>
-            <a:r>
-              <a:rPr lang="en-US" sz="1000" dirty="0" err="1"/>
-              <a:t>DecodingHuffman</a:t>
-            </a:r>
-            <a:r>
-              <a:rPr lang="en-US" sz="1000" dirty="0"/>
-              <a:t>(</a:t>
-            </a:r>
-            <a:r>
-              <a:rPr lang="en-US" sz="1000" dirty="0" err="1"/>
-              <a:t>const</a:t>
-            </a:r>
-            <a:r>
-              <a:rPr lang="en-US" sz="1000" dirty="0"/>
-              <a:t> char *</a:t>
-            </a:r>
-            <a:r>
-              <a:rPr lang="en-US" sz="1000" dirty="0" err="1" smtClean="0"/>
-              <a:t>EncodedSequence</a:t>
-            </a:r>
-            <a:r>
-              <a:rPr lang="en-US" sz="1000" dirty="0" smtClean="0"/>
-              <a:t>)</a:t>
-            </a:r>
-          </a:p>
-          <a:p>
-            <a:r>
-              <a:rPr lang="en-US" sz="1000" dirty="0" smtClean="0"/>
-              <a:t>{</a:t>
-            </a:r>
-            <a:endParaRPr lang="en-US" sz="1000" dirty="0"/>
-          </a:p>
-          <a:p>
-            <a:r>
-              <a:rPr lang="en-US" sz="1000" dirty="0"/>
-              <a:t>	</a:t>
-            </a:r>
-            <a:r>
-              <a:rPr lang="en-US" sz="1000" dirty="0" err="1"/>
-              <a:t>HuffNode</a:t>
-            </a:r>
-            <a:r>
-              <a:rPr lang="en-US" sz="1000" dirty="0"/>
-              <a:t> TEMP = Root</a:t>
-            </a:r>
-            <a:r>
-              <a:rPr lang="en-US" sz="1000" dirty="0" smtClean="0"/>
-              <a:t>;			// We start from the root</a:t>
-            </a:r>
-            <a:endParaRPr lang="en-US" sz="1000" dirty="0"/>
-          </a:p>
-          <a:p>
-            <a:r>
-              <a:rPr lang="en-US" sz="1000" dirty="0"/>
-              <a:t>	while (*</a:t>
-            </a:r>
-            <a:r>
-              <a:rPr lang="en-US" sz="1000" dirty="0" err="1"/>
-              <a:t>EncodedSequence</a:t>
-            </a:r>
-            <a:r>
-              <a:rPr lang="en-US" sz="1000" dirty="0" smtClean="0"/>
-              <a:t>)</a:t>
-            </a:r>
-          </a:p>
-          <a:p>
-            <a:r>
-              <a:rPr lang="en-US" sz="1000" dirty="0" smtClean="0"/>
-              <a:t>	  </a:t>
-            </a:r>
-            <a:r>
-              <a:rPr lang="en-US" sz="1000" dirty="0"/>
-              <a:t>{</a:t>
-            </a:r>
-          </a:p>
-          <a:p>
-            <a:r>
-              <a:rPr lang="en-US" sz="1000" dirty="0"/>
-              <a:t>		if (*</a:t>
-            </a:r>
-            <a:r>
-              <a:rPr lang="en-US" sz="1000" dirty="0" err="1"/>
-              <a:t>EncodedSequence</a:t>
-            </a:r>
-            <a:r>
-              <a:rPr lang="en-US" sz="1000" dirty="0"/>
-              <a:t>++ == '0')    	</a:t>
-            </a:r>
-            <a:r>
-              <a:rPr lang="en-US" sz="1000" dirty="0" smtClean="0"/>
-              <a:t>           	// If ‘0’ is read from the encoded sequence we walk to the left</a:t>
-            </a:r>
-          </a:p>
-          <a:p>
-            <a:r>
-              <a:rPr lang="en-US" sz="1000" dirty="0"/>
-              <a:t>	</a:t>
-            </a:r>
-            <a:r>
-              <a:rPr lang="en-US" sz="1000" dirty="0" smtClean="0"/>
-              <a:t>		 </a:t>
-            </a:r>
-            <a:r>
-              <a:rPr lang="en-US" sz="1000" dirty="0"/>
-              <a:t>TEMP = TEMP-&gt;left;</a:t>
-            </a:r>
-          </a:p>
-          <a:p>
-            <a:r>
-              <a:rPr lang="en-US" sz="1000" dirty="0"/>
-              <a:t>		else</a:t>
-            </a:r>
-          </a:p>
-          <a:p>
-            <a:r>
-              <a:rPr lang="en-US" sz="1000" dirty="0"/>
-              <a:t>            </a:t>
-            </a:r>
-            <a:r>
-              <a:rPr lang="en-US" sz="1000" dirty="0" smtClean="0"/>
-              <a:t>			TEMP </a:t>
-            </a:r>
-            <a:r>
-              <a:rPr lang="en-US" sz="1000" dirty="0"/>
-              <a:t>= TEMP-&gt;right;  </a:t>
-            </a:r>
-            <a:r>
-              <a:rPr lang="en-US" sz="1000" dirty="0" smtClean="0"/>
-              <a:t>	// Else we walk to the right </a:t>
-            </a:r>
-          </a:p>
-          <a:p>
-            <a:r>
-              <a:rPr lang="en-US" sz="1000" dirty="0"/>
-              <a:t>		if (TEMP-&gt;symbol)</a:t>
-            </a:r>
-          </a:p>
-          <a:p>
-            <a:r>
-              <a:rPr lang="en-US" sz="1000" dirty="0"/>
-              <a:t>		{</a:t>
-            </a:r>
-          </a:p>
-          <a:p>
-            <a:r>
-              <a:rPr lang="en-US" sz="1000" dirty="0"/>
-              <a:t>            </a:t>
-            </a:r>
-            <a:r>
-              <a:rPr lang="en-US" sz="1000" dirty="0" smtClean="0"/>
-              <a:t>			</a:t>
-            </a:r>
-            <a:r>
-              <a:rPr lang="en-US" sz="1000" b="1" dirty="0" smtClean="0"/>
-              <a:t>print</a:t>
-            </a:r>
-            <a:r>
-              <a:rPr lang="en-US" sz="1000" dirty="0" smtClean="0"/>
-              <a:t> TEMP-</a:t>
-            </a:r>
-            <a:r>
-              <a:rPr lang="en-US" sz="1000" dirty="0"/>
-              <a:t>&gt;</a:t>
-            </a:r>
-            <a:r>
-              <a:rPr lang="en-US" sz="1000" dirty="0" smtClean="0"/>
-              <a:t>symbol</a:t>
-            </a:r>
-            <a:r>
-              <a:rPr lang="en-US" sz="1000" dirty="0"/>
-              <a:t>	</a:t>
-            </a:r>
-            <a:r>
-              <a:rPr lang="en-US" sz="1000" dirty="0" smtClean="0"/>
-              <a:t>// If a symbol is found we print it</a:t>
-            </a:r>
-            <a:r>
-              <a:rPr lang="en-US" sz="1000" dirty="0"/>
-              <a:t>	</a:t>
-            </a:r>
-            <a:r>
-              <a:rPr lang="en-US" sz="1000" dirty="0" smtClean="0"/>
-              <a:t>           </a:t>
-            </a:r>
-          </a:p>
-          <a:p>
-            <a:r>
-              <a:rPr lang="en-US" sz="1000" dirty="0"/>
-              <a:t>	</a:t>
-            </a:r>
-            <a:r>
-              <a:rPr lang="en-US" sz="1000" dirty="0" smtClean="0"/>
-              <a:t>		 </a:t>
-            </a:r>
-            <a:r>
-              <a:rPr lang="en-US" sz="1000" dirty="0"/>
-              <a:t>TEMP = Root;		</a:t>
-            </a:r>
-            <a:r>
-              <a:rPr lang="en-US" sz="1000" dirty="0" smtClean="0"/>
-              <a:t>// We start again from the root</a:t>
-            </a:r>
-            <a:r>
-              <a:rPr lang="en-US" sz="1000" dirty="0"/>
-              <a:t>				</a:t>
-            </a:r>
-            <a:r>
-              <a:rPr lang="en-US" sz="1000" dirty="0" smtClean="0"/>
-              <a:t>}</a:t>
-            </a:r>
-            <a:endParaRPr lang="en-US" sz="1000" dirty="0"/>
-          </a:p>
-          <a:p>
-            <a:r>
-              <a:rPr lang="en-US" sz="1000" dirty="0"/>
-              <a:t>	}</a:t>
-            </a:r>
-          </a:p>
-          <a:p>
-            <a:r>
-              <a:rPr lang="en-US" sz="1000" dirty="0" smtClean="0"/>
-              <a:t>}</a:t>
-            </a:r>
-            <a:endParaRPr lang="en-US" sz="1000" dirty="0"/>
           </a:p>
         </p:txBody>
       </p:sp>
+      <p:graphicFrame>
+        <p:nvGraphicFramePr>
+          <p:cNvPr id="3" name="Table 2"/>
+          <p:cNvGraphicFramePr>
+            <a:graphicFrameLocks noGrp="1"/>
+          </p:cNvGraphicFramePr>
+          <p:nvPr>
+            <p:extLst>
+              <p:ext uri="{D42A27DB-BD31-4B8C-83A1-F6EECF244321}">
+                <p14:modId xmlns:p14="http://schemas.microsoft.com/office/powerpoint/2010/main" val="895776155"/>
+              </p:ext>
+            </p:extLst>
+          </p:nvPr>
+        </p:nvGraphicFramePr>
+        <p:xfrm>
+          <a:off x="914400" y="1295400"/>
+          <a:ext cx="6096000" cy="741680"/>
+        </p:xfrm>
+        <a:graphic>
+          <a:graphicData uri="http://schemas.openxmlformats.org/drawingml/2006/table">
+            <a:tbl>
+              <a:tblPr firstRow="1" bandRow="1">
+                <a:tableStyleId>{5C22544A-7EE6-4342-B048-85BDC9FD1C3A}</a:tableStyleId>
+              </a:tblPr>
+              <a:tblGrid>
+                <a:gridCol w="1524000"/>
+                <a:gridCol w="1524000"/>
+                <a:gridCol w="1524000"/>
+                <a:gridCol w="1524000"/>
+              </a:tblGrid>
+              <a:tr h="370840">
+                <a:tc>
+                  <a:txBody>
+                    <a:bodyPr/>
+                    <a:lstStyle/>
+                    <a:p>
+                      <a:r>
+                        <a:rPr lang="en-US" dirty="0" smtClean="0"/>
+                        <a:t>Input</a:t>
+                      </a:r>
+                      <a:endParaRPr lang="en-US" dirty="0"/>
+                    </a:p>
+                  </a:txBody>
+                  <a:tcPr/>
+                </a:tc>
+                <a:tc>
+                  <a:txBody>
+                    <a:bodyPr/>
+                    <a:lstStyle/>
+                    <a:p>
+                      <a:r>
+                        <a:rPr lang="en-US" dirty="0" smtClean="0"/>
+                        <a:t>42 Symbols</a:t>
+                      </a:r>
+                      <a:endParaRPr lang="en-US" dirty="0"/>
+                    </a:p>
+                  </a:txBody>
+                  <a:tcPr/>
+                </a:tc>
+                <a:tc>
+                  <a:txBody>
+                    <a:bodyPr/>
+                    <a:lstStyle/>
+                    <a:p>
+                      <a:r>
+                        <a:rPr lang="en-US" dirty="0" smtClean="0"/>
+                        <a:t>336 Bits</a:t>
+                      </a:r>
+                      <a:endParaRPr lang="en-US" dirty="0"/>
+                    </a:p>
+                  </a:txBody>
+                  <a:tcPr/>
+                </a:tc>
+                <a:tc rowSpan="2">
+                  <a:txBody>
+                    <a:bodyPr/>
+                    <a:lstStyle/>
+                    <a:p>
+                      <a:endParaRPr lang="en-US" dirty="0" smtClean="0"/>
+                    </a:p>
+                    <a:p>
+                      <a:r>
+                        <a:rPr lang="en-US" dirty="0" smtClean="0"/>
+                        <a:t>2.23</a:t>
+                      </a:r>
+                      <a:r>
+                        <a:rPr lang="en-US" baseline="0" dirty="0" smtClean="0"/>
+                        <a:t> </a:t>
+                      </a:r>
+                      <a:endParaRPr lang="en-US" dirty="0"/>
+                    </a:p>
+                  </a:txBody>
+                  <a:tcPr/>
+                </a:tc>
+              </a:tr>
+              <a:tr h="370840">
+                <a:tc>
+                  <a:txBody>
+                    <a:bodyPr/>
+                    <a:lstStyle/>
+                    <a:p>
+                      <a:r>
+                        <a:rPr lang="en-US" dirty="0" smtClean="0"/>
+                        <a:t>Output</a:t>
+                      </a:r>
+                      <a:endParaRPr lang="en-US" dirty="0"/>
+                    </a:p>
+                  </a:txBody>
+                  <a:tcPr/>
+                </a:tc>
+                <a:tc>
+                  <a:txBody>
+                    <a:bodyPr/>
+                    <a:lstStyle/>
+                    <a:p>
+                      <a:r>
+                        <a:rPr lang="en-US" dirty="0" smtClean="0"/>
+                        <a:t>151 Symbols</a:t>
+                      </a:r>
+                      <a:endParaRPr lang="en-US" dirty="0"/>
+                    </a:p>
+                  </a:txBody>
+                  <a:tcPr/>
+                </a:tc>
+                <a:tc>
+                  <a:txBody>
+                    <a:bodyPr/>
+                    <a:lstStyle/>
+                    <a:p>
+                      <a:r>
+                        <a:rPr lang="en-US" dirty="0" smtClean="0"/>
+                        <a:t>151 Bits</a:t>
+                      </a:r>
+                      <a:endParaRPr lang="en-US" dirty="0"/>
+                    </a:p>
+                  </a:txBody>
+                  <a:tcPr/>
+                </a:tc>
+                <a:tc vMerge="1">
+                  <a:txBody>
+                    <a:bodyPr/>
+                    <a:lstStyle/>
+                    <a:p>
+                      <a:endParaRPr lang="en-US" dirty="0"/>
+                    </a:p>
+                  </a:txBody>
+                  <a:tcPr/>
+                </a:tc>
+              </a:tr>
+            </a:tbl>
+          </a:graphicData>
+        </a:graphic>
+      </p:graphicFrame>
+      <p:sp>
+        <p:nvSpPr>
+          <p:cNvPr id="5" name="TextBox 4"/>
+          <p:cNvSpPr txBox="1"/>
+          <p:nvPr/>
+        </p:nvSpPr>
+        <p:spPr>
+          <a:xfrm>
+            <a:off x="228600" y="2057400"/>
+            <a:ext cx="4114800" cy="369332"/>
+          </a:xfrm>
+          <a:prstGeom prst="rect">
+            <a:avLst/>
+          </a:prstGeom>
+          <a:noFill/>
+        </p:spPr>
+        <p:txBody>
+          <a:bodyPr wrap="square" rtlCol="0">
+            <a:spAutoFit/>
+          </a:bodyPr>
+          <a:lstStyle/>
+          <a:p>
+            <a:r>
+              <a:rPr lang="en-US" b="1" dirty="0" smtClean="0"/>
+              <a:t>Other Results:</a:t>
+            </a:r>
+            <a:endParaRPr lang="en-US" b="1" dirty="0"/>
+          </a:p>
+        </p:txBody>
+      </p:sp>
+      <p:graphicFrame>
+        <p:nvGraphicFramePr>
+          <p:cNvPr id="7" name="Table 6"/>
+          <p:cNvGraphicFramePr>
+            <a:graphicFrameLocks noGrp="1"/>
+          </p:cNvGraphicFramePr>
+          <p:nvPr>
+            <p:extLst>
+              <p:ext uri="{D42A27DB-BD31-4B8C-83A1-F6EECF244321}">
+                <p14:modId xmlns:p14="http://schemas.microsoft.com/office/powerpoint/2010/main" val="187101034"/>
+              </p:ext>
+            </p:extLst>
+          </p:nvPr>
+        </p:nvGraphicFramePr>
+        <p:xfrm>
+          <a:off x="914400" y="2426732"/>
+          <a:ext cx="6096000" cy="894080"/>
+        </p:xfrm>
+        <a:graphic>
+          <a:graphicData uri="http://schemas.openxmlformats.org/drawingml/2006/table">
+            <a:tbl>
+              <a:tblPr firstRow="1" bandRow="1">
+                <a:tableStyleId>{5C22544A-7EE6-4342-B048-85BDC9FD1C3A}</a:tableStyleId>
+              </a:tblPr>
+              <a:tblGrid>
+                <a:gridCol w="1524000"/>
+                <a:gridCol w="1524000"/>
+                <a:gridCol w="1524000"/>
+                <a:gridCol w="1524000"/>
+              </a:tblGrid>
+              <a:tr h="523240">
+                <a:tc>
+                  <a:txBody>
+                    <a:bodyPr/>
+                    <a:lstStyle/>
+                    <a:p>
+                      <a:r>
+                        <a:rPr lang="en-US" dirty="0" smtClean="0"/>
+                        <a:t>Input</a:t>
+                      </a:r>
+                      <a:endParaRPr lang="en-US" dirty="0"/>
+                    </a:p>
+                  </a:txBody>
+                  <a:tcPr/>
+                </a:tc>
+                <a:tc>
+                  <a:txBody>
+                    <a:bodyPr/>
+                    <a:lstStyle/>
+                    <a:p>
+                      <a:r>
+                        <a:rPr lang="en-US" dirty="0" smtClean="0"/>
+                        <a:t>592 Symbols</a:t>
+                      </a:r>
+                      <a:endParaRPr lang="en-US" dirty="0"/>
+                    </a:p>
+                  </a:txBody>
+                  <a:tcPr/>
+                </a:tc>
+                <a:tc>
+                  <a:txBody>
+                    <a:bodyPr/>
+                    <a:lstStyle/>
+                    <a:p>
+                      <a:r>
+                        <a:rPr lang="en-US" dirty="0" smtClean="0"/>
+                        <a:t>4736 bits</a:t>
+                      </a:r>
+                      <a:endParaRPr lang="en-US" dirty="0"/>
+                    </a:p>
+                  </a:txBody>
+                  <a:tcPr/>
+                </a:tc>
+                <a:tc rowSpan="2">
+                  <a:txBody>
+                    <a:bodyPr/>
+                    <a:lstStyle/>
+                    <a:p>
+                      <a:endParaRPr lang="en-US" dirty="0" smtClean="0"/>
+                    </a:p>
+                    <a:p>
+                      <a:r>
+                        <a:rPr lang="en-US" dirty="0" smtClean="0"/>
+                        <a:t>1.74</a:t>
+                      </a:r>
+                      <a:endParaRPr lang="en-US" dirty="0"/>
+                    </a:p>
+                  </a:txBody>
+                  <a:tcPr/>
+                </a:tc>
+              </a:tr>
+              <a:tr h="370840">
+                <a:tc>
+                  <a:txBody>
+                    <a:bodyPr/>
+                    <a:lstStyle/>
+                    <a:p>
+                      <a:r>
+                        <a:rPr lang="en-US" dirty="0" smtClean="0"/>
+                        <a:t>Output</a:t>
+                      </a:r>
+                      <a:endParaRPr lang="en-US" dirty="0"/>
+                    </a:p>
+                  </a:txBody>
+                  <a:tcPr/>
+                </a:tc>
+                <a:tc>
+                  <a:txBody>
+                    <a:bodyPr/>
+                    <a:lstStyle/>
+                    <a:p>
+                      <a:r>
+                        <a:rPr lang="en-US" dirty="0" smtClean="0"/>
+                        <a:t>2717 Symbols</a:t>
+                      </a:r>
+                      <a:endParaRPr lang="en-US" dirty="0"/>
+                    </a:p>
+                  </a:txBody>
+                  <a:tcPr/>
+                </a:tc>
+                <a:tc>
+                  <a:txBody>
+                    <a:bodyPr/>
+                    <a:lstStyle/>
+                    <a:p>
+                      <a:r>
+                        <a:rPr lang="en-US" dirty="0" smtClean="0"/>
+                        <a:t>2717 bits</a:t>
+                      </a:r>
+                      <a:endParaRPr lang="en-US" dirty="0"/>
+                    </a:p>
+                  </a:txBody>
+                  <a:tcPr/>
+                </a:tc>
+                <a:tc vMerge="1">
+                  <a:txBody>
+                    <a:bodyPr/>
+                    <a:lstStyle/>
+                    <a:p>
+                      <a:endParaRPr lang="en-US" dirty="0"/>
+                    </a:p>
+                  </a:txBody>
+                  <a:tcPr/>
+                </a:tc>
+              </a:tr>
+            </a:tbl>
+          </a:graphicData>
+        </a:graphic>
+      </p:graphicFrame>
+      <p:graphicFrame>
+        <p:nvGraphicFramePr>
+          <p:cNvPr id="8" name="Table 7"/>
+          <p:cNvGraphicFramePr>
+            <a:graphicFrameLocks noGrp="1"/>
+          </p:cNvGraphicFramePr>
+          <p:nvPr>
+            <p:extLst>
+              <p:ext uri="{D42A27DB-BD31-4B8C-83A1-F6EECF244321}">
+                <p14:modId xmlns:p14="http://schemas.microsoft.com/office/powerpoint/2010/main" val="244796134"/>
+              </p:ext>
+            </p:extLst>
+          </p:nvPr>
+        </p:nvGraphicFramePr>
+        <p:xfrm>
+          <a:off x="914400" y="3428999"/>
+          <a:ext cx="6096000" cy="751840"/>
+        </p:xfrm>
+        <a:graphic>
+          <a:graphicData uri="http://schemas.openxmlformats.org/drawingml/2006/table">
+            <a:tbl>
+              <a:tblPr firstRow="1" bandRow="1">
+                <a:tableStyleId>{5C22544A-7EE6-4342-B048-85BDC9FD1C3A}</a:tableStyleId>
+              </a:tblPr>
+              <a:tblGrid>
+                <a:gridCol w="1524000"/>
+                <a:gridCol w="1524000"/>
+                <a:gridCol w="1524000"/>
+                <a:gridCol w="1524000"/>
+              </a:tblGrid>
+              <a:tr h="381000">
+                <a:tc>
+                  <a:txBody>
+                    <a:bodyPr/>
+                    <a:lstStyle/>
+                    <a:p>
+                      <a:r>
+                        <a:rPr lang="en-US" dirty="0" smtClean="0"/>
+                        <a:t>Input</a:t>
+                      </a:r>
+                      <a:endParaRPr lang="en-US" dirty="0"/>
+                    </a:p>
+                  </a:txBody>
+                  <a:tcPr/>
+                </a:tc>
+                <a:tc>
+                  <a:txBody>
+                    <a:bodyPr/>
+                    <a:lstStyle/>
+                    <a:p>
+                      <a:r>
+                        <a:rPr lang="en-US" dirty="0" smtClean="0"/>
+                        <a:t>1159 Symbols</a:t>
+                      </a:r>
+                      <a:endParaRPr lang="en-US" dirty="0"/>
+                    </a:p>
+                  </a:txBody>
+                  <a:tcPr/>
+                </a:tc>
+                <a:tc>
+                  <a:txBody>
+                    <a:bodyPr/>
+                    <a:lstStyle/>
+                    <a:p>
+                      <a:r>
+                        <a:rPr lang="en-US" dirty="0" smtClean="0"/>
+                        <a:t>9272 bits</a:t>
+                      </a:r>
+                      <a:endParaRPr lang="en-US" dirty="0"/>
+                    </a:p>
+                  </a:txBody>
+                  <a:tcPr/>
+                </a:tc>
+                <a:tc rowSpan="2">
+                  <a:txBody>
+                    <a:bodyPr/>
+                    <a:lstStyle/>
+                    <a:p>
+                      <a:endParaRPr lang="en-US" dirty="0" smtClean="0"/>
+                    </a:p>
+                    <a:p>
+                      <a:r>
+                        <a:rPr lang="en-US" dirty="0" smtClean="0"/>
+                        <a:t>1.65</a:t>
+                      </a:r>
+                      <a:endParaRPr lang="en-US" dirty="0"/>
+                    </a:p>
+                  </a:txBody>
+                  <a:tcPr/>
+                </a:tc>
+              </a:tr>
+              <a:tr h="370840">
+                <a:tc>
+                  <a:txBody>
+                    <a:bodyPr/>
+                    <a:lstStyle/>
+                    <a:p>
+                      <a:r>
+                        <a:rPr lang="en-US" dirty="0" smtClean="0"/>
+                        <a:t>Output</a:t>
+                      </a:r>
+                      <a:endParaRPr lang="en-US" dirty="0"/>
+                    </a:p>
+                  </a:txBody>
+                  <a:tcPr/>
+                </a:tc>
+                <a:tc>
+                  <a:txBody>
+                    <a:bodyPr/>
+                    <a:lstStyle/>
+                    <a:p>
+                      <a:r>
+                        <a:rPr lang="en-US" dirty="0" smtClean="0"/>
+                        <a:t>5627 Symbols</a:t>
+                      </a:r>
+                      <a:endParaRPr lang="en-US" dirty="0"/>
+                    </a:p>
+                  </a:txBody>
+                  <a:tcPr/>
+                </a:tc>
+                <a:tc>
+                  <a:txBody>
+                    <a:bodyPr/>
+                    <a:lstStyle/>
+                    <a:p>
+                      <a:r>
+                        <a:rPr lang="en-US" dirty="0" smtClean="0"/>
+                        <a:t>5627</a:t>
+                      </a:r>
+                      <a:r>
+                        <a:rPr lang="en-US" baseline="0" dirty="0" smtClean="0"/>
+                        <a:t> bits</a:t>
+                      </a:r>
+                      <a:endParaRPr lang="en-US" dirty="0"/>
+                    </a:p>
+                  </a:txBody>
+                  <a:tcPr/>
+                </a:tc>
+                <a:tc vMerge="1">
+                  <a:txBody>
+                    <a:bodyPr/>
+                    <a:lstStyle/>
+                    <a:p>
+                      <a:endParaRPr lang="en-US" dirty="0"/>
+                    </a:p>
+                  </a:txBody>
+                  <a:tcPr/>
+                </a:tc>
+              </a:tr>
+            </a:tbl>
+          </a:graphicData>
+        </a:graphic>
+      </p:graphicFrame>
+      <p:graphicFrame>
+        <p:nvGraphicFramePr>
+          <p:cNvPr id="9" name="Table 8"/>
+          <p:cNvGraphicFramePr>
+            <a:graphicFrameLocks noGrp="1"/>
+          </p:cNvGraphicFramePr>
+          <p:nvPr>
+            <p:extLst>
+              <p:ext uri="{D42A27DB-BD31-4B8C-83A1-F6EECF244321}">
+                <p14:modId xmlns:p14="http://schemas.microsoft.com/office/powerpoint/2010/main" val="1247597576"/>
+              </p:ext>
+            </p:extLst>
+          </p:nvPr>
+        </p:nvGraphicFramePr>
+        <p:xfrm>
+          <a:off x="914400" y="4343400"/>
+          <a:ext cx="6096000" cy="741680"/>
+        </p:xfrm>
+        <a:graphic>
+          <a:graphicData uri="http://schemas.openxmlformats.org/drawingml/2006/table">
+            <a:tbl>
+              <a:tblPr firstRow="1" bandRow="1">
+                <a:tableStyleId>{5C22544A-7EE6-4342-B048-85BDC9FD1C3A}</a:tableStyleId>
+              </a:tblPr>
+              <a:tblGrid>
+                <a:gridCol w="1524000"/>
+                <a:gridCol w="1524000"/>
+                <a:gridCol w="1524000"/>
+                <a:gridCol w="1524000"/>
+              </a:tblGrid>
+              <a:tr h="370840">
+                <a:tc>
+                  <a:txBody>
+                    <a:bodyPr/>
+                    <a:lstStyle/>
+                    <a:p>
+                      <a:r>
+                        <a:rPr lang="en-US" dirty="0" smtClean="0"/>
+                        <a:t>Input</a:t>
+                      </a:r>
+                      <a:endParaRPr lang="en-US" dirty="0"/>
+                    </a:p>
+                  </a:txBody>
+                  <a:tcPr/>
+                </a:tc>
+                <a:tc>
+                  <a:txBody>
+                    <a:bodyPr/>
+                    <a:lstStyle/>
+                    <a:p>
+                      <a:r>
+                        <a:rPr lang="en-US" dirty="0" smtClean="0"/>
+                        <a:t>2092</a:t>
+                      </a:r>
+                      <a:r>
+                        <a:rPr lang="en-US" baseline="0" dirty="0" smtClean="0"/>
+                        <a:t> Symbols</a:t>
+                      </a:r>
+                      <a:endParaRPr lang="en-US" dirty="0"/>
+                    </a:p>
+                  </a:txBody>
+                  <a:tcPr/>
+                </a:tc>
+                <a:tc>
+                  <a:txBody>
+                    <a:bodyPr/>
+                    <a:lstStyle/>
+                    <a:p>
+                      <a:r>
+                        <a:rPr lang="en-US" dirty="0" smtClean="0"/>
+                        <a:t>16736 bits</a:t>
+                      </a:r>
+                      <a:endParaRPr lang="en-US" dirty="0"/>
+                    </a:p>
+                  </a:txBody>
+                  <a:tcPr/>
+                </a:tc>
+                <a:tc rowSpan="2">
+                  <a:txBody>
+                    <a:bodyPr/>
+                    <a:lstStyle/>
+                    <a:p>
+                      <a:endParaRPr lang="en-US" dirty="0" smtClean="0"/>
+                    </a:p>
+                    <a:p>
+                      <a:r>
+                        <a:rPr lang="en-US" dirty="0" smtClean="0"/>
+                        <a:t>1.51</a:t>
+                      </a:r>
+                      <a:endParaRPr lang="en-US" dirty="0"/>
+                    </a:p>
+                  </a:txBody>
+                  <a:tcPr/>
+                </a:tc>
+              </a:tr>
+              <a:tr h="370840">
+                <a:tc>
+                  <a:txBody>
+                    <a:bodyPr/>
+                    <a:lstStyle/>
+                    <a:p>
+                      <a:r>
+                        <a:rPr lang="en-US" dirty="0" smtClean="0"/>
+                        <a:t>Output</a:t>
+                      </a:r>
+                      <a:endParaRPr lang="en-US" dirty="0"/>
+                    </a:p>
+                  </a:txBody>
+                  <a:tcPr/>
+                </a:tc>
+                <a:tc>
+                  <a:txBody>
+                    <a:bodyPr/>
+                    <a:lstStyle/>
+                    <a:p>
+                      <a:r>
+                        <a:rPr lang="en-US" dirty="0" smtClean="0"/>
+                        <a:t>11095</a:t>
+                      </a:r>
+                      <a:r>
+                        <a:rPr lang="en-US" baseline="0" dirty="0" smtClean="0"/>
+                        <a:t> </a:t>
+                      </a:r>
+                      <a:r>
+                        <a:rPr lang="en-US" baseline="0" dirty="0" err="1" smtClean="0"/>
+                        <a:t>Symbs</a:t>
+                      </a:r>
+                      <a:endParaRPr lang="en-US" dirty="0"/>
+                    </a:p>
+                  </a:txBody>
+                  <a:tcPr/>
+                </a:tc>
+                <a:tc>
+                  <a:txBody>
+                    <a:bodyPr/>
+                    <a:lstStyle/>
+                    <a:p>
+                      <a:r>
+                        <a:rPr lang="en-US" dirty="0" smtClean="0"/>
+                        <a:t>11095 bits</a:t>
+                      </a:r>
+                      <a:endParaRPr lang="en-US" dirty="0"/>
+                    </a:p>
+                  </a:txBody>
+                  <a:tcPr/>
+                </a:tc>
+                <a:tc vMerge="1">
+                  <a:txBody>
+                    <a:bodyPr/>
+                    <a:lstStyle/>
+                    <a:p>
+                      <a:endParaRPr lang="en-US" dirty="0"/>
+                    </a:p>
+                  </a:txBody>
+                  <a:tcPr/>
+                </a:tc>
+              </a:tr>
+            </a:tbl>
+          </a:graphicData>
+        </a:graphic>
+      </p:graphicFrame>
+      <p:graphicFrame>
+        <p:nvGraphicFramePr>
+          <p:cNvPr id="10" name="Table 9"/>
+          <p:cNvGraphicFramePr>
+            <a:graphicFrameLocks noGrp="1"/>
+          </p:cNvGraphicFramePr>
+          <p:nvPr>
+            <p:extLst>
+              <p:ext uri="{D42A27DB-BD31-4B8C-83A1-F6EECF244321}">
+                <p14:modId xmlns:p14="http://schemas.microsoft.com/office/powerpoint/2010/main" val="1493091785"/>
+              </p:ext>
+            </p:extLst>
+          </p:nvPr>
+        </p:nvGraphicFramePr>
+        <p:xfrm>
+          <a:off x="914400" y="5257800"/>
+          <a:ext cx="6096000" cy="736600"/>
+        </p:xfrm>
+        <a:graphic>
+          <a:graphicData uri="http://schemas.openxmlformats.org/drawingml/2006/table">
+            <a:tbl>
+              <a:tblPr firstRow="1" bandRow="1">
+                <a:tableStyleId>{5C22544A-7EE6-4342-B048-85BDC9FD1C3A}</a:tableStyleId>
+              </a:tblPr>
+              <a:tblGrid>
+                <a:gridCol w="1524000"/>
+                <a:gridCol w="1524000"/>
+                <a:gridCol w="1524000"/>
+                <a:gridCol w="1524000"/>
+              </a:tblGrid>
+              <a:tr h="0">
+                <a:tc>
+                  <a:txBody>
+                    <a:bodyPr/>
+                    <a:lstStyle/>
+                    <a:p>
+                      <a:r>
+                        <a:rPr lang="en-US" dirty="0" smtClean="0"/>
+                        <a:t>Input</a:t>
+                      </a:r>
+                      <a:endParaRPr lang="en-US" dirty="0"/>
+                    </a:p>
+                  </a:txBody>
+                  <a:tcPr/>
+                </a:tc>
+                <a:tc>
+                  <a:txBody>
+                    <a:bodyPr/>
+                    <a:lstStyle/>
+                    <a:p>
+                      <a:r>
+                        <a:rPr lang="en-US" dirty="0" smtClean="0"/>
+                        <a:t>4095 </a:t>
+                      </a:r>
+                      <a:r>
+                        <a:rPr lang="en-US" dirty="0" err="1" smtClean="0"/>
+                        <a:t>Symbs</a:t>
+                      </a:r>
+                      <a:endParaRPr lang="en-US" dirty="0"/>
+                    </a:p>
+                  </a:txBody>
+                  <a:tcPr/>
+                </a:tc>
+                <a:tc>
+                  <a:txBody>
+                    <a:bodyPr/>
+                    <a:lstStyle/>
+                    <a:p>
+                      <a:r>
+                        <a:rPr lang="en-US" dirty="0" smtClean="0"/>
+                        <a:t>32760 bits</a:t>
+                      </a:r>
+                      <a:endParaRPr lang="en-US" dirty="0"/>
+                    </a:p>
+                  </a:txBody>
+                  <a:tcPr/>
+                </a:tc>
+                <a:tc rowSpan="2">
+                  <a:txBody>
+                    <a:bodyPr/>
+                    <a:lstStyle/>
+                    <a:p>
+                      <a:r>
+                        <a:rPr lang="en-US" dirty="0" smtClean="0"/>
+                        <a:t> </a:t>
+                      </a:r>
+                    </a:p>
+                    <a:p>
+                      <a:r>
+                        <a:rPr lang="en-US" dirty="0" smtClean="0"/>
+                        <a:t>1.51</a:t>
+                      </a:r>
+                      <a:endParaRPr lang="en-US" dirty="0"/>
+                    </a:p>
+                  </a:txBody>
+                  <a:tcPr/>
+                </a:tc>
+              </a:tr>
+              <a:tr h="370840">
+                <a:tc>
+                  <a:txBody>
+                    <a:bodyPr/>
+                    <a:lstStyle/>
+                    <a:p>
+                      <a:r>
+                        <a:rPr lang="en-US" dirty="0" smtClean="0"/>
+                        <a:t>Output</a:t>
+                      </a:r>
+                      <a:endParaRPr lang="en-US" dirty="0"/>
+                    </a:p>
+                  </a:txBody>
+                  <a:tcPr/>
+                </a:tc>
+                <a:tc>
+                  <a:txBody>
+                    <a:bodyPr/>
+                    <a:lstStyle/>
+                    <a:p>
+                      <a:r>
+                        <a:rPr lang="en-US" dirty="0" smtClean="0"/>
+                        <a:t>21707</a:t>
+                      </a:r>
+                      <a:r>
+                        <a:rPr lang="en-US" baseline="0" dirty="0" smtClean="0"/>
+                        <a:t> bits</a:t>
+                      </a:r>
+                      <a:endParaRPr lang="en-US" dirty="0"/>
+                    </a:p>
+                  </a:txBody>
+                  <a:tcPr/>
+                </a:tc>
+                <a:tc>
+                  <a:txBody>
+                    <a:bodyPr/>
+                    <a:lstStyle/>
+                    <a:p>
+                      <a:r>
+                        <a:rPr lang="en-US" dirty="0" smtClean="0"/>
+                        <a:t>21707 bits</a:t>
+                      </a:r>
+                      <a:endParaRPr lang="en-US" dirty="0"/>
+                    </a:p>
+                  </a:txBody>
+                  <a:tcPr/>
+                </a:tc>
+                <a:tc vMerge="1">
+                  <a:txBody>
+                    <a:bodyPr/>
+                    <a:lstStyle/>
+                    <a:p>
+                      <a:endParaRPr lang="en-US" dirty="0"/>
+                    </a:p>
+                  </a:txBody>
+                  <a:tcPr/>
+                </a:tc>
+              </a:tr>
+            </a:tbl>
+          </a:graphicData>
+        </a:graphic>
+      </p:graphicFrame>
     </p:spTree>
     <p:extLst>
       <p:ext uri="{BB962C8B-B14F-4D97-AF65-F5344CB8AC3E}">
-        <p14:creationId xmlns:p14="http://schemas.microsoft.com/office/powerpoint/2010/main" val="1366542439"/>
+        <p14:creationId xmlns:p14="http://schemas.microsoft.com/office/powerpoint/2010/main" val="1690230121"/>
       </p:ext>
     </p:extLst>
   </p:cSld>
